--- a/C++ STUDY.pptx
+++ b/C++ STUDY.pptx
@@ -5,7 +5,7 @@
     <p:sldMasterId id="2147483648" r:id="rId1"/>
   </p:sldMasterIdLst>
   <p:notesMasterIdLst>
-    <p:notesMasterId r:id="rId102"/>
+    <p:notesMasterId r:id="rId110"/>
   </p:notesMasterIdLst>
   <p:sldIdLst>
     <p:sldId id="256" r:id="rId2"/>
@@ -95,19 +95,27 @@
     <p:sldId id="342" r:id="rId86"/>
     <p:sldId id="343" r:id="rId87"/>
     <p:sldId id="344" r:id="rId88"/>
-    <p:sldId id="345" r:id="rId89"/>
-    <p:sldId id="346" r:id="rId90"/>
-    <p:sldId id="347" r:id="rId91"/>
-    <p:sldId id="348" r:id="rId92"/>
-    <p:sldId id="349" r:id="rId93"/>
-    <p:sldId id="350" r:id="rId94"/>
-    <p:sldId id="351" r:id="rId95"/>
+    <p:sldId id="346" r:id="rId89"/>
+    <p:sldId id="347" r:id="rId90"/>
+    <p:sldId id="348" r:id="rId91"/>
+    <p:sldId id="349" r:id="rId92"/>
+    <p:sldId id="351" r:id="rId93"/>
+    <p:sldId id="358" r:id="rId94"/>
+    <p:sldId id="359" r:id="rId95"/>
     <p:sldId id="352" r:id="rId96"/>
-    <p:sldId id="353" r:id="rId97"/>
-    <p:sldId id="354" r:id="rId98"/>
-    <p:sldId id="355" r:id="rId99"/>
-    <p:sldId id="356" r:id="rId100"/>
+    <p:sldId id="350" r:id="rId97"/>
+    <p:sldId id="355" r:id="rId98"/>
+    <p:sldId id="353" r:id="rId99"/>
+    <p:sldId id="354" r:id="rId100"/>
     <p:sldId id="357" r:id="rId101"/>
+    <p:sldId id="360" r:id="rId102"/>
+    <p:sldId id="361" r:id="rId103"/>
+    <p:sldId id="362" r:id="rId104"/>
+    <p:sldId id="363" r:id="rId105"/>
+    <p:sldId id="364" r:id="rId106"/>
+    <p:sldId id="365" r:id="rId107"/>
+    <p:sldId id="366" r:id="rId108"/>
+    <p:sldId id="367" r:id="rId109"/>
   </p:sldIdLst>
   <p:sldSz cx="9144000" cy="6858000" type="screen4x3"/>
   <p:notesSz cx="6858000" cy="9144000"/>
@@ -3933,7 +3941,7 @@
           <a:p>
             <a:r>
               <a:rPr lang="en-US" altLang="ko-KR" dirty="0" smtClean="0"/>
-              <a:t>11</a:t>
+              <a:t>12</a:t>
             </a:r>
             <a:r>
               <a:rPr lang="ko-KR" altLang="en-US" dirty="0" smtClean="0"/>
@@ -3958,14 +3966,2761 @@
           <a:bodyPr/>
           <a:lstStyle/>
           <a:p>
+            <a:r>
+              <a:rPr lang="ko-KR" altLang="en-US" dirty="0" smtClean="0"/>
+              <a:t>클래스의 상속은 여러 단계 가능</a:t>
+            </a:r>
+            <a:endParaRPr lang="en-US" altLang="ko-KR" dirty="0" smtClean="0"/>
+          </a:p>
+          <a:p>
+            <a:r>
+              <a:rPr lang="en-US" altLang="ko-KR" dirty="0" smtClean="0"/>
+              <a:t>-&gt; </a:t>
+            </a:r>
+            <a:r>
+              <a:rPr lang="ko-KR" altLang="en-US" dirty="0" smtClean="0"/>
+              <a:t>파생 클래스가 다른 클래스의 기반 클래스로 정의 가능</a:t>
+            </a:r>
+            <a:r>
+              <a:rPr lang="en-US" altLang="ko-KR" dirty="0" smtClean="0"/>
+              <a:t>.</a:t>
+            </a:r>
+          </a:p>
+          <a:p>
+            <a:r>
+              <a:rPr lang="ko-KR" altLang="en-US" dirty="0" smtClean="0"/>
+              <a:t>이때도 </a:t>
+            </a:r>
+            <a:r>
+              <a:rPr lang="ko-KR" altLang="en-US" dirty="0" err="1" smtClean="0"/>
+              <a:t>오버라이딩</a:t>
+            </a:r>
+            <a:r>
+              <a:rPr lang="ko-KR" altLang="en-US" dirty="0" smtClean="0"/>
+              <a:t> 된 함수의 </a:t>
+            </a:r>
+            <a:r>
+              <a:rPr lang="ko-KR" altLang="en-US" dirty="0" err="1" smtClean="0"/>
+              <a:t>동적결합</a:t>
+            </a:r>
+            <a:r>
+              <a:rPr lang="ko-KR" altLang="en-US" dirty="0" smtClean="0"/>
+              <a:t> 가능</a:t>
+            </a:r>
+            <a:r>
+              <a:rPr lang="en-US" altLang="ko-KR" dirty="0" smtClean="0"/>
+              <a:t>.</a:t>
+            </a:r>
+            <a:endParaRPr lang="ko-KR" altLang="en-US" dirty="0"/>
+          </a:p>
+        </p:txBody>
+      </p:sp>
+      <p:sp>
+        <p:nvSpPr>
+          <p:cNvPr id="4" name="TextBox 3"/>
+          <p:cNvSpPr txBox="1"/>
+          <p:nvPr/>
+        </p:nvSpPr>
+        <p:spPr>
+          <a:xfrm>
+            <a:off x="5724128" y="332656"/>
+            <a:ext cx="3240360" cy="369332"/>
+          </a:xfrm>
+          <a:prstGeom prst="rect">
+            <a:avLst/>
+          </a:prstGeom>
+          <a:noFill/>
+        </p:spPr>
+        <p:txBody>
+          <a:bodyPr wrap="square" rtlCol="0">
+            <a:spAutoFit/>
+          </a:bodyPr>
+          <a:lstStyle/>
+          <a:p>
+            <a:r>
+              <a:rPr lang="ko-KR" altLang="en-US" dirty="0" smtClean="0">
+                <a:latin typeface="배달의민족 한나체 Air" panose="020B0600000101010101" pitchFamily="50" charset="-127"/>
+                <a:ea typeface="배달의민족 한나체 Air" panose="020B0600000101010101" pitchFamily="50" charset="-127"/>
+              </a:rPr>
+              <a:t>실행 시 어떤 함수가 호출 될지</a:t>
+            </a:r>
+            <a:r>
+              <a:rPr lang="en-US" altLang="ko-KR" dirty="0" smtClean="0">
+                <a:latin typeface="배달의민족 한나체 Air" panose="020B0600000101010101" pitchFamily="50" charset="-127"/>
+                <a:ea typeface="배달의민족 한나체 Air" panose="020B0600000101010101" pitchFamily="50" charset="-127"/>
+              </a:rPr>
+              <a:t>?</a:t>
+            </a:r>
+            <a:endParaRPr lang="ko-KR" altLang="en-US" dirty="0">
+              <a:latin typeface="배달의민족 한나체 Air" panose="020B0600000101010101" pitchFamily="50" charset="-127"/>
+              <a:ea typeface="배달의민족 한나체 Air" panose="020B0600000101010101" pitchFamily="50" charset="-127"/>
+            </a:endParaRPr>
+          </a:p>
+        </p:txBody>
+      </p:sp>
+      <p:sp>
+        <p:nvSpPr>
+          <p:cNvPr id="5" name="직사각형 4"/>
+          <p:cNvSpPr/>
+          <p:nvPr/>
+        </p:nvSpPr>
+        <p:spPr>
+          <a:xfrm>
+            <a:off x="3059832" y="1484784"/>
+            <a:ext cx="792088" cy="288032"/>
+          </a:xfrm>
+          <a:prstGeom prst="rect">
+            <a:avLst/>
+          </a:prstGeom>
+          <a:noFill/>
+          <a:ln>
+            <a:solidFill>
+              <a:srgbClr val="FF0000"/>
+            </a:solidFill>
+          </a:ln>
+        </p:spPr>
+        <p:style>
+          <a:lnRef idx="2">
+            <a:schemeClr val="accent1">
+              <a:shade val="50000"/>
+            </a:schemeClr>
+          </a:lnRef>
+          <a:fillRef idx="1">
+            <a:schemeClr val="accent1"/>
+          </a:fillRef>
+          <a:effectRef idx="0">
+            <a:schemeClr val="accent1"/>
+          </a:effectRef>
+          <a:fontRef idx="minor">
+            <a:schemeClr val="lt1"/>
+          </a:fontRef>
+        </p:style>
+        <p:txBody>
+          <a:bodyPr rtlCol="0" anchor="ctr"/>
+          <a:lstStyle/>
+          <a:p>
+            <a:pPr algn="ctr"/>
+            <a:endParaRPr lang="ko-KR" altLang="en-US" dirty="0"/>
+          </a:p>
+        </p:txBody>
+      </p:sp>
+      <p:sp>
+        <p:nvSpPr>
+          <p:cNvPr id="6" name="직사각형 5"/>
+          <p:cNvSpPr/>
+          <p:nvPr/>
+        </p:nvSpPr>
+        <p:spPr>
+          <a:xfrm>
+            <a:off x="5796136" y="332656"/>
+            <a:ext cx="2736304" cy="369332"/>
+          </a:xfrm>
+          <a:prstGeom prst="rect">
+            <a:avLst/>
+          </a:prstGeom>
+          <a:noFill/>
+          <a:ln>
+            <a:solidFill>
+              <a:srgbClr val="FF0000"/>
+            </a:solidFill>
+          </a:ln>
+        </p:spPr>
+        <p:style>
+          <a:lnRef idx="2">
+            <a:schemeClr val="accent1">
+              <a:shade val="50000"/>
+            </a:schemeClr>
+          </a:lnRef>
+          <a:fillRef idx="1">
+            <a:schemeClr val="accent1"/>
+          </a:fillRef>
+          <a:effectRef idx="0">
+            <a:schemeClr val="accent1"/>
+          </a:effectRef>
+          <a:fontRef idx="minor">
+            <a:schemeClr val="lt1"/>
+          </a:fontRef>
+        </p:style>
+        <p:txBody>
+          <a:bodyPr rtlCol="0" anchor="ctr"/>
+          <a:lstStyle/>
+          <a:p>
+            <a:pPr algn="ctr"/>
             <a:endParaRPr lang="ko-KR" altLang="en-US"/>
+          </a:p>
+        </p:txBody>
+      </p:sp>
+      <p:pic>
+        <p:nvPicPr>
+          <p:cNvPr id="27650" name="Picture 2"/>
+          <p:cNvPicPr>
+            <a:picLocks noChangeAspect="1" noChangeArrowheads="1"/>
+          </p:cNvPicPr>
+          <p:nvPr/>
+        </p:nvPicPr>
+        <p:blipFill>
+          <a:blip r:embed="rId2">
+            <a:extLst>
+              <a:ext uri="{28A0092B-C50C-407E-A947-70E740481C1C}">
+                <a14:useLocalDpi xmlns:a14="http://schemas.microsoft.com/office/drawing/2010/main" val="0"/>
+              </a:ext>
+            </a:extLst>
+          </a:blip>
+          <a:srcRect/>
+          <a:stretch>
+            <a:fillRect/>
+          </a:stretch>
+        </p:blipFill>
+        <p:spPr bwMode="auto">
+          <a:xfrm>
+            <a:off x="1115616" y="1844824"/>
+            <a:ext cx="3095625" cy="4810125"/>
+          </a:xfrm>
+          <a:prstGeom prst="rect">
+            <a:avLst/>
+          </a:prstGeom>
+          <a:noFill/>
+          <a:ln>
+            <a:noFill/>
+          </a:ln>
+          <a:extLst>
+            <a:ext uri="{909E8E84-426E-40DD-AFC4-6F175D3DCCD1}">
+              <a14:hiddenFill xmlns:a14="http://schemas.microsoft.com/office/drawing/2010/main">
+                <a:solidFill>
+                  <a:schemeClr val="accent1"/>
+                </a:solidFill>
+              </a14:hiddenFill>
+            </a:ext>
+            <a:ext uri="{91240B29-F687-4F45-9708-019B960494DF}">
+              <a14:hiddenLine xmlns:a14="http://schemas.microsoft.com/office/drawing/2010/main" w="9525">
+                <a:solidFill>
+                  <a:schemeClr val="tx1"/>
+                </a:solidFill>
+                <a:miter lim="800000"/>
+                <a:headEnd/>
+                <a:tailEnd/>
+              </a14:hiddenLine>
+            </a:ext>
+          </a:extLst>
+        </p:spPr>
+      </p:pic>
+      <p:pic>
+        <p:nvPicPr>
+          <p:cNvPr id="27651" name="Picture 3"/>
+          <p:cNvPicPr>
+            <a:picLocks noChangeAspect="1" noChangeArrowheads="1"/>
+          </p:cNvPicPr>
+          <p:nvPr/>
+        </p:nvPicPr>
+        <p:blipFill>
+          <a:blip r:embed="rId3">
+            <a:extLst>
+              <a:ext uri="{28A0092B-C50C-407E-A947-70E740481C1C}">
+                <a14:useLocalDpi xmlns:a14="http://schemas.microsoft.com/office/drawing/2010/main" val="0"/>
+              </a:ext>
+            </a:extLst>
+          </a:blip>
+          <a:srcRect/>
+          <a:stretch>
+            <a:fillRect/>
+          </a:stretch>
+        </p:blipFill>
+        <p:spPr bwMode="auto">
+          <a:xfrm>
+            <a:off x="4390628" y="3154511"/>
+            <a:ext cx="1333500" cy="2190750"/>
+          </a:xfrm>
+          <a:prstGeom prst="rect">
+            <a:avLst/>
+          </a:prstGeom>
+          <a:noFill/>
+          <a:ln>
+            <a:noFill/>
+          </a:ln>
+          <a:extLst>
+            <a:ext uri="{909E8E84-426E-40DD-AFC4-6F175D3DCCD1}">
+              <a14:hiddenFill xmlns:a14="http://schemas.microsoft.com/office/drawing/2010/main">
+                <a:solidFill>
+                  <a:schemeClr val="accent1"/>
+                </a:solidFill>
+              </a14:hiddenFill>
+            </a:ext>
+            <a:ext uri="{91240B29-F687-4F45-9708-019B960494DF}">
+              <a14:hiddenLine xmlns:a14="http://schemas.microsoft.com/office/drawing/2010/main" w="9525">
+                <a:solidFill>
+                  <a:schemeClr val="tx1"/>
+                </a:solidFill>
+                <a:miter lim="800000"/>
+                <a:headEnd/>
+                <a:tailEnd/>
+              </a14:hiddenLine>
+            </a:ext>
+          </a:extLst>
+        </p:spPr>
+      </p:pic>
+      <p:pic>
+        <p:nvPicPr>
+          <p:cNvPr id="27652" name="Picture 4"/>
+          <p:cNvPicPr>
+            <a:picLocks noChangeAspect="1" noChangeArrowheads="1"/>
+          </p:cNvPicPr>
+          <p:nvPr/>
+        </p:nvPicPr>
+        <p:blipFill>
+          <a:blip r:embed="rId4">
+            <a:extLst>
+              <a:ext uri="{28A0092B-C50C-407E-A947-70E740481C1C}">
+                <a14:useLocalDpi xmlns:a14="http://schemas.microsoft.com/office/drawing/2010/main" val="0"/>
+              </a:ext>
+            </a:extLst>
+          </a:blip>
+          <a:srcRect/>
+          <a:stretch>
+            <a:fillRect/>
+          </a:stretch>
+        </p:blipFill>
+        <p:spPr bwMode="auto">
+          <a:xfrm>
+            <a:off x="6585359" y="3570957"/>
+            <a:ext cx="1517898" cy="1298203"/>
+          </a:xfrm>
+          <a:prstGeom prst="rect">
+            <a:avLst/>
+          </a:prstGeom>
+          <a:noFill/>
+          <a:ln>
+            <a:noFill/>
+          </a:ln>
+          <a:extLst>
+            <a:ext uri="{909E8E84-426E-40DD-AFC4-6F175D3DCCD1}">
+              <a14:hiddenFill xmlns:a14="http://schemas.microsoft.com/office/drawing/2010/main">
+                <a:solidFill>
+                  <a:schemeClr val="accent1"/>
+                </a:solidFill>
+              </a14:hiddenFill>
+            </a:ext>
+            <a:ext uri="{91240B29-F687-4F45-9708-019B960494DF}">
+              <a14:hiddenLine xmlns:a14="http://schemas.microsoft.com/office/drawing/2010/main" w="9525">
+                <a:solidFill>
+                  <a:schemeClr val="tx1"/>
+                </a:solidFill>
+                <a:miter lim="800000"/>
+                <a:headEnd/>
+                <a:tailEnd/>
+              </a14:hiddenLine>
+            </a:ext>
+          </a:extLst>
+        </p:spPr>
+      </p:pic>
+      <p:sp>
+        <p:nvSpPr>
+          <p:cNvPr id="10" name="직사각형 9"/>
+          <p:cNvSpPr/>
+          <p:nvPr/>
+        </p:nvSpPr>
+        <p:spPr>
+          <a:xfrm>
+            <a:off x="1115289" y="4869160"/>
+            <a:ext cx="2016224" cy="1152128"/>
+          </a:xfrm>
+          <a:prstGeom prst="rect">
+            <a:avLst/>
+          </a:prstGeom>
+          <a:noFill/>
+          <a:ln>
+            <a:solidFill>
+              <a:srgbClr val="FF0000"/>
+            </a:solidFill>
+          </a:ln>
+        </p:spPr>
+        <p:style>
+          <a:lnRef idx="2">
+            <a:schemeClr val="accent1">
+              <a:shade val="50000"/>
+            </a:schemeClr>
+          </a:lnRef>
+          <a:fillRef idx="1">
+            <a:schemeClr val="accent1"/>
+          </a:fillRef>
+          <a:effectRef idx="0">
+            <a:schemeClr val="accent1"/>
+          </a:effectRef>
+          <a:fontRef idx="minor">
+            <a:schemeClr val="lt1"/>
+          </a:fontRef>
+        </p:style>
+        <p:txBody>
+          <a:bodyPr rtlCol="0" anchor="ctr"/>
+          <a:lstStyle/>
+          <a:p>
+            <a:pPr algn="ctr"/>
+            <a:endParaRPr lang="ko-KR" altLang="en-US" dirty="0"/>
           </a:p>
         </p:txBody>
       </p:sp>
     </p:spTree>
     <p:extLst>
       <p:ext uri="{BB962C8B-B14F-4D97-AF65-F5344CB8AC3E}">
-        <p14:creationId xmlns:p14="http://schemas.microsoft.com/office/powerpoint/2010/main" val="1311453032"/>
+        <p14:creationId xmlns:p14="http://schemas.microsoft.com/office/powerpoint/2010/main" val="931431052"/>
+      </p:ext>
+    </p:extLst>
+  </p:cSld>
+  <p:clrMapOvr>
+    <a:masterClrMapping/>
+  </p:clrMapOvr>
+  <p:timing>
+    <p:tnLst>
+      <p:par>
+        <p:cTn id="1" dur="indefinite" restart="never" nodeType="tmRoot"/>
+      </p:par>
+    </p:tnLst>
+  </p:timing>
+</p:sld>
+</file>
+
+<file path=ppt/slides/slide101.xml><?xml version="1.0" encoding="utf-8"?>
+<p:sld xmlns:a="http://schemas.openxmlformats.org/drawingml/2006/main" xmlns:r="http://schemas.openxmlformats.org/officeDocument/2006/relationships" xmlns:p="http://schemas.openxmlformats.org/presentationml/2006/main">
+  <p:cSld>
+    <p:spTree>
+      <p:nvGrpSpPr>
+        <p:cNvPr id="1" name=""/>
+        <p:cNvGrpSpPr/>
+        <p:nvPr/>
+      </p:nvGrpSpPr>
+      <p:grpSpPr>
+        <a:xfrm>
+          <a:off x="0" y="0"/>
+          <a:ext cx="0" cy="0"/>
+          <a:chOff x="0" y="0"/>
+          <a:chExt cx="0" cy="0"/>
+        </a:xfrm>
+      </p:grpSpPr>
+      <p:sp>
+        <p:nvSpPr>
+          <p:cNvPr id="14" name="폭발 1 13"/>
+          <p:cNvSpPr/>
+          <p:nvPr/>
+        </p:nvSpPr>
+        <p:spPr>
+          <a:xfrm>
+            <a:off x="144016" y="4053246"/>
+            <a:ext cx="3995936" cy="1752017"/>
+          </a:xfrm>
+          <a:prstGeom prst="irregularSeal1">
+            <a:avLst/>
+          </a:prstGeom>
+          <a:solidFill>
+            <a:schemeClr val="accent2">
+              <a:lumMod val="60000"/>
+              <a:lumOff val="40000"/>
+            </a:schemeClr>
+          </a:solidFill>
+          <a:ln>
+            <a:solidFill>
+              <a:srgbClr val="FFC000"/>
+            </a:solidFill>
+          </a:ln>
+        </p:spPr>
+        <p:style>
+          <a:lnRef idx="2">
+            <a:schemeClr val="accent1">
+              <a:shade val="50000"/>
+            </a:schemeClr>
+          </a:lnRef>
+          <a:fillRef idx="1">
+            <a:schemeClr val="accent1"/>
+          </a:fillRef>
+          <a:effectRef idx="0">
+            <a:schemeClr val="accent1"/>
+          </a:effectRef>
+          <a:fontRef idx="minor">
+            <a:schemeClr val="lt1"/>
+          </a:fontRef>
+        </p:style>
+        <p:txBody>
+          <a:bodyPr rtlCol="0" anchor="ctr"/>
+          <a:lstStyle/>
+          <a:p>
+            <a:pPr algn="ctr"/>
+            <a:endParaRPr lang="ko-KR" altLang="en-US"/>
+          </a:p>
+        </p:txBody>
+      </p:sp>
+      <p:sp>
+        <p:nvSpPr>
+          <p:cNvPr id="2" name="제목 1"/>
+          <p:cNvSpPr>
+            <a:spLocks noGrp="1"/>
+          </p:cNvSpPr>
+          <p:nvPr>
+            <p:ph type="title"/>
+          </p:nvPr>
+        </p:nvSpPr>
+        <p:spPr/>
+        <p:txBody>
+          <a:bodyPr/>
+          <a:lstStyle/>
+          <a:p>
+            <a:r>
+              <a:rPr lang="en-US" altLang="ko-KR" dirty="0" smtClean="0"/>
+              <a:t>12</a:t>
+            </a:r>
+            <a:r>
+              <a:rPr lang="ko-KR" altLang="en-US" dirty="0" smtClean="0"/>
+              <a:t>장</a:t>
+            </a:r>
+            <a:endParaRPr lang="ko-KR" altLang="en-US" dirty="0"/>
+          </a:p>
+        </p:txBody>
+      </p:sp>
+      <p:sp>
+        <p:nvSpPr>
+          <p:cNvPr id="3" name="내용 개체 틀 2"/>
+          <p:cNvSpPr>
+            <a:spLocks noGrp="1"/>
+          </p:cNvSpPr>
+          <p:nvPr>
+            <p:ph idx="1"/>
+          </p:nvPr>
+        </p:nvSpPr>
+        <p:spPr/>
+        <p:txBody>
+          <a:bodyPr/>
+          <a:lstStyle/>
+          <a:p>
+            <a:r>
+              <a:rPr lang="ko-KR" altLang="en-US" dirty="0" smtClean="0"/>
+              <a:t>추상 클래스</a:t>
+            </a:r>
+            <a:endParaRPr lang="en-US" altLang="ko-KR" dirty="0" smtClean="0"/>
+          </a:p>
+          <a:p>
+            <a:r>
+              <a:rPr lang="en-US" altLang="ko-KR" dirty="0" smtClean="0"/>
+              <a:t>-&gt; </a:t>
+            </a:r>
+            <a:r>
+              <a:rPr lang="ko-KR" altLang="en-US" dirty="0" smtClean="0"/>
+              <a:t>상속에서 기반 클래스 역할을 담당</a:t>
+            </a:r>
+            <a:endParaRPr lang="en-US" altLang="ko-KR" dirty="0" smtClean="0"/>
+          </a:p>
+          <a:p>
+            <a:r>
+              <a:rPr lang="en-US" altLang="ko-KR" dirty="0" smtClean="0"/>
+              <a:t>-&gt; </a:t>
+            </a:r>
+            <a:r>
+              <a:rPr lang="ko-KR" altLang="en-US" dirty="0" smtClean="0"/>
+              <a:t>구체적이지 못한 멤버 함수를 갖는 클래스</a:t>
+            </a:r>
+            <a:endParaRPr lang="en-US" altLang="ko-KR" dirty="0" smtClean="0"/>
+          </a:p>
+          <a:p>
+            <a:r>
+              <a:rPr lang="en-US" altLang="ko-KR" dirty="0" smtClean="0"/>
+              <a:t>-&gt; </a:t>
+            </a:r>
+            <a:r>
+              <a:rPr lang="ko-KR" altLang="en-US" dirty="0" smtClean="0"/>
+              <a:t>이러한 기반 클래스를 더 구체적으로 정의한 것이 </a:t>
+            </a:r>
+            <a:r>
+              <a:rPr lang="ko-KR" altLang="en-US" b="1" dirty="0" smtClean="0"/>
+              <a:t>파생 클래스</a:t>
+            </a:r>
+            <a:endParaRPr lang="en-US" altLang="ko-KR" b="1" dirty="0" smtClean="0"/>
+          </a:p>
+          <a:p>
+            <a:endParaRPr lang="en-US" altLang="ko-KR" b="1" dirty="0"/>
+          </a:p>
+          <a:p>
+            <a:r>
+              <a:rPr lang="ko-KR" altLang="en-US" dirty="0" smtClean="0"/>
+              <a:t>순수 가상 함수</a:t>
+            </a:r>
+            <a:endParaRPr lang="en-US" altLang="ko-KR" dirty="0"/>
+          </a:p>
+          <a:p>
+            <a:r>
+              <a:rPr lang="en-US" altLang="ko-KR" dirty="0" smtClean="0"/>
+              <a:t>-&gt; </a:t>
+            </a:r>
+            <a:r>
+              <a:rPr lang="ko-KR" altLang="en-US" dirty="0" smtClean="0"/>
+              <a:t>함수의 내용이 정의되지 않은 함수</a:t>
+            </a:r>
+            <a:endParaRPr lang="en-US" altLang="ko-KR" dirty="0" smtClean="0"/>
+          </a:p>
+          <a:p>
+            <a:r>
+              <a:rPr lang="en-US" altLang="ko-KR" dirty="0" smtClean="0"/>
+              <a:t>-&gt; </a:t>
+            </a:r>
+            <a:r>
+              <a:rPr lang="ko-KR" altLang="en-US" dirty="0" smtClean="0"/>
+              <a:t>파생 클래스에서 함수 </a:t>
+            </a:r>
+            <a:r>
+              <a:rPr lang="ko-KR" altLang="en-US" dirty="0" err="1" smtClean="0"/>
+              <a:t>오버라이딩에</a:t>
+            </a:r>
+            <a:r>
+              <a:rPr lang="ko-KR" altLang="en-US" dirty="0" smtClean="0"/>
+              <a:t> 의해 내용이 결정</a:t>
+            </a:r>
+            <a:r>
+              <a:rPr lang="en-US" altLang="ko-KR" dirty="0" smtClean="0"/>
+              <a:t>.</a:t>
+            </a:r>
+          </a:p>
+          <a:p>
+            <a:endParaRPr lang="en-US" altLang="ko-KR" dirty="0"/>
+          </a:p>
+          <a:p>
+            <a:r>
+              <a:rPr lang="en-US" altLang="ko-KR" dirty="0" smtClean="0"/>
+              <a:t>virtual </a:t>
+            </a:r>
+            <a:r>
+              <a:rPr lang="ko-KR" altLang="en-US" dirty="0" smtClean="0"/>
+              <a:t>반환형 함수 이름</a:t>
+            </a:r>
+            <a:r>
+              <a:rPr lang="en-US" altLang="ko-KR" dirty="0" smtClean="0"/>
+              <a:t>() = 0;</a:t>
+            </a:r>
+          </a:p>
+          <a:p>
+            <a:endParaRPr lang="en-US" altLang="ko-KR" dirty="0"/>
+          </a:p>
+          <a:p>
+            <a:r>
+              <a:rPr lang="ko-KR" altLang="en-US" b="1" dirty="0" smtClean="0"/>
+              <a:t>추상 클래스는 객체 생성 불가</a:t>
+            </a:r>
+            <a:endParaRPr lang="en-US" altLang="ko-KR" b="1" dirty="0" smtClean="0"/>
+          </a:p>
+          <a:p>
+            <a:r>
+              <a:rPr lang="en-US" altLang="ko-KR" dirty="0" smtClean="0"/>
+              <a:t>why?</a:t>
+            </a:r>
+          </a:p>
+          <a:p>
+            <a:r>
+              <a:rPr lang="ko-KR" altLang="en-US" dirty="0" smtClean="0"/>
+              <a:t>정의 되지 </a:t>
+            </a:r>
+            <a:r>
+              <a:rPr lang="ko-KR" altLang="en-US" dirty="0"/>
+              <a:t>않</a:t>
+            </a:r>
+            <a:r>
+              <a:rPr lang="ko-KR" altLang="en-US" dirty="0" smtClean="0"/>
+              <a:t>은 멤버를 갖고 있기 때문</a:t>
+            </a:r>
+            <a:r>
+              <a:rPr lang="en-US" altLang="ko-KR" dirty="0" smtClean="0"/>
+              <a:t>.</a:t>
+            </a:r>
+          </a:p>
+        </p:txBody>
+      </p:sp>
+      <p:sp>
+        <p:nvSpPr>
+          <p:cNvPr id="4" name="직사각형 3"/>
+          <p:cNvSpPr/>
+          <p:nvPr/>
+        </p:nvSpPr>
+        <p:spPr>
+          <a:xfrm>
+            <a:off x="539552" y="2420888"/>
+            <a:ext cx="1296144" cy="360040"/>
+          </a:xfrm>
+          <a:prstGeom prst="rect">
+            <a:avLst/>
+          </a:prstGeom>
+          <a:noFill/>
+          <a:ln>
+            <a:solidFill>
+              <a:srgbClr val="FF0000"/>
+            </a:solidFill>
+          </a:ln>
+        </p:spPr>
+        <p:style>
+          <a:lnRef idx="2">
+            <a:schemeClr val="accent1">
+              <a:shade val="50000"/>
+            </a:schemeClr>
+          </a:lnRef>
+          <a:fillRef idx="1">
+            <a:schemeClr val="accent1"/>
+          </a:fillRef>
+          <a:effectRef idx="0">
+            <a:schemeClr val="accent1"/>
+          </a:effectRef>
+          <a:fontRef idx="minor">
+            <a:schemeClr val="lt1"/>
+          </a:fontRef>
+        </p:style>
+        <p:txBody>
+          <a:bodyPr rtlCol="0" anchor="ctr"/>
+          <a:lstStyle/>
+          <a:p>
+            <a:pPr algn="ctr"/>
+            <a:endParaRPr lang="ko-KR" altLang="en-US" dirty="0"/>
+          </a:p>
+        </p:txBody>
+      </p:sp>
+      <p:sp>
+        <p:nvSpPr>
+          <p:cNvPr id="5" name="직사각형 4"/>
+          <p:cNvSpPr/>
+          <p:nvPr/>
+        </p:nvSpPr>
+        <p:spPr>
+          <a:xfrm>
+            <a:off x="755576" y="1484784"/>
+            <a:ext cx="2376264" cy="288032"/>
+          </a:xfrm>
+          <a:prstGeom prst="rect">
+            <a:avLst/>
+          </a:prstGeom>
+          <a:noFill/>
+          <a:ln>
+            <a:solidFill>
+              <a:srgbClr val="FF0000"/>
+            </a:solidFill>
+          </a:ln>
+        </p:spPr>
+        <p:style>
+          <a:lnRef idx="2">
+            <a:schemeClr val="accent1">
+              <a:shade val="50000"/>
+            </a:schemeClr>
+          </a:lnRef>
+          <a:fillRef idx="1">
+            <a:schemeClr val="accent1"/>
+          </a:fillRef>
+          <a:effectRef idx="0">
+            <a:schemeClr val="accent1"/>
+          </a:effectRef>
+          <a:fontRef idx="minor">
+            <a:schemeClr val="lt1"/>
+          </a:fontRef>
+        </p:style>
+        <p:txBody>
+          <a:bodyPr rtlCol="0" anchor="ctr"/>
+          <a:lstStyle/>
+          <a:p>
+            <a:pPr algn="ctr"/>
+            <a:endParaRPr lang="ko-KR" altLang="en-US" dirty="0"/>
+          </a:p>
+        </p:txBody>
+      </p:sp>
+      <p:cxnSp>
+        <p:nvCxnSpPr>
+          <p:cNvPr id="7" name="직선 화살표 연결선 6"/>
+          <p:cNvCxnSpPr/>
+          <p:nvPr/>
+        </p:nvCxnSpPr>
+        <p:spPr>
+          <a:xfrm flipH="1">
+            <a:off x="1403648" y="1772816"/>
+            <a:ext cx="432048" cy="648072"/>
+          </a:xfrm>
+          <a:prstGeom prst="straightConnector1">
+            <a:avLst/>
+          </a:prstGeom>
+          <a:ln>
+            <a:solidFill>
+              <a:srgbClr val="FF0000"/>
+            </a:solidFill>
+            <a:tailEnd type="arrow"/>
+          </a:ln>
+        </p:spPr>
+        <p:style>
+          <a:lnRef idx="1">
+            <a:schemeClr val="accent1"/>
+          </a:lnRef>
+          <a:fillRef idx="0">
+            <a:schemeClr val="accent1"/>
+          </a:fillRef>
+          <a:effectRef idx="0">
+            <a:schemeClr val="accent1"/>
+          </a:effectRef>
+          <a:fontRef idx="minor">
+            <a:schemeClr val="tx1"/>
+          </a:fontRef>
+        </p:style>
+      </p:cxnSp>
+      <p:sp>
+        <p:nvSpPr>
+          <p:cNvPr id="8" name="TextBox 7"/>
+          <p:cNvSpPr txBox="1"/>
+          <p:nvPr/>
+        </p:nvSpPr>
+        <p:spPr>
+          <a:xfrm>
+            <a:off x="5796136" y="4701319"/>
+            <a:ext cx="2664296" cy="1200329"/>
+          </a:xfrm>
+          <a:prstGeom prst="rect">
+            <a:avLst/>
+          </a:prstGeom>
+          <a:noFill/>
+          <a:ln w="28575">
+            <a:solidFill>
+              <a:srgbClr val="00B0F0"/>
+            </a:solidFill>
+          </a:ln>
+        </p:spPr>
+        <p:txBody>
+          <a:bodyPr wrap="square" rtlCol="0">
+            <a:spAutoFit/>
+          </a:bodyPr>
+          <a:lstStyle/>
+          <a:p>
+            <a:r>
+              <a:rPr lang="ko-KR" altLang="en-US" sz="2400" b="1" dirty="0" smtClean="0">
+                <a:latin typeface="배달의민족 한나체 Air" panose="020B0600000101010101" pitchFamily="50" charset="-127"/>
+                <a:ea typeface="배달의민족 한나체 Air" panose="020B0600000101010101" pitchFamily="50" charset="-127"/>
+              </a:rPr>
+              <a:t>파생 클래스에서 </a:t>
+            </a:r>
+            <a:endParaRPr lang="en-US" altLang="ko-KR" sz="2400" b="1" dirty="0" smtClean="0">
+              <a:latin typeface="배달의민족 한나체 Air" panose="020B0600000101010101" pitchFamily="50" charset="-127"/>
+              <a:ea typeface="배달의민족 한나체 Air" panose="020B0600000101010101" pitchFamily="50" charset="-127"/>
+            </a:endParaRPr>
+          </a:p>
+          <a:p>
+            <a:r>
+              <a:rPr lang="ko-KR" altLang="en-US" sz="2400" b="1" dirty="0" smtClean="0">
+                <a:latin typeface="배달의민족 한나체 Air" panose="020B0600000101010101" pitchFamily="50" charset="-127"/>
+                <a:ea typeface="배달의민족 한나체 Air" panose="020B0600000101010101" pitchFamily="50" charset="-127"/>
+              </a:rPr>
+              <a:t>함수 </a:t>
+            </a:r>
+            <a:r>
+              <a:rPr lang="ko-KR" altLang="en-US" sz="2400" b="1" dirty="0" err="1" smtClean="0">
+                <a:latin typeface="배달의민족 한나체 Air" panose="020B0600000101010101" pitchFamily="50" charset="-127"/>
+                <a:ea typeface="배달의민족 한나체 Air" panose="020B0600000101010101" pitchFamily="50" charset="-127"/>
+              </a:rPr>
+              <a:t>오버라이딩되어</a:t>
+            </a:r>
+            <a:r>
+              <a:rPr lang="ko-KR" altLang="en-US" sz="2400" b="1" dirty="0" smtClean="0">
+                <a:latin typeface="배달의민족 한나체 Air" panose="020B0600000101010101" pitchFamily="50" charset="-127"/>
+                <a:ea typeface="배달의민족 한나체 Air" panose="020B0600000101010101" pitchFamily="50" charset="-127"/>
+              </a:rPr>
+              <a:t> </a:t>
+            </a:r>
+            <a:endParaRPr lang="en-US" altLang="ko-KR" sz="2400" b="1" dirty="0" smtClean="0">
+              <a:latin typeface="배달의민족 한나체 Air" panose="020B0600000101010101" pitchFamily="50" charset="-127"/>
+              <a:ea typeface="배달의민족 한나체 Air" panose="020B0600000101010101" pitchFamily="50" charset="-127"/>
+            </a:endParaRPr>
+          </a:p>
+          <a:p>
+            <a:r>
+              <a:rPr lang="ko-KR" altLang="en-US" sz="2400" b="1" dirty="0" smtClean="0">
+                <a:latin typeface="배달의민족 한나체 Air" panose="020B0600000101010101" pitchFamily="50" charset="-127"/>
+                <a:ea typeface="배달의민족 한나체 Air" panose="020B0600000101010101" pitchFamily="50" charset="-127"/>
+              </a:rPr>
+              <a:t>사용되는 것을 목적</a:t>
+            </a:r>
+            <a:r>
+              <a:rPr lang="en-US" altLang="ko-KR" sz="2400" b="1" dirty="0" smtClean="0">
+                <a:latin typeface="배달의민족 한나체 Air" panose="020B0600000101010101" pitchFamily="50" charset="-127"/>
+                <a:ea typeface="배달의민족 한나체 Air" panose="020B0600000101010101" pitchFamily="50" charset="-127"/>
+              </a:rPr>
+              <a:t>!</a:t>
+            </a:r>
+            <a:endParaRPr lang="ko-KR" altLang="en-US" sz="2400" b="1" dirty="0">
+              <a:latin typeface="배달의민족 한나체 Air" panose="020B0600000101010101" pitchFamily="50" charset="-127"/>
+              <a:ea typeface="배달의민족 한나체 Air" panose="020B0600000101010101" pitchFamily="50" charset="-127"/>
+            </a:endParaRPr>
+          </a:p>
+        </p:txBody>
+      </p:sp>
+      <p:sp>
+        <p:nvSpPr>
+          <p:cNvPr id="10" name="직사각형 9"/>
+          <p:cNvSpPr/>
+          <p:nvPr/>
+        </p:nvSpPr>
+        <p:spPr>
+          <a:xfrm>
+            <a:off x="522493" y="812431"/>
+            <a:ext cx="1188132" cy="288032"/>
+          </a:xfrm>
+          <a:prstGeom prst="rect">
+            <a:avLst/>
+          </a:prstGeom>
+          <a:noFill/>
+          <a:ln>
+            <a:solidFill>
+              <a:srgbClr val="00B0F0"/>
+            </a:solidFill>
+          </a:ln>
+        </p:spPr>
+        <p:style>
+          <a:lnRef idx="2">
+            <a:schemeClr val="accent1">
+              <a:shade val="50000"/>
+            </a:schemeClr>
+          </a:lnRef>
+          <a:fillRef idx="1">
+            <a:schemeClr val="accent1"/>
+          </a:fillRef>
+          <a:effectRef idx="0">
+            <a:schemeClr val="accent1"/>
+          </a:effectRef>
+          <a:fontRef idx="minor">
+            <a:schemeClr val="lt1"/>
+          </a:fontRef>
+        </p:style>
+        <p:txBody>
+          <a:bodyPr rtlCol="0" anchor="ctr"/>
+          <a:lstStyle/>
+          <a:p>
+            <a:pPr algn="ctr"/>
+            <a:endParaRPr lang="ko-KR" altLang="en-US" dirty="0"/>
+          </a:p>
+        </p:txBody>
+      </p:sp>
+    </p:spTree>
+    <p:extLst>
+      <p:ext uri="{BB962C8B-B14F-4D97-AF65-F5344CB8AC3E}">
+        <p14:creationId xmlns:p14="http://schemas.microsoft.com/office/powerpoint/2010/main" val="1934773496"/>
+      </p:ext>
+    </p:extLst>
+  </p:cSld>
+  <p:clrMapOvr>
+    <a:masterClrMapping/>
+  </p:clrMapOvr>
+  <p:timing>
+    <p:tnLst>
+      <p:par>
+        <p:cTn id="1" dur="indefinite" restart="never" nodeType="tmRoot"/>
+      </p:par>
+    </p:tnLst>
+  </p:timing>
+</p:sld>
+</file>
+
+<file path=ppt/slides/slide102.xml><?xml version="1.0" encoding="utf-8"?>
+<p:sld xmlns:a="http://schemas.openxmlformats.org/drawingml/2006/main" xmlns:r="http://schemas.openxmlformats.org/officeDocument/2006/relationships" xmlns:p="http://schemas.openxmlformats.org/presentationml/2006/main">
+  <p:cSld>
+    <p:spTree>
+      <p:nvGrpSpPr>
+        <p:cNvPr id="1" name=""/>
+        <p:cNvGrpSpPr/>
+        <p:nvPr/>
+      </p:nvGrpSpPr>
+      <p:grpSpPr>
+        <a:xfrm>
+          <a:off x="0" y="0"/>
+          <a:ext cx="0" cy="0"/>
+          <a:chOff x="0" y="0"/>
+          <a:chExt cx="0" cy="0"/>
+        </a:xfrm>
+      </p:grpSpPr>
+      <p:sp>
+        <p:nvSpPr>
+          <p:cNvPr id="2" name="제목 1"/>
+          <p:cNvSpPr>
+            <a:spLocks noGrp="1"/>
+          </p:cNvSpPr>
+          <p:nvPr>
+            <p:ph type="title"/>
+          </p:nvPr>
+        </p:nvSpPr>
+        <p:spPr/>
+        <p:txBody>
+          <a:bodyPr/>
+          <a:lstStyle/>
+          <a:p>
+            <a:r>
+              <a:rPr lang="en-US" altLang="ko-KR" dirty="0" smtClean="0"/>
+              <a:t>12</a:t>
+            </a:r>
+            <a:r>
+              <a:rPr lang="ko-KR" altLang="en-US" dirty="0" smtClean="0"/>
+              <a:t>장</a:t>
+            </a:r>
+            <a:endParaRPr lang="ko-KR" altLang="en-US" dirty="0"/>
+          </a:p>
+        </p:txBody>
+      </p:sp>
+      <p:sp>
+        <p:nvSpPr>
+          <p:cNvPr id="3" name="내용 개체 틀 2"/>
+          <p:cNvSpPr>
+            <a:spLocks noGrp="1"/>
+          </p:cNvSpPr>
+          <p:nvPr>
+            <p:ph idx="1"/>
+          </p:nvPr>
+        </p:nvSpPr>
+        <p:spPr/>
+        <p:txBody>
+          <a:bodyPr/>
+          <a:lstStyle/>
+          <a:p>
+            <a:r>
+              <a:rPr lang="ko-KR" altLang="en-US" dirty="0" smtClean="0"/>
+              <a:t>순수 가상함수는 클래스 상속을 통해 </a:t>
+            </a:r>
+            <a:endParaRPr lang="en-US" altLang="ko-KR" dirty="0" smtClean="0"/>
+          </a:p>
+          <a:p>
+            <a:r>
+              <a:rPr lang="ko-KR" altLang="en-US" dirty="0" smtClean="0"/>
+              <a:t>함수 </a:t>
+            </a:r>
+            <a:r>
+              <a:rPr lang="ko-KR" altLang="en-US" dirty="0" err="1" smtClean="0"/>
+              <a:t>오버라이딩된</a:t>
+            </a:r>
+            <a:r>
+              <a:rPr lang="ko-KR" altLang="en-US" dirty="0" smtClean="0"/>
+              <a:t> 파생 클래스의 멤버 함수를 호출</a:t>
+            </a:r>
+            <a:r>
+              <a:rPr lang="en-US" altLang="ko-KR" dirty="0" smtClean="0"/>
+              <a:t>!</a:t>
+            </a:r>
+            <a:endParaRPr lang="ko-KR" altLang="en-US" dirty="0"/>
+          </a:p>
+        </p:txBody>
+      </p:sp>
+      <p:pic>
+        <p:nvPicPr>
+          <p:cNvPr id="28674" name="Picture 2"/>
+          <p:cNvPicPr>
+            <a:picLocks noChangeAspect="1" noChangeArrowheads="1"/>
+          </p:cNvPicPr>
+          <p:nvPr/>
+        </p:nvPicPr>
+        <p:blipFill>
+          <a:blip r:embed="rId2">
+            <a:extLst>
+              <a:ext uri="{28A0092B-C50C-407E-A947-70E740481C1C}">
+                <a14:useLocalDpi xmlns:a14="http://schemas.microsoft.com/office/drawing/2010/main" val="0"/>
+              </a:ext>
+            </a:extLst>
+          </a:blip>
+          <a:srcRect/>
+          <a:stretch>
+            <a:fillRect/>
+          </a:stretch>
+        </p:blipFill>
+        <p:spPr bwMode="auto">
+          <a:xfrm>
+            <a:off x="467544" y="1772816"/>
+            <a:ext cx="3857625" cy="4210050"/>
+          </a:xfrm>
+          <a:prstGeom prst="rect">
+            <a:avLst/>
+          </a:prstGeom>
+          <a:noFill/>
+          <a:ln>
+            <a:noFill/>
+          </a:ln>
+          <a:extLst>
+            <a:ext uri="{909E8E84-426E-40DD-AFC4-6F175D3DCCD1}">
+              <a14:hiddenFill xmlns:a14="http://schemas.microsoft.com/office/drawing/2010/main">
+                <a:solidFill>
+                  <a:schemeClr val="accent1"/>
+                </a:solidFill>
+              </a14:hiddenFill>
+            </a:ext>
+            <a:ext uri="{91240B29-F687-4F45-9708-019B960494DF}">
+              <a14:hiddenLine xmlns:a14="http://schemas.microsoft.com/office/drawing/2010/main" w="9525">
+                <a:solidFill>
+                  <a:schemeClr val="tx1"/>
+                </a:solidFill>
+                <a:miter lim="800000"/>
+                <a:headEnd/>
+                <a:tailEnd/>
+              </a14:hiddenLine>
+            </a:ext>
+          </a:extLst>
+        </p:spPr>
+      </p:pic>
+      <p:pic>
+        <p:nvPicPr>
+          <p:cNvPr id="28676" name="Picture 4"/>
+          <p:cNvPicPr>
+            <a:picLocks noChangeAspect="1" noChangeArrowheads="1"/>
+          </p:cNvPicPr>
+          <p:nvPr/>
+        </p:nvPicPr>
+        <p:blipFill>
+          <a:blip r:embed="rId3">
+            <a:extLst>
+              <a:ext uri="{28A0092B-C50C-407E-A947-70E740481C1C}">
+                <a14:useLocalDpi xmlns:a14="http://schemas.microsoft.com/office/drawing/2010/main" val="0"/>
+              </a:ext>
+            </a:extLst>
+          </a:blip>
+          <a:srcRect/>
+          <a:stretch>
+            <a:fillRect/>
+          </a:stretch>
+        </p:blipFill>
+        <p:spPr bwMode="auto">
+          <a:xfrm>
+            <a:off x="3851920" y="4941168"/>
+            <a:ext cx="3170035" cy="1150416"/>
+          </a:xfrm>
+          <a:prstGeom prst="rect">
+            <a:avLst/>
+          </a:prstGeom>
+          <a:noFill/>
+          <a:ln>
+            <a:noFill/>
+          </a:ln>
+          <a:extLst>
+            <a:ext uri="{909E8E84-426E-40DD-AFC4-6F175D3DCCD1}">
+              <a14:hiddenFill xmlns:a14="http://schemas.microsoft.com/office/drawing/2010/main">
+                <a:solidFill>
+                  <a:schemeClr val="accent1"/>
+                </a:solidFill>
+              </a14:hiddenFill>
+            </a:ext>
+            <a:ext uri="{91240B29-F687-4F45-9708-019B960494DF}">
+              <a14:hiddenLine xmlns:a14="http://schemas.microsoft.com/office/drawing/2010/main" w="9525">
+                <a:solidFill>
+                  <a:schemeClr val="tx1"/>
+                </a:solidFill>
+                <a:miter lim="800000"/>
+                <a:headEnd/>
+                <a:tailEnd/>
+              </a14:hiddenLine>
+            </a:ext>
+          </a:extLst>
+        </p:spPr>
+      </p:pic>
+      <p:sp>
+        <p:nvSpPr>
+          <p:cNvPr id="7" name="직사각형 6"/>
+          <p:cNvSpPr/>
+          <p:nvPr/>
+        </p:nvSpPr>
+        <p:spPr>
+          <a:xfrm>
+            <a:off x="522492" y="2564904"/>
+            <a:ext cx="3689467" cy="792088"/>
+          </a:xfrm>
+          <a:prstGeom prst="rect">
+            <a:avLst/>
+          </a:prstGeom>
+          <a:noFill/>
+          <a:ln>
+            <a:solidFill>
+              <a:srgbClr val="00B0F0"/>
+            </a:solidFill>
+          </a:ln>
+        </p:spPr>
+        <p:style>
+          <a:lnRef idx="2">
+            <a:schemeClr val="accent1">
+              <a:shade val="50000"/>
+            </a:schemeClr>
+          </a:lnRef>
+          <a:fillRef idx="1">
+            <a:schemeClr val="accent1"/>
+          </a:fillRef>
+          <a:effectRef idx="0">
+            <a:schemeClr val="accent1"/>
+          </a:effectRef>
+          <a:fontRef idx="minor">
+            <a:schemeClr val="lt1"/>
+          </a:fontRef>
+        </p:style>
+        <p:txBody>
+          <a:bodyPr rtlCol="0" anchor="ctr"/>
+          <a:lstStyle/>
+          <a:p>
+            <a:pPr algn="ctr"/>
+            <a:endParaRPr lang="ko-KR" altLang="en-US" dirty="0"/>
+          </a:p>
+        </p:txBody>
+      </p:sp>
+      <p:sp>
+        <p:nvSpPr>
+          <p:cNvPr id="8" name="직사각형 7"/>
+          <p:cNvSpPr/>
+          <p:nvPr/>
+        </p:nvSpPr>
+        <p:spPr>
+          <a:xfrm>
+            <a:off x="522493" y="3356992"/>
+            <a:ext cx="3041396" cy="1152128"/>
+          </a:xfrm>
+          <a:prstGeom prst="rect">
+            <a:avLst/>
+          </a:prstGeom>
+          <a:noFill/>
+          <a:ln>
+            <a:solidFill>
+              <a:srgbClr val="FFC000"/>
+            </a:solidFill>
+          </a:ln>
+        </p:spPr>
+        <p:style>
+          <a:lnRef idx="2">
+            <a:schemeClr val="accent1">
+              <a:shade val="50000"/>
+            </a:schemeClr>
+          </a:lnRef>
+          <a:fillRef idx="1">
+            <a:schemeClr val="accent1"/>
+          </a:fillRef>
+          <a:effectRef idx="0">
+            <a:schemeClr val="accent1"/>
+          </a:effectRef>
+          <a:fontRef idx="minor">
+            <a:schemeClr val="lt1"/>
+          </a:fontRef>
+        </p:style>
+        <p:txBody>
+          <a:bodyPr rtlCol="0" anchor="ctr"/>
+          <a:lstStyle/>
+          <a:p>
+            <a:pPr algn="ctr"/>
+            <a:endParaRPr lang="ko-KR" altLang="en-US" dirty="0"/>
+          </a:p>
+        </p:txBody>
+      </p:sp>
+    </p:spTree>
+    <p:extLst>
+      <p:ext uri="{BB962C8B-B14F-4D97-AF65-F5344CB8AC3E}">
+        <p14:creationId xmlns:p14="http://schemas.microsoft.com/office/powerpoint/2010/main" val="1934773496"/>
+      </p:ext>
+    </p:extLst>
+  </p:cSld>
+  <p:clrMapOvr>
+    <a:masterClrMapping/>
+  </p:clrMapOvr>
+  <p:timing>
+    <p:tnLst>
+      <p:par>
+        <p:cTn id="1" dur="indefinite" restart="never" nodeType="tmRoot"/>
+      </p:par>
+    </p:tnLst>
+  </p:timing>
+</p:sld>
+</file>
+
+<file path=ppt/slides/slide103.xml><?xml version="1.0" encoding="utf-8"?>
+<p:sld xmlns:a="http://schemas.openxmlformats.org/drawingml/2006/main" xmlns:r="http://schemas.openxmlformats.org/officeDocument/2006/relationships" xmlns:p="http://schemas.openxmlformats.org/presentationml/2006/main">
+  <p:cSld>
+    <p:spTree>
+      <p:nvGrpSpPr>
+        <p:cNvPr id="1" name=""/>
+        <p:cNvGrpSpPr/>
+        <p:nvPr/>
+      </p:nvGrpSpPr>
+      <p:grpSpPr>
+        <a:xfrm>
+          <a:off x="0" y="0"/>
+          <a:ext cx="0" cy="0"/>
+          <a:chOff x="0" y="0"/>
+          <a:chExt cx="0" cy="0"/>
+        </a:xfrm>
+      </p:grpSpPr>
+      <p:sp>
+        <p:nvSpPr>
+          <p:cNvPr id="2" name="제목 1"/>
+          <p:cNvSpPr>
+            <a:spLocks noGrp="1"/>
+          </p:cNvSpPr>
+          <p:nvPr>
+            <p:ph type="title"/>
+          </p:nvPr>
+        </p:nvSpPr>
+        <p:spPr/>
+        <p:txBody>
+          <a:bodyPr/>
+          <a:lstStyle/>
+          <a:p>
+            <a:r>
+              <a:rPr lang="en-US" altLang="ko-KR" dirty="0" smtClean="0"/>
+              <a:t>12</a:t>
+            </a:r>
+            <a:r>
+              <a:rPr lang="ko-KR" altLang="en-US" dirty="0" smtClean="0"/>
+              <a:t>장</a:t>
+            </a:r>
+            <a:endParaRPr lang="ko-KR" altLang="en-US" dirty="0"/>
+          </a:p>
+        </p:txBody>
+      </p:sp>
+      <p:sp>
+        <p:nvSpPr>
+          <p:cNvPr id="3" name="내용 개체 틀 2"/>
+          <p:cNvSpPr>
+            <a:spLocks noGrp="1"/>
+          </p:cNvSpPr>
+          <p:nvPr>
+            <p:ph idx="1"/>
+          </p:nvPr>
+        </p:nvSpPr>
+        <p:spPr/>
+        <p:txBody>
+          <a:bodyPr/>
+          <a:lstStyle/>
+          <a:p>
+            <a:r>
+              <a:rPr lang="ko-KR" altLang="en-US" dirty="0" smtClean="0"/>
+              <a:t>동적 형 변환</a:t>
+            </a:r>
+            <a:endParaRPr lang="en-US" altLang="ko-KR" dirty="0" smtClean="0"/>
+          </a:p>
+          <a:p>
+            <a:r>
+              <a:rPr lang="en-US" altLang="ko-KR" dirty="0" smtClean="0"/>
+              <a:t>-&gt; </a:t>
+            </a:r>
+            <a:r>
+              <a:rPr lang="ko-KR" altLang="en-US" dirty="0" smtClean="0"/>
+              <a:t>실행 시 주어진 상황에 맞게 형 변환을 수행하는 것</a:t>
+            </a:r>
+            <a:endParaRPr lang="en-US" altLang="ko-KR" dirty="0" smtClean="0"/>
+          </a:p>
+          <a:p>
+            <a:r>
+              <a:rPr lang="en-US" altLang="ko-KR" dirty="0" smtClean="0"/>
+              <a:t>-&gt; </a:t>
+            </a:r>
+            <a:r>
+              <a:rPr lang="ko-KR" altLang="en-US" dirty="0" smtClean="0"/>
+              <a:t>이미 생성된 객체의 클래스를 변환하는 것</a:t>
+            </a:r>
+            <a:r>
+              <a:rPr lang="en-US" altLang="ko-KR" dirty="0" smtClean="0"/>
+              <a:t>.</a:t>
+            </a:r>
+          </a:p>
+          <a:p>
+            <a:r>
+              <a:rPr lang="en-US" altLang="ko-KR" dirty="0" smtClean="0"/>
+              <a:t>-&gt; </a:t>
+            </a:r>
+            <a:r>
+              <a:rPr lang="ko-KR" altLang="en-US" dirty="0" smtClean="0"/>
+              <a:t>서로 상속 관계인 클래스끼리의 부모</a:t>
+            </a:r>
+            <a:r>
+              <a:rPr lang="en-US" altLang="ko-KR" dirty="0" smtClean="0"/>
+              <a:t>.</a:t>
+            </a:r>
+            <a:r>
+              <a:rPr lang="ko-KR" altLang="en-US" dirty="0" smtClean="0"/>
+              <a:t>자식 </a:t>
+            </a:r>
+            <a:r>
+              <a:rPr lang="ko-KR" altLang="en-US" dirty="0"/>
+              <a:t>형</a:t>
+            </a:r>
+            <a:r>
+              <a:rPr lang="ko-KR" altLang="en-US" dirty="0" smtClean="0"/>
+              <a:t>태의 </a:t>
+            </a:r>
+            <a:r>
+              <a:rPr lang="ko-KR" altLang="en-US" dirty="0" err="1" smtClean="0"/>
+              <a:t>형변환</a:t>
+            </a:r>
+            <a:endParaRPr lang="en-US" altLang="ko-KR" dirty="0" smtClean="0"/>
+          </a:p>
+          <a:p>
+            <a:r>
+              <a:rPr lang="en-US" altLang="ko-KR" dirty="0" smtClean="0"/>
+              <a:t>(</a:t>
+            </a:r>
+            <a:r>
+              <a:rPr lang="ko-KR" altLang="en-US" dirty="0" smtClean="0"/>
+              <a:t>기</a:t>
+            </a:r>
+            <a:r>
+              <a:rPr lang="ko-KR" altLang="en-US" dirty="0"/>
+              <a:t>반</a:t>
+            </a:r>
+            <a:r>
+              <a:rPr lang="ko-KR" altLang="en-US" dirty="0" smtClean="0"/>
+              <a:t> 클래스 </a:t>
+            </a:r>
+            <a:r>
+              <a:rPr lang="en-US" altLang="ko-KR" dirty="0" smtClean="0"/>
+              <a:t>-&gt; </a:t>
+            </a:r>
+            <a:r>
+              <a:rPr lang="ko-KR" altLang="en-US" dirty="0" smtClean="0"/>
+              <a:t>파</a:t>
+            </a:r>
+            <a:r>
+              <a:rPr lang="ko-KR" altLang="en-US" dirty="0"/>
+              <a:t>생</a:t>
+            </a:r>
+            <a:r>
+              <a:rPr lang="ko-KR" altLang="en-US" dirty="0" smtClean="0"/>
+              <a:t> 클래스</a:t>
+            </a:r>
+            <a:r>
+              <a:rPr lang="en-US" altLang="ko-KR" dirty="0" smtClean="0"/>
+              <a:t>, </a:t>
+            </a:r>
+            <a:r>
+              <a:rPr lang="ko-KR" altLang="en-US" dirty="0" smtClean="0"/>
+              <a:t>파</a:t>
+            </a:r>
+            <a:r>
+              <a:rPr lang="ko-KR" altLang="en-US" dirty="0"/>
+              <a:t>생</a:t>
+            </a:r>
+            <a:r>
+              <a:rPr lang="ko-KR" altLang="en-US" dirty="0" smtClean="0"/>
+              <a:t> 클래스 </a:t>
+            </a:r>
+            <a:r>
+              <a:rPr lang="en-US" altLang="ko-KR" dirty="0" smtClean="0"/>
+              <a:t>-&gt; </a:t>
+            </a:r>
+            <a:r>
+              <a:rPr lang="ko-KR" altLang="en-US" dirty="0" smtClean="0"/>
+              <a:t>기반 클래스</a:t>
+            </a:r>
+            <a:r>
+              <a:rPr lang="en-US" altLang="ko-KR" dirty="0" smtClean="0"/>
+              <a:t>)</a:t>
+            </a:r>
+          </a:p>
+          <a:p>
+            <a:r>
+              <a:rPr lang="en-US" altLang="ko-KR" b="1" dirty="0" smtClean="0"/>
+              <a:t>-&gt; </a:t>
+            </a:r>
+            <a:r>
+              <a:rPr lang="ko-KR" altLang="en-US" b="1" dirty="0" smtClean="0"/>
+              <a:t>객체의 포인터를 변환하기 원하는 클래스의 포인터로 할당</a:t>
+            </a:r>
+            <a:r>
+              <a:rPr lang="en-US" altLang="ko-KR" b="1" dirty="0" smtClean="0"/>
+              <a:t>.</a:t>
+            </a:r>
+          </a:p>
+          <a:p>
+            <a:endParaRPr lang="en-US" altLang="ko-KR" b="1" dirty="0"/>
+          </a:p>
+          <a:p>
+            <a:r>
+              <a:rPr lang="ko-KR" altLang="en-US" dirty="0" smtClean="0"/>
+              <a:t>객체 포인터</a:t>
+            </a:r>
+            <a:r>
+              <a:rPr lang="en-US" altLang="ko-KR" dirty="0"/>
+              <a:t> </a:t>
+            </a:r>
+            <a:r>
+              <a:rPr lang="en-US" altLang="ko-KR" dirty="0" smtClean="0"/>
+              <a:t>1 = </a:t>
+            </a:r>
+            <a:r>
+              <a:rPr lang="en-US" altLang="ko-KR" dirty="0" err="1" smtClean="0"/>
+              <a:t>dynamic_cast</a:t>
+            </a:r>
+            <a:r>
+              <a:rPr lang="en-US" altLang="ko-KR" dirty="0"/>
+              <a:t>&lt;</a:t>
+            </a:r>
+            <a:r>
+              <a:rPr lang="ko-KR" altLang="en-US" dirty="0" smtClean="0"/>
+              <a:t>클래스 이름</a:t>
+            </a:r>
+            <a:r>
+              <a:rPr lang="en-US" altLang="ko-KR" dirty="0" smtClean="0"/>
+              <a:t>*&gt; (</a:t>
+            </a:r>
+            <a:r>
+              <a:rPr lang="ko-KR" altLang="en-US" dirty="0" smtClean="0"/>
+              <a:t>객체 포인터 </a:t>
+            </a:r>
+            <a:r>
+              <a:rPr lang="en-US" altLang="ko-KR" dirty="0" smtClean="0"/>
+              <a:t>2)</a:t>
+            </a:r>
+            <a:endParaRPr lang="ko-KR" altLang="en-US" dirty="0"/>
+          </a:p>
+        </p:txBody>
+      </p:sp>
+      <p:sp>
+        <p:nvSpPr>
+          <p:cNvPr id="4" name="포인트가 5개인 별 3"/>
+          <p:cNvSpPr/>
+          <p:nvPr/>
+        </p:nvSpPr>
+        <p:spPr>
+          <a:xfrm>
+            <a:off x="8172400" y="116632"/>
+            <a:ext cx="792088" cy="648072"/>
+          </a:xfrm>
+          <a:prstGeom prst="star5">
+            <a:avLst/>
+          </a:prstGeom>
+          <a:solidFill>
+            <a:srgbClr val="FFC000"/>
+          </a:solidFill>
+          <a:ln>
+            <a:solidFill>
+              <a:srgbClr val="FF0000"/>
+            </a:solidFill>
+          </a:ln>
+        </p:spPr>
+        <p:style>
+          <a:lnRef idx="2">
+            <a:schemeClr val="accent1">
+              <a:shade val="50000"/>
+            </a:schemeClr>
+          </a:lnRef>
+          <a:fillRef idx="1">
+            <a:schemeClr val="accent1"/>
+          </a:fillRef>
+          <a:effectRef idx="0">
+            <a:schemeClr val="accent1"/>
+          </a:effectRef>
+          <a:fontRef idx="minor">
+            <a:schemeClr val="lt1"/>
+          </a:fontRef>
+        </p:style>
+        <p:txBody>
+          <a:bodyPr rtlCol="0" anchor="ctr"/>
+          <a:lstStyle/>
+          <a:p>
+            <a:pPr algn="ctr"/>
+            <a:endParaRPr lang="ko-KR" altLang="en-US">
+              <a:solidFill>
+                <a:srgbClr val="FF0000"/>
+              </a:solidFill>
+            </a:endParaRPr>
+          </a:p>
+        </p:txBody>
+      </p:sp>
+    </p:spTree>
+    <p:extLst>
+      <p:ext uri="{BB962C8B-B14F-4D97-AF65-F5344CB8AC3E}">
+        <p14:creationId xmlns:p14="http://schemas.microsoft.com/office/powerpoint/2010/main" val="1934773496"/>
+      </p:ext>
+    </p:extLst>
+  </p:cSld>
+  <p:clrMapOvr>
+    <a:masterClrMapping/>
+  </p:clrMapOvr>
+  <p:timing>
+    <p:tnLst>
+      <p:par>
+        <p:cTn id="1" dur="indefinite" restart="never" nodeType="tmRoot"/>
+      </p:par>
+    </p:tnLst>
+  </p:timing>
+</p:sld>
+</file>
+
+<file path=ppt/slides/slide104.xml><?xml version="1.0" encoding="utf-8"?>
+<p:sld xmlns:a="http://schemas.openxmlformats.org/drawingml/2006/main" xmlns:r="http://schemas.openxmlformats.org/officeDocument/2006/relationships" xmlns:p="http://schemas.openxmlformats.org/presentationml/2006/main">
+  <p:cSld>
+    <p:spTree>
+      <p:nvGrpSpPr>
+        <p:cNvPr id="1" name=""/>
+        <p:cNvGrpSpPr/>
+        <p:nvPr/>
+      </p:nvGrpSpPr>
+      <p:grpSpPr>
+        <a:xfrm>
+          <a:off x="0" y="0"/>
+          <a:ext cx="0" cy="0"/>
+          <a:chOff x="0" y="0"/>
+          <a:chExt cx="0" cy="0"/>
+        </a:xfrm>
+      </p:grpSpPr>
+      <p:sp>
+        <p:nvSpPr>
+          <p:cNvPr id="2" name="제목 1"/>
+          <p:cNvSpPr>
+            <a:spLocks noGrp="1"/>
+          </p:cNvSpPr>
+          <p:nvPr>
+            <p:ph type="title"/>
+          </p:nvPr>
+        </p:nvSpPr>
+        <p:spPr/>
+        <p:txBody>
+          <a:bodyPr/>
+          <a:lstStyle/>
+          <a:p>
+            <a:r>
+              <a:rPr lang="en-US" altLang="ko-KR" dirty="0" smtClean="0"/>
+              <a:t>12</a:t>
+            </a:r>
+            <a:r>
+              <a:rPr lang="ko-KR" altLang="en-US" dirty="0" smtClean="0"/>
+              <a:t>장</a:t>
+            </a:r>
+            <a:endParaRPr lang="ko-KR" altLang="en-US" dirty="0"/>
+          </a:p>
+        </p:txBody>
+      </p:sp>
+      <p:sp>
+        <p:nvSpPr>
+          <p:cNvPr id="3" name="내용 개체 틀 2"/>
+          <p:cNvSpPr>
+            <a:spLocks noGrp="1"/>
+          </p:cNvSpPr>
+          <p:nvPr>
+            <p:ph idx="1"/>
+          </p:nvPr>
+        </p:nvSpPr>
+        <p:spPr/>
+        <p:txBody>
+          <a:bodyPr/>
+          <a:lstStyle/>
+          <a:p>
+            <a:r>
+              <a:rPr lang="ko-KR" altLang="en-US" dirty="0" smtClean="0"/>
+              <a:t>업 캐스팅</a:t>
+            </a:r>
+            <a:endParaRPr lang="en-US" altLang="ko-KR" dirty="0" smtClean="0"/>
+          </a:p>
+          <a:p>
+            <a:r>
+              <a:rPr lang="ko-KR" altLang="en-US" dirty="0" smtClean="0"/>
+              <a:t>파생 클래스 </a:t>
+            </a:r>
+            <a:r>
+              <a:rPr lang="en-US" altLang="ko-KR" dirty="0" smtClean="0"/>
+              <a:t>-&gt; </a:t>
+            </a:r>
+            <a:r>
+              <a:rPr lang="ko-KR" altLang="en-US" dirty="0" smtClean="0"/>
+              <a:t>기반 클래스</a:t>
+            </a:r>
+            <a:endParaRPr lang="en-US" altLang="ko-KR" dirty="0"/>
+          </a:p>
+          <a:p>
+            <a:r>
+              <a:rPr lang="en-US" altLang="ko-KR" dirty="0" err="1" smtClean="0"/>
+              <a:t>dynaminc_cast</a:t>
+            </a:r>
+            <a:r>
+              <a:rPr lang="en-US" altLang="ko-KR" dirty="0" smtClean="0"/>
+              <a:t> </a:t>
+            </a:r>
+            <a:r>
+              <a:rPr lang="ko-KR" altLang="en-US" dirty="0" smtClean="0"/>
+              <a:t>연산자를 명시 하지 않아도 됨</a:t>
+            </a:r>
+            <a:r>
+              <a:rPr lang="en-US" altLang="ko-KR" dirty="0" smtClean="0"/>
+              <a:t>.</a:t>
+            </a:r>
+          </a:p>
+          <a:p>
+            <a:endParaRPr lang="en-US" altLang="ko-KR" dirty="0"/>
+          </a:p>
+          <a:p>
+            <a:r>
+              <a:rPr lang="ko-KR" altLang="en-US" dirty="0" smtClean="0"/>
+              <a:t>다운 캐스팅</a:t>
+            </a:r>
+            <a:endParaRPr lang="en-US" altLang="ko-KR" dirty="0" smtClean="0"/>
+          </a:p>
+          <a:p>
+            <a:r>
+              <a:rPr lang="ko-KR" altLang="en-US" dirty="0" smtClean="0"/>
+              <a:t>기반 클래스 </a:t>
+            </a:r>
+            <a:r>
+              <a:rPr lang="en-US" altLang="ko-KR" dirty="0" smtClean="0"/>
+              <a:t>-&gt; </a:t>
+            </a:r>
+            <a:r>
+              <a:rPr lang="ko-KR" altLang="en-US" dirty="0" smtClean="0"/>
+              <a:t>파생 클래스</a:t>
+            </a:r>
+            <a:endParaRPr lang="ko-KR" altLang="en-US" dirty="0"/>
+          </a:p>
+        </p:txBody>
+      </p:sp>
+      <p:sp>
+        <p:nvSpPr>
+          <p:cNvPr id="4" name="포인트가 5개인 별 3"/>
+          <p:cNvSpPr/>
+          <p:nvPr/>
+        </p:nvSpPr>
+        <p:spPr>
+          <a:xfrm>
+            <a:off x="8172400" y="116632"/>
+            <a:ext cx="792088" cy="648072"/>
+          </a:xfrm>
+          <a:prstGeom prst="star5">
+            <a:avLst/>
+          </a:prstGeom>
+          <a:solidFill>
+            <a:srgbClr val="FFC000"/>
+          </a:solidFill>
+          <a:ln>
+            <a:solidFill>
+              <a:srgbClr val="FF0000"/>
+            </a:solidFill>
+          </a:ln>
+        </p:spPr>
+        <p:style>
+          <a:lnRef idx="2">
+            <a:schemeClr val="accent1">
+              <a:shade val="50000"/>
+            </a:schemeClr>
+          </a:lnRef>
+          <a:fillRef idx="1">
+            <a:schemeClr val="accent1"/>
+          </a:fillRef>
+          <a:effectRef idx="0">
+            <a:schemeClr val="accent1"/>
+          </a:effectRef>
+          <a:fontRef idx="minor">
+            <a:schemeClr val="lt1"/>
+          </a:fontRef>
+        </p:style>
+        <p:txBody>
+          <a:bodyPr rtlCol="0" anchor="ctr"/>
+          <a:lstStyle/>
+          <a:p>
+            <a:pPr algn="ctr"/>
+            <a:endParaRPr lang="ko-KR" altLang="en-US">
+              <a:solidFill>
+                <a:srgbClr val="FF0000"/>
+              </a:solidFill>
+            </a:endParaRPr>
+          </a:p>
+        </p:txBody>
+      </p:sp>
+    </p:spTree>
+    <p:extLst>
+      <p:ext uri="{BB962C8B-B14F-4D97-AF65-F5344CB8AC3E}">
+        <p14:creationId xmlns:p14="http://schemas.microsoft.com/office/powerpoint/2010/main" val="1934773496"/>
+      </p:ext>
+    </p:extLst>
+  </p:cSld>
+  <p:clrMapOvr>
+    <a:masterClrMapping/>
+  </p:clrMapOvr>
+  <p:timing>
+    <p:tnLst>
+      <p:par>
+        <p:cTn id="1" dur="indefinite" restart="never" nodeType="tmRoot"/>
+      </p:par>
+    </p:tnLst>
+  </p:timing>
+</p:sld>
+</file>
+
+<file path=ppt/slides/slide105.xml><?xml version="1.0" encoding="utf-8"?>
+<p:sld xmlns:a="http://schemas.openxmlformats.org/drawingml/2006/main" xmlns:r="http://schemas.openxmlformats.org/officeDocument/2006/relationships" xmlns:p="http://schemas.openxmlformats.org/presentationml/2006/main">
+  <p:cSld>
+    <p:spTree>
+      <p:nvGrpSpPr>
+        <p:cNvPr id="1" name=""/>
+        <p:cNvGrpSpPr/>
+        <p:nvPr/>
+      </p:nvGrpSpPr>
+      <p:grpSpPr>
+        <a:xfrm>
+          <a:off x="0" y="0"/>
+          <a:ext cx="0" cy="0"/>
+          <a:chOff x="0" y="0"/>
+          <a:chExt cx="0" cy="0"/>
+        </a:xfrm>
+      </p:grpSpPr>
+      <p:sp>
+        <p:nvSpPr>
+          <p:cNvPr id="2" name="제목 1"/>
+          <p:cNvSpPr>
+            <a:spLocks noGrp="1"/>
+          </p:cNvSpPr>
+          <p:nvPr>
+            <p:ph type="title"/>
+          </p:nvPr>
+        </p:nvSpPr>
+        <p:spPr/>
+        <p:txBody>
+          <a:bodyPr/>
+          <a:lstStyle/>
+          <a:p>
+            <a:r>
+              <a:rPr lang="en-US" altLang="ko-KR" dirty="0" smtClean="0"/>
+              <a:t>12</a:t>
+            </a:r>
+            <a:r>
+              <a:rPr lang="ko-KR" altLang="en-US" dirty="0" smtClean="0"/>
+              <a:t>장</a:t>
+            </a:r>
+            <a:endParaRPr lang="ko-KR" altLang="en-US" dirty="0"/>
+          </a:p>
+        </p:txBody>
+      </p:sp>
+      <p:sp>
+        <p:nvSpPr>
+          <p:cNvPr id="3" name="내용 개체 틀 2"/>
+          <p:cNvSpPr>
+            <a:spLocks noGrp="1"/>
+          </p:cNvSpPr>
+          <p:nvPr>
+            <p:ph idx="1"/>
+          </p:nvPr>
+        </p:nvSpPr>
+        <p:spPr/>
+        <p:txBody>
+          <a:bodyPr/>
+          <a:lstStyle/>
+          <a:p>
+            <a:r>
+              <a:rPr lang="ko-KR" altLang="en-US" dirty="0" smtClean="0"/>
+              <a:t>업</a:t>
+            </a:r>
+            <a:r>
+              <a:rPr lang="en-US" altLang="ko-KR" dirty="0" smtClean="0"/>
+              <a:t>/</a:t>
+            </a:r>
+            <a:r>
+              <a:rPr lang="ko-KR" altLang="en-US" dirty="0" smtClean="0"/>
+              <a:t>다운 캐스팅 예제</a:t>
+            </a:r>
+            <a:endParaRPr lang="ko-KR" altLang="en-US" dirty="0"/>
+          </a:p>
+        </p:txBody>
+      </p:sp>
+      <p:pic>
+        <p:nvPicPr>
+          <p:cNvPr id="29698" name="Picture 2"/>
+          <p:cNvPicPr>
+            <a:picLocks noChangeAspect="1" noChangeArrowheads="1"/>
+          </p:cNvPicPr>
+          <p:nvPr/>
+        </p:nvPicPr>
+        <p:blipFill>
+          <a:blip r:embed="rId2">
+            <a:extLst>
+              <a:ext uri="{28A0092B-C50C-407E-A947-70E740481C1C}">
+                <a14:useLocalDpi xmlns:a14="http://schemas.microsoft.com/office/drawing/2010/main" val="0"/>
+              </a:ext>
+            </a:extLst>
+          </a:blip>
+          <a:srcRect/>
+          <a:stretch>
+            <a:fillRect/>
+          </a:stretch>
+        </p:blipFill>
+        <p:spPr bwMode="auto">
+          <a:xfrm>
+            <a:off x="539552" y="1412776"/>
+            <a:ext cx="2790825" cy="4857750"/>
+          </a:xfrm>
+          <a:prstGeom prst="rect">
+            <a:avLst/>
+          </a:prstGeom>
+          <a:noFill/>
+          <a:ln>
+            <a:noFill/>
+          </a:ln>
+          <a:extLst>
+            <a:ext uri="{909E8E84-426E-40DD-AFC4-6F175D3DCCD1}">
+              <a14:hiddenFill xmlns:a14="http://schemas.microsoft.com/office/drawing/2010/main">
+                <a:solidFill>
+                  <a:schemeClr val="accent1"/>
+                </a:solidFill>
+              </a14:hiddenFill>
+            </a:ext>
+            <a:ext uri="{91240B29-F687-4F45-9708-019B960494DF}">
+              <a14:hiddenLine xmlns:a14="http://schemas.microsoft.com/office/drawing/2010/main" w="9525">
+                <a:solidFill>
+                  <a:schemeClr val="tx1"/>
+                </a:solidFill>
+                <a:miter lim="800000"/>
+                <a:headEnd/>
+                <a:tailEnd/>
+              </a14:hiddenLine>
+            </a:ext>
+          </a:extLst>
+        </p:spPr>
+      </p:pic>
+      <p:pic>
+        <p:nvPicPr>
+          <p:cNvPr id="29699" name="Picture 3"/>
+          <p:cNvPicPr>
+            <a:picLocks noChangeAspect="1" noChangeArrowheads="1"/>
+          </p:cNvPicPr>
+          <p:nvPr/>
+        </p:nvPicPr>
+        <p:blipFill>
+          <a:blip r:embed="rId3">
+            <a:extLst>
+              <a:ext uri="{28A0092B-C50C-407E-A947-70E740481C1C}">
+                <a14:useLocalDpi xmlns:a14="http://schemas.microsoft.com/office/drawing/2010/main" val="0"/>
+              </a:ext>
+            </a:extLst>
+          </a:blip>
+          <a:srcRect/>
+          <a:stretch>
+            <a:fillRect/>
+          </a:stretch>
+        </p:blipFill>
+        <p:spPr bwMode="auto">
+          <a:xfrm>
+            <a:off x="3334442" y="1388041"/>
+            <a:ext cx="3886200" cy="4191000"/>
+          </a:xfrm>
+          <a:prstGeom prst="rect">
+            <a:avLst/>
+          </a:prstGeom>
+          <a:noFill/>
+          <a:ln>
+            <a:noFill/>
+          </a:ln>
+          <a:extLst>
+            <a:ext uri="{909E8E84-426E-40DD-AFC4-6F175D3DCCD1}">
+              <a14:hiddenFill xmlns:a14="http://schemas.microsoft.com/office/drawing/2010/main">
+                <a:solidFill>
+                  <a:schemeClr val="accent1"/>
+                </a:solidFill>
+              </a14:hiddenFill>
+            </a:ext>
+            <a:ext uri="{91240B29-F687-4F45-9708-019B960494DF}">
+              <a14:hiddenLine xmlns:a14="http://schemas.microsoft.com/office/drawing/2010/main" w="9525">
+                <a:solidFill>
+                  <a:schemeClr val="tx1"/>
+                </a:solidFill>
+                <a:miter lim="800000"/>
+                <a:headEnd/>
+                <a:tailEnd/>
+              </a14:hiddenLine>
+            </a:ext>
+          </a:extLst>
+        </p:spPr>
+      </p:pic>
+      <p:sp>
+        <p:nvSpPr>
+          <p:cNvPr id="6" name="직사각형 5"/>
+          <p:cNvSpPr/>
+          <p:nvPr/>
+        </p:nvSpPr>
+        <p:spPr>
+          <a:xfrm>
+            <a:off x="3419872" y="3140968"/>
+            <a:ext cx="2520279" cy="792088"/>
+          </a:xfrm>
+          <a:prstGeom prst="rect">
+            <a:avLst/>
+          </a:prstGeom>
+          <a:noFill/>
+          <a:ln>
+            <a:solidFill>
+              <a:srgbClr val="FFC000"/>
+            </a:solidFill>
+          </a:ln>
+        </p:spPr>
+        <p:style>
+          <a:lnRef idx="2">
+            <a:schemeClr val="accent1">
+              <a:shade val="50000"/>
+            </a:schemeClr>
+          </a:lnRef>
+          <a:fillRef idx="1">
+            <a:schemeClr val="accent1"/>
+          </a:fillRef>
+          <a:effectRef idx="0">
+            <a:schemeClr val="accent1"/>
+          </a:effectRef>
+          <a:fontRef idx="minor">
+            <a:schemeClr val="lt1"/>
+          </a:fontRef>
+        </p:style>
+        <p:txBody>
+          <a:bodyPr rtlCol="0" anchor="ctr"/>
+          <a:lstStyle/>
+          <a:p>
+            <a:pPr algn="ctr"/>
+            <a:endParaRPr lang="ko-KR" altLang="en-US" dirty="0"/>
+          </a:p>
+        </p:txBody>
+      </p:sp>
+      <p:pic>
+        <p:nvPicPr>
+          <p:cNvPr id="29700" name="Picture 4"/>
+          <p:cNvPicPr>
+            <a:picLocks noChangeAspect="1" noChangeArrowheads="1"/>
+          </p:cNvPicPr>
+          <p:nvPr/>
+        </p:nvPicPr>
+        <p:blipFill>
+          <a:blip r:embed="rId4">
+            <a:extLst>
+              <a:ext uri="{28A0092B-C50C-407E-A947-70E740481C1C}">
+                <a14:useLocalDpi xmlns:a14="http://schemas.microsoft.com/office/drawing/2010/main" val="0"/>
+              </a:ext>
+            </a:extLst>
+          </a:blip>
+          <a:srcRect/>
+          <a:stretch>
+            <a:fillRect/>
+          </a:stretch>
+        </p:blipFill>
+        <p:spPr bwMode="auto">
+          <a:xfrm>
+            <a:off x="3518847" y="5589240"/>
+            <a:ext cx="1859301" cy="1224136"/>
+          </a:xfrm>
+          <a:prstGeom prst="rect">
+            <a:avLst/>
+          </a:prstGeom>
+          <a:noFill/>
+          <a:ln>
+            <a:noFill/>
+          </a:ln>
+          <a:extLst>
+            <a:ext uri="{909E8E84-426E-40DD-AFC4-6F175D3DCCD1}">
+              <a14:hiddenFill xmlns:a14="http://schemas.microsoft.com/office/drawing/2010/main">
+                <a:solidFill>
+                  <a:schemeClr val="accent1"/>
+                </a:solidFill>
+              </a14:hiddenFill>
+            </a:ext>
+            <a:ext uri="{91240B29-F687-4F45-9708-019B960494DF}">
+              <a14:hiddenLine xmlns:a14="http://schemas.microsoft.com/office/drawing/2010/main" w="9525">
+                <a:solidFill>
+                  <a:schemeClr val="tx1"/>
+                </a:solidFill>
+                <a:miter lim="800000"/>
+                <a:headEnd/>
+                <a:tailEnd/>
+              </a14:hiddenLine>
+            </a:ext>
+          </a:extLst>
+        </p:spPr>
+      </p:pic>
+      <p:sp>
+        <p:nvSpPr>
+          <p:cNvPr id="8" name="직사각형 7"/>
+          <p:cNvSpPr/>
+          <p:nvPr/>
+        </p:nvSpPr>
+        <p:spPr>
+          <a:xfrm>
+            <a:off x="3514164" y="4509120"/>
+            <a:ext cx="2497996" cy="648072"/>
+          </a:xfrm>
+          <a:prstGeom prst="rect">
+            <a:avLst/>
+          </a:prstGeom>
+          <a:noFill/>
+          <a:ln>
+            <a:solidFill>
+              <a:srgbClr val="00B0F0"/>
+            </a:solidFill>
+          </a:ln>
+        </p:spPr>
+        <p:style>
+          <a:lnRef idx="2">
+            <a:schemeClr val="accent1">
+              <a:shade val="50000"/>
+            </a:schemeClr>
+          </a:lnRef>
+          <a:fillRef idx="1">
+            <a:schemeClr val="accent1"/>
+          </a:fillRef>
+          <a:effectRef idx="0">
+            <a:schemeClr val="accent1"/>
+          </a:effectRef>
+          <a:fontRef idx="minor">
+            <a:schemeClr val="lt1"/>
+          </a:fontRef>
+        </p:style>
+        <p:txBody>
+          <a:bodyPr rtlCol="0" anchor="ctr"/>
+          <a:lstStyle/>
+          <a:p>
+            <a:pPr algn="ctr"/>
+            <a:endParaRPr lang="ko-KR" altLang="en-US" dirty="0"/>
+          </a:p>
+        </p:txBody>
+      </p:sp>
+      <p:sp>
+        <p:nvSpPr>
+          <p:cNvPr id="9" name="직사각형 8"/>
+          <p:cNvSpPr/>
+          <p:nvPr/>
+        </p:nvSpPr>
+        <p:spPr>
+          <a:xfrm>
+            <a:off x="3514165" y="3551467"/>
+            <a:ext cx="2353980" cy="290184"/>
+          </a:xfrm>
+          <a:prstGeom prst="rect">
+            <a:avLst/>
+          </a:prstGeom>
+          <a:noFill/>
+          <a:ln>
+            <a:solidFill>
+              <a:srgbClr val="FF0000"/>
+            </a:solidFill>
+          </a:ln>
+        </p:spPr>
+        <p:style>
+          <a:lnRef idx="2">
+            <a:schemeClr val="accent1">
+              <a:shade val="50000"/>
+            </a:schemeClr>
+          </a:lnRef>
+          <a:fillRef idx="1">
+            <a:schemeClr val="accent1"/>
+          </a:fillRef>
+          <a:effectRef idx="0">
+            <a:schemeClr val="accent1"/>
+          </a:effectRef>
+          <a:fontRef idx="minor">
+            <a:schemeClr val="lt1"/>
+          </a:fontRef>
+        </p:style>
+        <p:txBody>
+          <a:bodyPr rtlCol="0" anchor="ctr"/>
+          <a:lstStyle/>
+          <a:p>
+            <a:pPr algn="ctr"/>
+            <a:endParaRPr lang="ko-KR" altLang="en-US" dirty="0"/>
+          </a:p>
+        </p:txBody>
+      </p:sp>
+      <p:sp>
+        <p:nvSpPr>
+          <p:cNvPr id="10" name="직사각형 9"/>
+          <p:cNvSpPr/>
+          <p:nvPr/>
+        </p:nvSpPr>
+        <p:spPr>
+          <a:xfrm>
+            <a:off x="539552" y="2204864"/>
+            <a:ext cx="1872208" cy="290184"/>
+          </a:xfrm>
+          <a:prstGeom prst="rect">
+            <a:avLst/>
+          </a:prstGeom>
+          <a:noFill/>
+          <a:ln>
+            <a:solidFill>
+              <a:srgbClr val="FF0000"/>
+            </a:solidFill>
+          </a:ln>
+        </p:spPr>
+        <p:style>
+          <a:lnRef idx="2">
+            <a:schemeClr val="accent1">
+              <a:shade val="50000"/>
+            </a:schemeClr>
+          </a:lnRef>
+          <a:fillRef idx="1">
+            <a:schemeClr val="accent1"/>
+          </a:fillRef>
+          <a:effectRef idx="0">
+            <a:schemeClr val="accent1"/>
+          </a:effectRef>
+          <a:fontRef idx="minor">
+            <a:schemeClr val="lt1"/>
+          </a:fontRef>
+        </p:style>
+        <p:txBody>
+          <a:bodyPr rtlCol="0" anchor="ctr"/>
+          <a:lstStyle/>
+          <a:p>
+            <a:pPr algn="ctr"/>
+            <a:endParaRPr lang="ko-KR" altLang="en-US" dirty="0"/>
+          </a:p>
+        </p:txBody>
+      </p:sp>
+      <p:sp>
+        <p:nvSpPr>
+          <p:cNvPr id="11" name="직사각형 10"/>
+          <p:cNvSpPr/>
+          <p:nvPr/>
+        </p:nvSpPr>
+        <p:spPr>
+          <a:xfrm>
+            <a:off x="539552" y="4833156"/>
+            <a:ext cx="1872208" cy="290184"/>
+          </a:xfrm>
+          <a:prstGeom prst="rect">
+            <a:avLst/>
+          </a:prstGeom>
+          <a:noFill/>
+          <a:ln>
+            <a:solidFill>
+              <a:srgbClr val="FF0000"/>
+            </a:solidFill>
+          </a:ln>
+        </p:spPr>
+        <p:style>
+          <a:lnRef idx="2">
+            <a:schemeClr val="accent1">
+              <a:shade val="50000"/>
+            </a:schemeClr>
+          </a:lnRef>
+          <a:fillRef idx="1">
+            <a:schemeClr val="accent1"/>
+          </a:fillRef>
+          <a:effectRef idx="0">
+            <a:schemeClr val="accent1"/>
+          </a:effectRef>
+          <a:fontRef idx="minor">
+            <a:schemeClr val="lt1"/>
+          </a:fontRef>
+        </p:style>
+        <p:txBody>
+          <a:bodyPr rtlCol="0" anchor="ctr"/>
+          <a:lstStyle/>
+          <a:p>
+            <a:pPr algn="ctr"/>
+            <a:endParaRPr lang="ko-KR" altLang="en-US" dirty="0"/>
+          </a:p>
+        </p:txBody>
+      </p:sp>
+      <p:sp>
+        <p:nvSpPr>
+          <p:cNvPr id="4" name="TextBox 3"/>
+          <p:cNvSpPr txBox="1"/>
+          <p:nvPr/>
+        </p:nvSpPr>
+        <p:spPr>
+          <a:xfrm>
+            <a:off x="5527195" y="1052736"/>
+            <a:ext cx="3347864" cy="1077218"/>
+          </a:xfrm>
+          <a:prstGeom prst="rect">
+            <a:avLst/>
+          </a:prstGeom>
+          <a:noFill/>
+          <a:ln>
+            <a:solidFill>
+              <a:srgbClr val="FFC000"/>
+            </a:solidFill>
+          </a:ln>
+        </p:spPr>
+        <p:txBody>
+          <a:bodyPr wrap="square" rtlCol="0">
+            <a:spAutoFit/>
+          </a:bodyPr>
+          <a:lstStyle/>
+          <a:p>
+            <a:r>
+              <a:rPr lang="ko-KR" altLang="en-US" sz="1600" dirty="0" smtClean="0"/>
+              <a:t>자식클래스 객체</a:t>
+            </a:r>
+            <a:r>
+              <a:rPr lang="en-US" altLang="ko-KR" sz="1600" dirty="0" smtClean="0"/>
+              <a:t>1;</a:t>
+            </a:r>
+          </a:p>
+          <a:p>
+            <a:r>
+              <a:rPr lang="ko-KR" altLang="en-US" sz="1600" dirty="0" smtClean="0"/>
+              <a:t>자식클래스</a:t>
+            </a:r>
+            <a:r>
+              <a:rPr lang="en-US" altLang="ko-KR" sz="1600" dirty="0" smtClean="0"/>
+              <a:t>* </a:t>
+            </a:r>
+            <a:r>
+              <a:rPr lang="ko-KR" altLang="en-US" sz="1600" dirty="0" smtClean="0"/>
+              <a:t>객체</a:t>
+            </a:r>
+            <a:r>
+              <a:rPr lang="en-US" altLang="ko-KR" sz="1600" dirty="0" smtClean="0"/>
+              <a:t>2 = &amp; </a:t>
+            </a:r>
+            <a:r>
+              <a:rPr lang="ko-KR" altLang="en-US" sz="1600" dirty="0" smtClean="0"/>
+              <a:t>객체</a:t>
+            </a:r>
+            <a:r>
+              <a:rPr lang="en-US" altLang="ko-KR" sz="1600" dirty="0" smtClean="0"/>
+              <a:t>1;</a:t>
+            </a:r>
+          </a:p>
+          <a:p>
+            <a:r>
+              <a:rPr lang="ko-KR" altLang="en-US" sz="1600" dirty="0" smtClean="0"/>
+              <a:t>부모클래스</a:t>
+            </a:r>
+            <a:r>
+              <a:rPr lang="en-US" altLang="ko-KR" sz="1600" dirty="0" smtClean="0"/>
+              <a:t>* </a:t>
+            </a:r>
+            <a:r>
+              <a:rPr lang="ko-KR" altLang="en-US" sz="1600" dirty="0" smtClean="0"/>
+              <a:t>객체</a:t>
+            </a:r>
+            <a:r>
+              <a:rPr lang="en-US" altLang="ko-KR" sz="1600" dirty="0" smtClean="0"/>
+              <a:t>3 = </a:t>
+            </a:r>
+            <a:r>
+              <a:rPr lang="ko-KR" altLang="en-US" sz="1600" dirty="0" smtClean="0"/>
+              <a:t>객체</a:t>
+            </a:r>
+            <a:r>
+              <a:rPr lang="en-US" altLang="ko-KR" sz="1600" dirty="0" smtClean="0"/>
+              <a:t>2;</a:t>
+            </a:r>
+          </a:p>
+          <a:p>
+            <a:r>
+              <a:rPr lang="ko-KR" altLang="en-US" sz="1600" dirty="0" smtClean="0"/>
+              <a:t>객체</a:t>
+            </a:r>
+            <a:r>
+              <a:rPr lang="en-US" altLang="ko-KR" sz="1600" dirty="0" smtClean="0"/>
+              <a:t>3-&gt;</a:t>
+            </a:r>
+            <a:r>
+              <a:rPr lang="ko-KR" altLang="en-US" sz="1600" dirty="0" smtClean="0"/>
+              <a:t>부모멤버함수</a:t>
+            </a:r>
+            <a:r>
+              <a:rPr lang="en-US" altLang="ko-KR" sz="1600" dirty="0" smtClean="0"/>
+              <a:t>; </a:t>
+            </a:r>
+            <a:endParaRPr lang="ko-KR" altLang="en-US" sz="1600" dirty="0"/>
+          </a:p>
+        </p:txBody>
+      </p:sp>
+      <p:sp>
+        <p:nvSpPr>
+          <p:cNvPr id="13" name="TextBox 12"/>
+          <p:cNvSpPr txBox="1"/>
+          <p:nvPr/>
+        </p:nvSpPr>
+        <p:spPr>
+          <a:xfrm>
+            <a:off x="5701916" y="5579041"/>
+            <a:ext cx="3347864" cy="584775"/>
+          </a:xfrm>
+          <a:prstGeom prst="rect">
+            <a:avLst/>
+          </a:prstGeom>
+          <a:noFill/>
+          <a:ln>
+            <a:solidFill>
+              <a:srgbClr val="00B0F0"/>
+            </a:solidFill>
+          </a:ln>
+        </p:spPr>
+        <p:txBody>
+          <a:bodyPr wrap="square" rtlCol="0">
+            <a:spAutoFit/>
+          </a:bodyPr>
+          <a:lstStyle/>
+          <a:p>
+            <a:r>
+              <a:rPr lang="ko-KR" altLang="en-US" sz="1600" dirty="0" smtClean="0"/>
+              <a:t>객체</a:t>
+            </a:r>
+            <a:r>
+              <a:rPr lang="en-US" altLang="ko-KR" sz="1600" dirty="0" smtClean="0"/>
+              <a:t>2 = (</a:t>
+            </a:r>
+            <a:r>
+              <a:rPr lang="ko-KR" altLang="en-US" sz="1600" dirty="0" smtClean="0"/>
+              <a:t>자식클래스</a:t>
+            </a:r>
+            <a:r>
+              <a:rPr lang="en-US" altLang="ko-KR" sz="1600" dirty="0" smtClean="0"/>
+              <a:t>*)</a:t>
+            </a:r>
+            <a:r>
+              <a:rPr lang="ko-KR" altLang="en-US" sz="1600" dirty="0" smtClean="0"/>
+              <a:t>객체</a:t>
+            </a:r>
+            <a:r>
+              <a:rPr lang="en-US" altLang="ko-KR" sz="1600" dirty="0" smtClean="0"/>
+              <a:t>3;</a:t>
+            </a:r>
+          </a:p>
+          <a:p>
+            <a:r>
+              <a:rPr lang="ko-KR" altLang="en-US" sz="1600" dirty="0" smtClean="0"/>
+              <a:t>객체</a:t>
+            </a:r>
+            <a:r>
+              <a:rPr lang="en-US" altLang="ko-KR" sz="1600" dirty="0" smtClean="0"/>
+              <a:t>3-&gt;</a:t>
+            </a:r>
+            <a:r>
+              <a:rPr lang="ko-KR" altLang="en-US" sz="1600" dirty="0" smtClean="0"/>
+              <a:t>부모멤버함수</a:t>
+            </a:r>
+            <a:r>
+              <a:rPr lang="en-US" altLang="ko-KR" sz="1600" dirty="0" smtClean="0"/>
+              <a:t>;</a:t>
+            </a:r>
+          </a:p>
+        </p:txBody>
+      </p:sp>
+      <p:sp>
+        <p:nvSpPr>
+          <p:cNvPr id="15" name="포인트가 5개인 별 14"/>
+          <p:cNvSpPr/>
+          <p:nvPr/>
+        </p:nvSpPr>
+        <p:spPr>
+          <a:xfrm>
+            <a:off x="8172400" y="116632"/>
+            <a:ext cx="792088" cy="648072"/>
+          </a:xfrm>
+          <a:prstGeom prst="star5">
+            <a:avLst/>
+          </a:prstGeom>
+          <a:solidFill>
+            <a:srgbClr val="FFC000"/>
+          </a:solidFill>
+          <a:ln>
+            <a:solidFill>
+              <a:srgbClr val="FF0000"/>
+            </a:solidFill>
+          </a:ln>
+        </p:spPr>
+        <p:style>
+          <a:lnRef idx="2">
+            <a:schemeClr val="accent1">
+              <a:shade val="50000"/>
+            </a:schemeClr>
+          </a:lnRef>
+          <a:fillRef idx="1">
+            <a:schemeClr val="accent1"/>
+          </a:fillRef>
+          <a:effectRef idx="0">
+            <a:schemeClr val="accent1"/>
+          </a:effectRef>
+          <a:fontRef idx="minor">
+            <a:schemeClr val="lt1"/>
+          </a:fontRef>
+        </p:style>
+        <p:txBody>
+          <a:bodyPr rtlCol="0" anchor="ctr"/>
+          <a:lstStyle/>
+          <a:p>
+            <a:pPr algn="ctr"/>
+            <a:endParaRPr lang="ko-KR" altLang="en-US">
+              <a:solidFill>
+                <a:srgbClr val="FF0000"/>
+              </a:solidFill>
+            </a:endParaRPr>
+          </a:p>
+        </p:txBody>
+      </p:sp>
+    </p:spTree>
+    <p:extLst>
+      <p:ext uri="{BB962C8B-B14F-4D97-AF65-F5344CB8AC3E}">
+        <p14:creationId xmlns:p14="http://schemas.microsoft.com/office/powerpoint/2010/main" val="1934773496"/>
+      </p:ext>
+    </p:extLst>
+  </p:cSld>
+  <p:clrMapOvr>
+    <a:masterClrMapping/>
+  </p:clrMapOvr>
+  <p:timing>
+    <p:tnLst>
+      <p:par>
+        <p:cTn id="1" dur="indefinite" restart="never" nodeType="tmRoot"/>
+      </p:par>
+    </p:tnLst>
+  </p:timing>
+</p:sld>
+</file>
+
+<file path=ppt/slides/slide106.xml><?xml version="1.0" encoding="utf-8"?>
+<p:sld xmlns:a="http://schemas.openxmlformats.org/drawingml/2006/main" xmlns:r="http://schemas.openxmlformats.org/officeDocument/2006/relationships" xmlns:p="http://schemas.openxmlformats.org/presentationml/2006/main">
+  <p:cSld>
+    <p:spTree>
+      <p:nvGrpSpPr>
+        <p:cNvPr id="1" name=""/>
+        <p:cNvGrpSpPr/>
+        <p:nvPr/>
+      </p:nvGrpSpPr>
+      <p:grpSpPr>
+        <a:xfrm>
+          <a:off x="0" y="0"/>
+          <a:ext cx="0" cy="0"/>
+          <a:chOff x="0" y="0"/>
+          <a:chExt cx="0" cy="0"/>
+        </a:xfrm>
+      </p:grpSpPr>
+      <p:sp>
+        <p:nvSpPr>
+          <p:cNvPr id="2" name="제목 1"/>
+          <p:cNvSpPr>
+            <a:spLocks noGrp="1"/>
+          </p:cNvSpPr>
+          <p:nvPr>
+            <p:ph type="title"/>
+          </p:nvPr>
+        </p:nvSpPr>
+        <p:spPr/>
+        <p:txBody>
+          <a:bodyPr/>
+          <a:lstStyle/>
+          <a:p>
+            <a:r>
+              <a:rPr lang="en-US" altLang="ko-KR" dirty="0" smtClean="0"/>
+              <a:t>12</a:t>
+            </a:r>
+            <a:r>
+              <a:rPr lang="ko-KR" altLang="en-US" dirty="0" smtClean="0"/>
+              <a:t>장</a:t>
+            </a:r>
+            <a:endParaRPr lang="ko-KR" altLang="en-US" dirty="0"/>
+          </a:p>
+        </p:txBody>
+      </p:sp>
+      <p:sp>
+        <p:nvSpPr>
+          <p:cNvPr id="3" name="내용 개체 틀 2"/>
+          <p:cNvSpPr>
+            <a:spLocks noGrp="1"/>
+          </p:cNvSpPr>
+          <p:nvPr>
+            <p:ph idx="1"/>
+          </p:nvPr>
+        </p:nvSpPr>
+        <p:spPr/>
+        <p:txBody>
+          <a:bodyPr/>
+          <a:lstStyle/>
+          <a:p>
+            <a:r>
+              <a:rPr lang="ko-KR" altLang="en-US" dirty="0" smtClean="0"/>
+              <a:t>다중상속</a:t>
+            </a:r>
+            <a:endParaRPr lang="en-US" altLang="ko-KR" dirty="0" smtClean="0"/>
+          </a:p>
+          <a:p>
+            <a:r>
+              <a:rPr lang="en-US" altLang="ko-KR" dirty="0" smtClean="0"/>
+              <a:t>-&gt; </a:t>
+            </a:r>
+            <a:r>
+              <a:rPr lang="ko-KR" altLang="en-US" dirty="0" smtClean="0"/>
+              <a:t>이미 정의된 두 개 이상의 클래스 내용을 복합적으로 활용</a:t>
+            </a:r>
+            <a:endParaRPr lang="en-US" altLang="ko-KR" dirty="0" smtClean="0"/>
+          </a:p>
+          <a:p>
+            <a:r>
+              <a:rPr lang="en-US" altLang="ko-KR" dirty="0" smtClean="0"/>
+              <a:t>-&gt; </a:t>
+            </a:r>
+            <a:r>
+              <a:rPr lang="ko-KR" altLang="en-US" dirty="0" smtClean="0"/>
+              <a:t>더 확장된 파생클래스 정의 가능</a:t>
+            </a:r>
+            <a:r>
+              <a:rPr lang="en-US" altLang="ko-KR" dirty="0" smtClean="0"/>
+              <a:t>.</a:t>
+            </a:r>
+          </a:p>
+          <a:p>
+            <a:r>
+              <a:rPr lang="en-US" altLang="ko-KR" dirty="0" smtClean="0"/>
+              <a:t>-&gt; </a:t>
+            </a:r>
+            <a:r>
+              <a:rPr lang="ko-KR" altLang="en-US" dirty="0" smtClean="0"/>
+              <a:t>파생 클래스를 선언할 때 기반 클래스 이름을 콤마로 구분</a:t>
+            </a:r>
+            <a:r>
+              <a:rPr lang="en-US" altLang="ko-KR" dirty="0" smtClean="0"/>
+              <a:t>.</a:t>
+            </a:r>
+          </a:p>
+        </p:txBody>
+      </p:sp>
+    </p:spTree>
+    <p:extLst>
+      <p:ext uri="{BB962C8B-B14F-4D97-AF65-F5344CB8AC3E}">
+        <p14:creationId xmlns:p14="http://schemas.microsoft.com/office/powerpoint/2010/main" val="1934773496"/>
+      </p:ext>
+    </p:extLst>
+  </p:cSld>
+  <p:clrMapOvr>
+    <a:masterClrMapping/>
+  </p:clrMapOvr>
+  <p:timing>
+    <p:tnLst>
+      <p:par>
+        <p:cTn id="1" dur="indefinite" restart="never" nodeType="tmRoot"/>
+      </p:par>
+    </p:tnLst>
+  </p:timing>
+</p:sld>
+</file>
+
+<file path=ppt/slides/slide107.xml><?xml version="1.0" encoding="utf-8"?>
+<p:sld xmlns:a="http://schemas.openxmlformats.org/drawingml/2006/main" xmlns:r="http://schemas.openxmlformats.org/officeDocument/2006/relationships" xmlns:p="http://schemas.openxmlformats.org/presentationml/2006/main">
+  <p:cSld>
+    <p:spTree>
+      <p:nvGrpSpPr>
+        <p:cNvPr id="1" name=""/>
+        <p:cNvGrpSpPr/>
+        <p:nvPr/>
+      </p:nvGrpSpPr>
+      <p:grpSpPr>
+        <a:xfrm>
+          <a:off x="0" y="0"/>
+          <a:ext cx="0" cy="0"/>
+          <a:chOff x="0" y="0"/>
+          <a:chExt cx="0" cy="0"/>
+        </a:xfrm>
+      </p:grpSpPr>
+      <p:sp>
+        <p:nvSpPr>
+          <p:cNvPr id="2" name="제목 1"/>
+          <p:cNvSpPr>
+            <a:spLocks noGrp="1"/>
+          </p:cNvSpPr>
+          <p:nvPr>
+            <p:ph type="title"/>
+          </p:nvPr>
+        </p:nvSpPr>
+        <p:spPr/>
+        <p:txBody>
+          <a:bodyPr/>
+          <a:lstStyle/>
+          <a:p>
+            <a:r>
+              <a:rPr lang="en-US" altLang="ko-KR" dirty="0" smtClean="0"/>
+              <a:t>12</a:t>
+            </a:r>
+            <a:r>
+              <a:rPr lang="ko-KR" altLang="en-US" dirty="0" smtClean="0"/>
+              <a:t>장</a:t>
+            </a:r>
+            <a:endParaRPr lang="ko-KR" altLang="en-US" dirty="0"/>
+          </a:p>
+        </p:txBody>
+      </p:sp>
+      <p:sp>
+        <p:nvSpPr>
+          <p:cNvPr id="3" name="내용 개체 틀 2"/>
+          <p:cNvSpPr>
+            <a:spLocks noGrp="1"/>
+          </p:cNvSpPr>
+          <p:nvPr>
+            <p:ph idx="1"/>
+          </p:nvPr>
+        </p:nvSpPr>
+        <p:spPr/>
+        <p:txBody>
+          <a:bodyPr/>
+          <a:lstStyle/>
+          <a:p>
+            <a:endParaRPr lang="ko-KR" altLang="en-US"/>
+          </a:p>
+        </p:txBody>
+      </p:sp>
+    </p:spTree>
+    <p:extLst>
+      <p:ext uri="{BB962C8B-B14F-4D97-AF65-F5344CB8AC3E}">
+        <p14:creationId xmlns:p14="http://schemas.microsoft.com/office/powerpoint/2010/main" val="1934773496"/>
+      </p:ext>
+    </p:extLst>
+  </p:cSld>
+  <p:clrMapOvr>
+    <a:masterClrMapping/>
+  </p:clrMapOvr>
+  <p:timing>
+    <p:tnLst>
+      <p:par>
+        <p:cTn id="1" dur="indefinite" restart="never" nodeType="tmRoot"/>
+      </p:par>
+    </p:tnLst>
+  </p:timing>
+</p:sld>
+</file>
+
+<file path=ppt/slides/slide108.xml><?xml version="1.0" encoding="utf-8"?>
+<p:sld xmlns:a="http://schemas.openxmlformats.org/drawingml/2006/main" xmlns:r="http://schemas.openxmlformats.org/officeDocument/2006/relationships" xmlns:p="http://schemas.openxmlformats.org/presentationml/2006/main">
+  <p:cSld>
+    <p:spTree>
+      <p:nvGrpSpPr>
+        <p:cNvPr id="1" name=""/>
+        <p:cNvGrpSpPr/>
+        <p:nvPr/>
+      </p:nvGrpSpPr>
+      <p:grpSpPr>
+        <a:xfrm>
+          <a:off x="0" y="0"/>
+          <a:ext cx="0" cy="0"/>
+          <a:chOff x="0" y="0"/>
+          <a:chExt cx="0" cy="0"/>
+        </a:xfrm>
+      </p:grpSpPr>
+      <p:sp>
+        <p:nvSpPr>
+          <p:cNvPr id="2" name="제목 1"/>
+          <p:cNvSpPr>
+            <a:spLocks noGrp="1"/>
+          </p:cNvSpPr>
+          <p:nvPr>
+            <p:ph type="title"/>
+          </p:nvPr>
+        </p:nvSpPr>
+        <p:spPr/>
+        <p:txBody>
+          <a:bodyPr/>
+          <a:lstStyle/>
+          <a:p>
+            <a:r>
+              <a:rPr lang="en-US" altLang="ko-KR" dirty="0" smtClean="0"/>
+              <a:t>12</a:t>
+            </a:r>
+            <a:r>
+              <a:rPr lang="ko-KR" altLang="en-US" dirty="0" smtClean="0"/>
+              <a:t>장</a:t>
+            </a:r>
+            <a:endParaRPr lang="ko-KR" altLang="en-US" dirty="0"/>
+          </a:p>
+        </p:txBody>
+      </p:sp>
+      <p:sp>
+        <p:nvSpPr>
+          <p:cNvPr id="3" name="내용 개체 틀 2"/>
+          <p:cNvSpPr>
+            <a:spLocks noGrp="1"/>
+          </p:cNvSpPr>
+          <p:nvPr>
+            <p:ph idx="1"/>
+          </p:nvPr>
+        </p:nvSpPr>
+        <p:spPr/>
+        <p:txBody>
+          <a:bodyPr/>
+          <a:lstStyle/>
+          <a:p>
+            <a:endParaRPr lang="ko-KR" altLang="en-US"/>
+          </a:p>
+        </p:txBody>
+      </p:sp>
+    </p:spTree>
+    <p:extLst>
+      <p:ext uri="{BB962C8B-B14F-4D97-AF65-F5344CB8AC3E}">
+        <p14:creationId xmlns:p14="http://schemas.microsoft.com/office/powerpoint/2010/main" val="1934773496"/>
       </p:ext>
     </p:extLst>
   </p:cSld>
@@ -27895,6 +30650,58 @@
           <a:p>
             <a:pPr algn="ctr"/>
             <a:endParaRPr lang="ko-KR" altLang="en-US"/>
+          </a:p>
+        </p:txBody>
+      </p:sp>
+      <p:sp>
+        <p:nvSpPr>
+          <p:cNvPr id="15" name="포인트가 5개인 별 14"/>
+          <p:cNvSpPr/>
+          <p:nvPr/>
+        </p:nvSpPr>
+        <p:spPr>
+          <a:xfrm>
+            <a:off x="8172400" y="116632"/>
+            <a:ext cx="792088" cy="648072"/>
+          </a:xfrm>
+          <a:prstGeom prst="star5">
+            <a:avLst/>
+          </a:prstGeom>
+          <a:solidFill>
+            <a:srgbClr val="FFC000"/>
+          </a:solidFill>
+          <a:ln>
+            <a:solidFill>
+              <a:srgbClr val="FF0000"/>
+            </a:solidFill>
+          </a:ln>
+        </p:spPr>
+        <p:style>
+          <a:lnRef idx="2">
+            <a:schemeClr val="accent1">
+              <a:shade val="50000"/>
+            </a:schemeClr>
+          </a:lnRef>
+          <a:fillRef idx="1">
+            <a:schemeClr val="accent1"/>
+          </a:fillRef>
+          <a:effectRef idx="0">
+            <a:schemeClr val="accent1"/>
+          </a:effectRef>
+          <a:fontRef idx="minor">
+            <a:schemeClr val="lt1"/>
+          </a:fontRef>
+        </p:style>
+        <p:txBody>
+          <a:bodyPr rtlCol="0" anchor="ctr"/>
+          <a:lstStyle/>
+          <a:p>
+            <a:pPr algn="ctr"/>
+            <a:endParaRPr lang="ko-KR" altLang="en-US">
+              <a:solidFill>
+                <a:srgbClr val="FF0000"/>
+              </a:solidFill>
+            </a:endParaRPr>
           </a:p>
         </p:txBody>
       </p:sp>
@@ -47339,6 +50146,112 @@
           </a:p>
         </p:txBody>
       </p:sp>
+      <p:sp>
+        <p:nvSpPr>
+          <p:cNvPr id="12" name="포인트가 5개인 별 11"/>
+          <p:cNvSpPr/>
+          <p:nvPr/>
+        </p:nvSpPr>
+        <p:spPr>
+          <a:xfrm>
+            <a:off x="8172400" y="116632"/>
+            <a:ext cx="792088" cy="648072"/>
+          </a:xfrm>
+          <a:prstGeom prst="star5">
+            <a:avLst/>
+          </a:prstGeom>
+          <a:solidFill>
+            <a:srgbClr val="FFC000"/>
+          </a:solidFill>
+          <a:ln>
+            <a:solidFill>
+              <a:srgbClr val="FF0000"/>
+            </a:solidFill>
+          </a:ln>
+        </p:spPr>
+        <p:style>
+          <a:lnRef idx="2">
+            <a:schemeClr val="accent1">
+              <a:shade val="50000"/>
+            </a:schemeClr>
+          </a:lnRef>
+          <a:fillRef idx="1">
+            <a:schemeClr val="accent1"/>
+          </a:fillRef>
+          <a:effectRef idx="0">
+            <a:schemeClr val="accent1"/>
+          </a:effectRef>
+          <a:fontRef idx="minor">
+            <a:schemeClr val="lt1"/>
+          </a:fontRef>
+        </p:style>
+        <p:txBody>
+          <a:bodyPr rtlCol="0" anchor="ctr"/>
+          <a:lstStyle/>
+          <a:p>
+            <a:pPr algn="ctr"/>
+            <a:endParaRPr lang="ko-KR" altLang="en-US">
+              <a:solidFill>
+                <a:srgbClr val="FF0000"/>
+              </a:solidFill>
+            </a:endParaRPr>
+          </a:p>
+        </p:txBody>
+      </p:sp>
+      <p:pic>
+        <p:nvPicPr>
+          <p:cNvPr id="19461" name="Picture 5"/>
+          <p:cNvPicPr>
+            <a:picLocks noChangeAspect="1" noChangeArrowheads="1"/>
+          </p:cNvPicPr>
+          <p:nvPr/>
+        </p:nvPicPr>
+        <p:blipFill>
+          <a:blip r:embed="rId5">
+            <a:extLst>
+              <a:ext uri="{28A0092B-C50C-407E-A947-70E740481C1C}">
+                <a14:useLocalDpi xmlns:a14="http://schemas.microsoft.com/office/drawing/2010/main" val="0"/>
+              </a:ext>
+            </a:extLst>
+          </a:blip>
+          <a:srcRect/>
+          <a:stretch>
+            <a:fillRect/>
+          </a:stretch>
+        </p:blipFill>
+        <p:spPr bwMode="auto">
+          <a:xfrm>
+            <a:off x="0" y="5319448"/>
+            <a:ext cx="9143999" cy="1533525"/>
+          </a:xfrm>
+          <a:prstGeom prst="rect">
+            <a:avLst/>
+          </a:prstGeom>
+          <a:noFill/>
+          <a:ln>
+            <a:noFill/>
+          </a:ln>
+          <a:extLst>
+            <a:ext uri="{909E8E84-426E-40DD-AFC4-6F175D3DCCD1}">
+              <a14:hiddenFill xmlns:a14="http://schemas.microsoft.com/office/drawing/2010/main">
+                <a:solidFill>
+                  <a:schemeClr val="accent1"/>
+                </a:solidFill>
+              </a14:hiddenFill>
+            </a:ext>
+            <a:ext uri="{91240B29-F687-4F45-9708-019B960494DF}">
+              <a14:hiddenLine xmlns:a14="http://schemas.microsoft.com/office/drawing/2010/main" w="9525">
+                <a:solidFill>
+                  <a:schemeClr val="tx1"/>
+                </a:solidFill>
+                <a:miter lim="800000"/>
+                <a:headEnd/>
+                <a:tailEnd/>
+              </a14:hiddenLine>
+            </a:ext>
+          </a:extLst>
+        </p:spPr>
+      </p:pic>
     </p:spTree>
     <p:extLst>
       <p:ext uri="{BB962C8B-B14F-4D97-AF65-F5344CB8AC3E}">
@@ -47413,15 +50326,604 @@
             <p:ph idx="1"/>
           </p:nvPr>
         </p:nvSpPr>
-        <p:spPr/>
+        <p:spPr>
+          <a:ln>
+            <a:noFill/>
+          </a:ln>
+        </p:spPr>
+        <p:style>
+          <a:lnRef idx="1">
+            <a:schemeClr val="accent1"/>
+          </a:lnRef>
+          <a:fillRef idx="0">
+            <a:schemeClr val="accent1"/>
+          </a:fillRef>
+          <a:effectRef idx="0">
+            <a:schemeClr val="accent1"/>
+          </a:effectRef>
+          <a:fontRef idx="minor">
+            <a:schemeClr val="tx1"/>
+          </a:fontRef>
+        </p:style>
         <p:txBody>
           <a:bodyPr/>
           <a:lstStyle/>
           <a:p>
-            <a:endParaRPr lang="ko-KR" altLang="en-US"/>
+            <a:r>
+              <a:rPr lang="ko-KR" altLang="en-US" dirty="0" smtClean="0"/>
+              <a:t>접근 지정자</a:t>
+            </a:r>
+            <a:endParaRPr lang="en-US" altLang="ko-KR" dirty="0" smtClean="0"/>
+          </a:p>
+          <a:p>
+            <a:endParaRPr lang="en-US" altLang="ko-KR" dirty="0"/>
+          </a:p>
+          <a:p>
+            <a:endParaRPr lang="en-US" altLang="ko-KR" dirty="0" smtClean="0"/>
+          </a:p>
+          <a:p>
+            <a:endParaRPr lang="en-US" altLang="ko-KR" dirty="0"/>
+          </a:p>
+          <a:p>
+            <a:endParaRPr lang="en-US" altLang="ko-KR" dirty="0" smtClean="0"/>
+          </a:p>
+          <a:p>
+            <a:endParaRPr lang="en-US" altLang="ko-KR" dirty="0"/>
+          </a:p>
+          <a:p>
+            <a:endParaRPr lang="en-US" altLang="ko-KR" dirty="0" smtClean="0"/>
+          </a:p>
+          <a:p>
+            <a:r>
+              <a:rPr lang="ko-KR" altLang="en-US" dirty="0" smtClean="0"/>
+              <a:t>파생클래스의 </a:t>
+            </a:r>
+            <a:r>
+              <a:rPr lang="en-US" altLang="ko-KR" dirty="0" smtClean="0"/>
+              <a:t>protected </a:t>
+            </a:r>
+            <a:r>
+              <a:rPr lang="ko-KR" altLang="en-US" dirty="0" smtClean="0"/>
+              <a:t>속성의 멤버는 기반클래스에서 접근 불가</a:t>
+            </a:r>
+            <a:r>
+              <a:rPr lang="en-US" altLang="ko-KR" dirty="0" smtClean="0"/>
+              <a:t>.</a:t>
+            </a:r>
+          </a:p>
+          <a:p>
+            <a:r>
+              <a:rPr lang="en-US" altLang="ko-KR" dirty="0" smtClean="0"/>
+              <a:t>public </a:t>
+            </a:r>
+            <a:r>
+              <a:rPr lang="ko-KR" altLang="en-US" dirty="0" smtClean="0"/>
+              <a:t>접근 속성을 갖는 멤버는 어느 위치에서 참조 가능</a:t>
+            </a:r>
+            <a:r>
+              <a:rPr lang="en-US" altLang="ko-KR" dirty="0" smtClean="0"/>
+              <a:t>.</a:t>
+            </a:r>
+            <a:endParaRPr lang="ko-KR" altLang="en-US" dirty="0"/>
           </a:p>
         </p:txBody>
       </p:sp>
+      <p:graphicFrame>
+        <p:nvGraphicFramePr>
+          <p:cNvPr id="4" name="표 3"/>
+          <p:cNvGraphicFramePr>
+            <a:graphicFrameLocks noGrp="1"/>
+          </p:cNvGraphicFramePr>
+          <p:nvPr>
+            <p:extLst>
+              <p:ext uri="{D42A27DB-BD31-4B8C-83A1-F6EECF244321}">
+                <p14:modId xmlns:p14="http://schemas.microsoft.com/office/powerpoint/2010/main" val="3611588965"/>
+              </p:ext>
+            </p:extLst>
+          </p:nvPr>
+        </p:nvGraphicFramePr>
+        <p:xfrm>
+          <a:off x="179512" y="1268760"/>
+          <a:ext cx="8784976" cy="1483360"/>
+        </p:xfrm>
+        <a:graphic>
+          <a:graphicData uri="http://schemas.openxmlformats.org/drawingml/2006/table">
+            <a:tbl>
+              <a:tblPr firstRow="1" bandRow="1">
+                <a:tableStyleId>{5C22544A-7EE6-4342-B048-85BDC9FD1C3A}</a:tableStyleId>
+              </a:tblPr>
+              <a:tblGrid>
+                <a:gridCol w="2196244"/>
+                <a:gridCol w="2196244"/>
+                <a:gridCol w="2196244"/>
+                <a:gridCol w="2196244"/>
+              </a:tblGrid>
+              <a:tr h="370840">
+                <a:tc>
+                  <a:txBody>
+                    <a:bodyPr/>
+                    <a:lstStyle/>
+                    <a:p>
+                      <a:pPr latinLnBrk="1"/>
+                      <a:r>
+                        <a:rPr lang="ko-KR" altLang="en-US" dirty="0" smtClean="0"/>
+                        <a:t>접근 지정자</a:t>
+                      </a:r>
+                      <a:endParaRPr lang="ko-KR" altLang="en-US" dirty="0"/>
+                    </a:p>
+                  </a:txBody>
+                  <a:tcPr/>
+                </a:tc>
+                <a:tc>
+                  <a:txBody>
+                    <a:bodyPr/>
+                    <a:lstStyle/>
+                    <a:p>
+                      <a:pPr latinLnBrk="1"/>
+                      <a:r>
+                        <a:rPr lang="ko-KR" altLang="en-US" dirty="0" smtClean="0"/>
+                        <a:t>자기 자신에서</a:t>
+                      </a:r>
+                      <a:endParaRPr lang="ko-KR" altLang="en-US" dirty="0"/>
+                    </a:p>
+                  </a:txBody>
+                  <a:tcPr/>
+                </a:tc>
+                <a:tc>
+                  <a:txBody>
+                    <a:bodyPr/>
+                    <a:lstStyle/>
+                    <a:p>
+                      <a:pPr latinLnBrk="1"/>
+                      <a:r>
+                        <a:rPr lang="ko-KR" altLang="en-US" dirty="0" smtClean="0"/>
+                        <a:t>파생클래스에서</a:t>
+                      </a:r>
+                      <a:endParaRPr lang="ko-KR" altLang="en-US" dirty="0"/>
+                    </a:p>
+                  </a:txBody>
+                  <a:tcPr/>
+                </a:tc>
+                <a:tc>
+                  <a:txBody>
+                    <a:bodyPr/>
+                    <a:lstStyle/>
+                    <a:p>
+                      <a:pPr latinLnBrk="1"/>
+                      <a:r>
+                        <a:rPr lang="ko-KR" altLang="en-US" dirty="0" smtClean="0"/>
+                        <a:t>외부에서</a:t>
+                      </a:r>
+                      <a:endParaRPr lang="ko-KR" altLang="en-US" dirty="0"/>
+                    </a:p>
+                  </a:txBody>
+                  <a:tcPr/>
+                </a:tc>
+              </a:tr>
+              <a:tr h="370840">
+                <a:tc>
+                  <a:txBody>
+                    <a:bodyPr/>
+                    <a:lstStyle/>
+                    <a:p>
+                      <a:pPr latinLnBrk="1"/>
+                      <a:r>
+                        <a:rPr lang="en-US" altLang="ko-KR" dirty="0" smtClean="0"/>
+                        <a:t>public</a:t>
+                      </a:r>
+                      <a:endParaRPr lang="ko-KR" altLang="en-US" dirty="0"/>
+                    </a:p>
+                  </a:txBody>
+                  <a:tcPr/>
+                </a:tc>
+                <a:tc>
+                  <a:txBody>
+                    <a:bodyPr/>
+                    <a:lstStyle/>
+                    <a:p>
+                      <a:pPr latinLnBrk="1"/>
+                      <a:r>
+                        <a:rPr lang="ko-KR" altLang="en-US" dirty="0" smtClean="0"/>
+                        <a:t>참조 가능</a:t>
+                      </a:r>
+                      <a:endParaRPr lang="ko-KR" altLang="en-US" dirty="0"/>
+                    </a:p>
+                  </a:txBody>
+                  <a:tcPr/>
+                </a:tc>
+                <a:tc>
+                  <a:txBody>
+                    <a:bodyPr/>
+                    <a:lstStyle/>
+                    <a:p>
+                      <a:pPr latinLnBrk="1"/>
+                      <a:r>
+                        <a:rPr lang="ko-KR" altLang="en-US" dirty="0" smtClean="0"/>
+                        <a:t>참조 가능</a:t>
+                      </a:r>
+                      <a:endParaRPr lang="ko-KR" altLang="en-US" dirty="0"/>
+                    </a:p>
+                  </a:txBody>
+                  <a:tcPr/>
+                </a:tc>
+                <a:tc>
+                  <a:txBody>
+                    <a:bodyPr/>
+                    <a:lstStyle/>
+                    <a:p>
+                      <a:pPr latinLnBrk="1"/>
+                      <a:r>
+                        <a:rPr lang="ko-KR" altLang="en-US" dirty="0" smtClean="0"/>
+                        <a:t>참조 가능</a:t>
+                      </a:r>
+                      <a:endParaRPr lang="ko-KR" altLang="en-US" dirty="0"/>
+                    </a:p>
+                  </a:txBody>
+                  <a:tcPr/>
+                </a:tc>
+              </a:tr>
+              <a:tr h="370840">
+                <a:tc>
+                  <a:txBody>
+                    <a:bodyPr/>
+                    <a:lstStyle/>
+                    <a:p>
+                      <a:pPr latinLnBrk="1"/>
+                      <a:r>
+                        <a:rPr lang="en-US" altLang="ko-KR" dirty="0" smtClean="0"/>
+                        <a:t>protected</a:t>
+                      </a:r>
+                      <a:endParaRPr lang="ko-KR" altLang="en-US" dirty="0"/>
+                    </a:p>
+                  </a:txBody>
+                  <a:tcPr/>
+                </a:tc>
+                <a:tc>
+                  <a:txBody>
+                    <a:bodyPr/>
+                    <a:lstStyle/>
+                    <a:p>
+                      <a:pPr latinLnBrk="1"/>
+                      <a:r>
+                        <a:rPr lang="ko-KR" altLang="en-US" dirty="0" smtClean="0"/>
+                        <a:t>참조 가능</a:t>
+                      </a:r>
+                      <a:endParaRPr lang="ko-KR" altLang="en-US" dirty="0"/>
+                    </a:p>
+                  </a:txBody>
+                  <a:tcPr/>
+                </a:tc>
+                <a:tc>
+                  <a:txBody>
+                    <a:bodyPr/>
+                    <a:lstStyle/>
+                    <a:p>
+                      <a:pPr latinLnBrk="1"/>
+                      <a:r>
+                        <a:rPr lang="ko-KR" altLang="en-US" dirty="0" smtClean="0"/>
+                        <a:t>참조 가능</a:t>
+                      </a:r>
+                      <a:endParaRPr lang="ko-KR" altLang="en-US" dirty="0"/>
+                    </a:p>
+                  </a:txBody>
+                  <a:tcPr/>
+                </a:tc>
+                <a:tc>
+                  <a:txBody>
+                    <a:bodyPr/>
+                    <a:lstStyle/>
+                    <a:p>
+                      <a:pPr latinLnBrk="1"/>
+                      <a:r>
+                        <a:rPr lang="ko-KR" altLang="en-US" dirty="0" smtClean="0">
+                          <a:solidFill>
+                            <a:srgbClr val="FF0000"/>
+                          </a:solidFill>
+                        </a:rPr>
+                        <a:t>참조 불가능</a:t>
+                      </a:r>
+                      <a:endParaRPr lang="ko-KR" altLang="en-US" dirty="0">
+                        <a:solidFill>
+                          <a:srgbClr val="FF0000"/>
+                        </a:solidFill>
+                      </a:endParaRPr>
+                    </a:p>
+                  </a:txBody>
+                  <a:tcPr/>
+                </a:tc>
+              </a:tr>
+              <a:tr h="370840">
+                <a:tc>
+                  <a:txBody>
+                    <a:bodyPr/>
+                    <a:lstStyle/>
+                    <a:p>
+                      <a:pPr latinLnBrk="1"/>
+                      <a:r>
+                        <a:rPr lang="en-US" altLang="ko-KR" dirty="0" smtClean="0"/>
+                        <a:t>private</a:t>
+                      </a:r>
+                      <a:endParaRPr lang="ko-KR" altLang="en-US" dirty="0"/>
+                    </a:p>
+                  </a:txBody>
+                  <a:tcPr/>
+                </a:tc>
+                <a:tc>
+                  <a:txBody>
+                    <a:bodyPr/>
+                    <a:lstStyle/>
+                    <a:p>
+                      <a:pPr latinLnBrk="1"/>
+                      <a:r>
+                        <a:rPr lang="ko-KR" altLang="en-US" dirty="0" smtClean="0"/>
+                        <a:t>참조 가능</a:t>
+                      </a:r>
+                      <a:endParaRPr lang="ko-KR" altLang="en-US" dirty="0"/>
+                    </a:p>
+                  </a:txBody>
+                  <a:tcPr/>
+                </a:tc>
+                <a:tc>
+                  <a:txBody>
+                    <a:bodyPr/>
+                    <a:lstStyle/>
+                    <a:p>
+                      <a:pPr latinLnBrk="1"/>
+                      <a:r>
+                        <a:rPr lang="ko-KR" altLang="en-US" dirty="0" smtClean="0">
+                          <a:solidFill>
+                            <a:srgbClr val="FF0000"/>
+                          </a:solidFill>
+                        </a:rPr>
+                        <a:t>참조 불가능</a:t>
+                      </a:r>
+                      <a:endParaRPr lang="ko-KR" altLang="en-US" dirty="0">
+                        <a:solidFill>
+                          <a:srgbClr val="FF0000"/>
+                        </a:solidFill>
+                      </a:endParaRPr>
+                    </a:p>
+                  </a:txBody>
+                  <a:tcPr/>
+                </a:tc>
+                <a:tc>
+                  <a:txBody>
+                    <a:bodyPr/>
+                    <a:lstStyle/>
+                    <a:p>
+                      <a:pPr latinLnBrk="1"/>
+                      <a:r>
+                        <a:rPr lang="ko-KR" altLang="en-US" dirty="0" smtClean="0">
+                          <a:solidFill>
+                            <a:srgbClr val="FF0000"/>
+                          </a:solidFill>
+                        </a:rPr>
+                        <a:t>참조 불가능</a:t>
+                      </a:r>
+                      <a:endParaRPr lang="ko-KR" altLang="en-US" dirty="0">
+                        <a:solidFill>
+                          <a:srgbClr val="FF0000"/>
+                        </a:solidFill>
+                      </a:endParaRPr>
+                    </a:p>
+                  </a:txBody>
+                  <a:tcPr/>
+                </a:tc>
+              </a:tr>
+            </a:tbl>
+          </a:graphicData>
+        </a:graphic>
+      </p:graphicFrame>
+      <p:cxnSp>
+        <p:nvCxnSpPr>
+          <p:cNvPr id="6" name="직선 연결선 5"/>
+          <p:cNvCxnSpPr/>
+          <p:nvPr/>
+        </p:nvCxnSpPr>
+        <p:spPr>
+          <a:xfrm>
+            <a:off x="4572000" y="2708920"/>
+            <a:ext cx="4392488" cy="0"/>
+          </a:xfrm>
+          <a:prstGeom prst="line">
+            <a:avLst/>
+          </a:prstGeom>
+          <a:ln w="28575">
+            <a:solidFill>
+              <a:srgbClr val="FF0000"/>
+            </a:solidFill>
+          </a:ln>
+        </p:spPr>
+        <p:style>
+          <a:lnRef idx="1">
+            <a:schemeClr val="accent1"/>
+          </a:lnRef>
+          <a:fillRef idx="0">
+            <a:schemeClr val="accent1"/>
+          </a:fillRef>
+          <a:effectRef idx="0">
+            <a:schemeClr val="accent1"/>
+          </a:effectRef>
+          <a:fontRef idx="minor">
+            <a:schemeClr val="tx1"/>
+          </a:fontRef>
+        </p:style>
+      </p:cxnSp>
+      <p:cxnSp>
+        <p:nvCxnSpPr>
+          <p:cNvPr id="8" name="직선 연결선 7"/>
+          <p:cNvCxnSpPr/>
+          <p:nvPr/>
+        </p:nvCxnSpPr>
+        <p:spPr>
+          <a:xfrm>
+            <a:off x="6768244" y="1988840"/>
+            <a:ext cx="2196244" cy="0"/>
+          </a:xfrm>
+          <a:prstGeom prst="line">
+            <a:avLst/>
+          </a:prstGeom>
+          <a:ln w="28575">
+            <a:solidFill>
+              <a:srgbClr val="FF0000"/>
+            </a:solidFill>
+          </a:ln>
+        </p:spPr>
+        <p:style>
+          <a:lnRef idx="1">
+            <a:schemeClr val="accent1"/>
+          </a:lnRef>
+          <a:fillRef idx="0">
+            <a:schemeClr val="accent1"/>
+          </a:fillRef>
+          <a:effectRef idx="0">
+            <a:schemeClr val="accent1"/>
+          </a:effectRef>
+          <a:fontRef idx="minor">
+            <a:schemeClr val="tx1"/>
+          </a:fontRef>
+        </p:style>
+      </p:cxnSp>
+      <p:cxnSp>
+        <p:nvCxnSpPr>
+          <p:cNvPr id="10" name="직선 연결선 9"/>
+          <p:cNvCxnSpPr/>
+          <p:nvPr/>
+        </p:nvCxnSpPr>
+        <p:spPr>
+          <a:xfrm>
+            <a:off x="8964488" y="1988840"/>
+            <a:ext cx="0" cy="720080"/>
+          </a:xfrm>
+          <a:prstGeom prst="line">
+            <a:avLst/>
+          </a:prstGeom>
+          <a:ln w="28575">
+            <a:solidFill>
+              <a:srgbClr val="FF0000"/>
+            </a:solidFill>
+          </a:ln>
+        </p:spPr>
+        <p:style>
+          <a:lnRef idx="1">
+            <a:schemeClr val="accent1"/>
+          </a:lnRef>
+          <a:fillRef idx="0">
+            <a:schemeClr val="accent1"/>
+          </a:fillRef>
+          <a:effectRef idx="0">
+            <a:schemeClr val="accent1"/>
+          </a:effectRef>
+          <a:fontRef idx="minor">
+            <a:schemeClr val="tx1"/>
+          </a:fontRef>
+        </p:style>
+      </p:cxnSp>
+      <p:cxnSp>
+        <p:nvCxnSpPr>
+          <p:cNvPr id="13" name="직선 연결선 12"/>
+          <p:cNvCxnSpPr/>
+          <p:nvPr/>
+        </p:nvCxnSpPr>
+        <p:spPr>
+          <a:xfrm>
+            <a:off x="4580747" y="2348880"/>
+            <a:ext cx="0" cy="360040"/>
+          </a:xfrm>
+          <a:prstGeom prst="line">
+            <a:avLst/>
+          </a:prstGeom>
+          <a:ln w="28575">
+            <a:solidFill>
+              <a:srgbClr val="FF0000"/>
+            </a:solidFill>
+          </a:ln>
+        </p:spPr>
+        <p:style>
+          <a:lnRef idx="1">
+            <a:schemeClr val="accent1"/>
+          </a:lnRef>
+          <a:fillRef idx="0">
+            <a:schemeClr val="accent1"/>
+          </a:fillRef>
+          <a:effectRef idx="0">
+            <a:schemeClr val="accent1"/>
+          </a:effectRef>
+          <a:fontRef idx="minor">
+            <a:schemeClr val="tx1"/>
+          </a:fontRef>
+        </p:style>
+      </p:cxnSp>
+      <p:cxnSp>
+        <p:nvCxnSpPr>
+          <p:cNvPr id="16" name="직선 연결선 15"/>
+          <p:cNvCxnSpPr/>
+          <p:nvPr/>
+        </p:nvCxnSpPr>
+        <p:spPr>
+          <a:xfrm>
+            <a:off x="4572000" y="2367789"/>
+            <a:ext cx="2196244" cy="0"/>
+          </a:xfrm>
+          <a:prstGeom prst="line">
+            <a:avLst/>
+          </a:prstGeom>
+          <a:ln w="28575">
+            <a:solidFill>
+              <a:srgbClr val="FF0000"/>
+            </a:solidFill>
+          </a:ln>
+        </p:spPr>
+        <p:style>
+          <a:lnRef idx="1">
+            <a:schemeClr val="accent1"/>
+          </a:lnRef>
+          <a:fillRef idx="0">
+            <a:schemeClr val="accent1"/>
+          </a:fillRef>
+          <a:effectRef idx="0">
+            <a:schemeClr val="accent1"/>
+          </a:effectRef>
+          <a:fontRef idx="minor">
+            <a:schemeClr val="tx1"/>
+          </a:fontRef>
+        </p:style>
+      </p:cxnSp>
+      <p:cxnSp>
+        <p:nvCxnSpPr>
+          <p:cNvPr id="19" name="직선 연결선 18"/>
+          <p:cNvCxnSpPr/>
+          <p:nvPr/>
+        </p:nvCxnSpPr>
+        <p:spPr>
+          <a:xfrm>
+            <a:off x="6776991" y="2007749"/>
+            <a:ext cx="0" cy="360040"/>
+          </a:xfrm>
+          <a:prstGeom prst="line">
+            <a:avLst/>
+          </a:prstGeom>
+          <a:ln w="28575">
+            <a:solidFill>
+              <a:srgbClr val="FF0000"/>
+            </a:solidFill>
+          </a:ln>
+        </p:spPr>
+        <p:style>
+          <a:lnRef idx="1">
+            <a:schemeClr val="accent1"/>
+          </a:lnRef>
+          <a:fillRef idx="0">
+            <a:schemeClr val="accent1"/>
+          </a:fillRef>
+          <a:effectRef idx="0">
+            <a:schemeClr val="accent1"/>
+          </a:effectRef>
+          <a:fontRef idx="minor">
+            <a:schemeClr val="tx1"/>
+          </a:fontRef>
+        </p:style>
+      </p:cxnSp>
     </p:spTree>
     <p:extLst>
       <p:ext uri="{BB962C8B-B14F-4D97-AF65-F5344CB8AC3E}">
@@ -47501,6 +51003,648 @@
           <a:bodyPr/>
           <a:lstStyle/>
           <a:p>
+            <a:r>
+              <a:rPr lang="ko-KR" altLang="en-US" dirty="0" smtClean="0"/>
+              <a:t>기반클래스와 파생 클래스의 </a:t>
+            </a:r>
+            <a:r>
+              <a:rPr lang="ko-KR" altLang="en-US" dirty="0" err="1" smtClean="0"/>
+              <a:t>생성자와</a:t>
+            </a:r>
+            <a:r>
+              <a:rPr lang="ko-KR" altLang="en-US" dirty="0" smtClean="0"/>
+              <a:t> </a:t>
+            </a:r>
+            <a:r>
+              <a:rPr lang="ko-KR" altLang="en-US" dirty="0" err="1" smtClean="0"/>
+              <a:t>소멸자</a:t>
+            </a:r>
+            <a:r>
+              <a:rPr lang="ko-KR" altLang="en-US" dirty="0" smtClean="0"/>
+              <a:t> 순서</a:t>
+            </a:r>
+            <a:endParaRPr lang="en-US" altLang="ko-KR" dirty="0" smtClean="0"/>
+          </a:p>
+          <a:p>
+            <a:endParaRPr lang="en-US" altLang="ko-KR" dirty="0"/>
+          </a:p>
+          <a:p>
+            <a:pPr marL="342900" indent="-342900">
+              <a:buAutoNum type="arabicPeriod"/>
+            </a:pPr>
+            <a:r>
+              <a:rPr lang="ko-KR" altLang="en-US" dirty="0" smtClean="0"/>
+              <a:t>기반 클래스 </a:t>
+            </a:r>
+            <a:r>
+              <a:rPr lang="ko-KR" altLang="en-US" dirty="0" err="1" smtClean="0"/>
+              <a:t>생성사</a:t>
+            </a:r>
+            <a:endParaRPr lang="en-US" altLang="ko-KR" dirty="0" smtClean="0"/>
+          </a:p>
+          <a:p>
+            <a:pPr marL="342900" indent="-342900">
+              <a:buAutoNum type="arabicPeriod"/>
+            </a:pPr>
+            <a:r>
+              <a:rPr lang="ko-KR" altLang="en-US" dirty="0" smtClean="0"/>
+              <a:t>파생 클래스 </a:t>
+            </a:r>
+            <a:r>
+              <a:rPr lang="ko-KR" altLang="en-US" dirty="0" err="1" smtClean="0"/>
+              <a:t>생성자</a:t>
+            </a:r>
+            <a:endParaRPr lang="en-US" altLang="ko-KR" dirty="0" smtClean="0"/>
+          </a:p>
+          <a:p>
+            <a:pPr marL="342900" indent="-342900">
+              <a:buAutoNum type="arabicPeriod"/>
+            </a:pPr>
+            <a:r>
+              <a:rPr lang="ko-KR" altLang="en-US" dirty="0" smtClean="0"/>
+              <a:t>파생 클래스 </a:t>
+            </a:r>
+            <a:r>
+              <a:rPr lang="ko-KR" altLang="en-US" dirty="0" err="1" smtClean="0"/>
+              <a:t>소멸자</a:t>
+            </a:r>
+            <a:endParaRPr lang="en-US" altLang="ko-KR" dirty="0" smtClean="0"/>
+          </a:p>
+          <a:p>
+            <a:pPr marL="342900" indent="-342900">
+              <a:buAutoNum type="arabicPeriod"/>
+            </a:pPr>
+            <a:r>
+              <a:rPr lang="ko-KR" altLang="en-US" dirty="0" smtClean="0"/>
+              <a:t>기반 클래스 </a:t>
+            </a:r>
+            <a:r>
+              <a:rPr lang="ko-KR" altLang="en-US" dirty="0" err="1" smtClean="0"/>
+              <a:t>소멸자</a:t>
+            </a:r>
+            <a:endParaRPr lang="ko-KR" altLang="en-US" dirty="0"/>
+          </a:p>
+        </p:txBody>
+      </p:sp>
+      <p:pic>
+        <p:nvPicPr>
+          <p:cNvPr id="21506" name="Picture 2"/>
+          <p:cNvPicPr>
+            <a:picLocks noChangeAspect="1" noChangeArrowheads="1"/>
+          </p:cNvPicPr>
+          <p:nvPr/>
+        </p:nvPicPr>
+        <p:blipFill>
+          <a:blip r:embed="rId2">
+            <a:extLst>
+              <a:ext uri="{28A0092B-C50C-407E-A947-70E740481C1C}">
+                <a14:useLocalDpi xmlns:a14="http://schemas.microsoft.com/office/drawing/2010/main" val="0"/>
+              </a:ext>
+            </a:extLst>
+          </a:blip>
+          <a:srcRect/>
+          <a:stretch>
+            <a:fillRect/>
+          </a:stretch>
+        </p:blipFill>
+        <p:spPr bwMode="auto">
+          <a:xfrm>
+            <a:off x="546001" y="2827238"/>
+            <a:ext cx="2009775" cy="3676650"/>
+          </a:xfrm>
+          <a:prstGeom prst="rect">
+            <a:avLst/>
+          </a:prstGeom>
+          <a:noFill/>
+          <a:ln>
+            <a:noFill/>
+          </a:ln>
+          <a:extLst>
+            <a:ext uri="{909E8E84-426E-40DD-AFC4-6F175D3DCCD1}">
+              <a14:hiddenFill xmlns:a14="http://schemas.microsoft.com/office/drawing/2010/main">
+                <a:solidFill>
+                  <a:schemeClr val="accent1"/>
+                </a:solidFill>
+              </a14:hiddenFill>
+            </a:ext>
+            <a:ext uri="{91240B29-F687-4F45-9708-019B960494DF}">
+              <a14:hiddenLine xmlns:a14="http://schemas.microsoft.com/office/drawing/2010/main" w="9525">
+                <a:solidFill>
+                  <a:schemeClr val="tx1"/>
+                </a:solidFill>
+                <a:miter lim="800000"/>
+                <a:headEnd/>
+                <a:tailEnd/>
+              </a14:hiddenLine>
+            </a:ext>
+          </a:extLst>
+        </p:spPr>
+      </p:pic>
+      <p:pic>
+        <p:nvPicPr>
+          <p:cNvPr id="21508" name="Picture 4"/>
+          <p:cNvPicPr>
+            <a:picLocks noChangeAspect="1" noChangeArrowheads="1"/>
+          </p:cNvPicPr>
+          <p:nvPr/>
+        </p:nvPicPr>
+        <p:blipFill>
+          <a:blip r:embed="rId3">
+            <a:extLst>
+              <a:ext uri="{28A0092B-C50C-407E-A947-70E740481C1C}">
+                <a14:useLocalDpi xmlns:a14="http://schemas.microsoft.com/office/drawing/2010/main" val="0"/>
+              </a:ext>
+            </a:extLst>
+          </a:blip>
+          <a:srcRect/>
+          <a:stretch>
+            <a:fillRect/>
+          </a:stretch>
+        </p:blipFill>
+        <p:spPr bwMode="auto">
+          <a:xfrm>
+            <a:off x="5314528" y="2827238"/>
+            <a:ext cx="2209800" cy="1800225"/>
+          </a:xfrm>
+          <a:prstGeom prst="rect">
+            <a:avLst/>
+          </a:prstGeom>
+          <a:noFill/>
+          <a:ln>
+            <a:noFill/>
+          </a:ln>
+          <a:extLst>
+            <a:ext uri="{909E8E84-426E-40DD-AFC4-6F175D3DCCD1}">
+              <a14:hiddenFill xmlns:a14="http://schemas.microsoft.com/office/drawing/2010/main">
+                <a:solidFill>
+                  <a:schemeClr val="accent1"/>
+                </a:solidFill>
+              </a14:hiddenFill>
+            </a:ext>
+            <a:ext uri="{91240B29-F687-4F45-9708-019B960494DF}">
+              <a14:hiddenLine xmlns:a14="http://schemas.microsoft.com/office/drawing/2010/main" w="9525">
+                <a:solidFill>
+                  <a:schemeClr val="tx1"/>
+                </a:solidFill>
+                <a:miter lim="800000"/>
+                <a:headEnd/>
+                <a:tailEnd/>
+              </a14:hiddenLine>
+            </a:ext>
+          </a:extLst>
+        </p:spPr>
+      </p:pic>
+      <p:pic>
+        <p:nvPicPr>
+          <p:cNvPr id="21510" name="Picture 6"/>
+          <p:cNvPicPr>
+            <a:picLocks noChangeAspect="1" noChangeArrowheads="1"/>
+          </p:cNvPicPr>
+          <p:nvPr/>
+        </p:nvPicPr>
+        <p:blipFill>
+          <a:blip r:embed="rId4">
+            <a:extLst>
+              <a:ext uri="{28A0092B-C50C-407E-A947-70E740481C1C}">
+                <a14:useLocalDpi xmlns:a14="http://schemas.microsoft.com/office/drawing/2010/main" val="0"/>
+              </a:ext>
+            </a:extLst>
+          </a:blip>
+          <a:srcRect/>
+          <a:stretch>
+            <a:fillRect/>
+          </a:stretch>
+        </p:blipFill>
+        <p:spPr bwMode="auto">
+          <a:xfrm>
+            <a:off x="6300192" y="4204064"/>
+            <a:ext cx="2592288" cy="2150639"/>
+          </a:xfrm>
+          <a:prstGeom prst="rect">
+            <a:avLst/>
+          </a:prstGeom>
+          <a:noFill/>
+          <a:ln>
+            <a:noFill/>
+          </a:ln>
+          <a:extLst>
+            <a:ext uri="{909E8E84-426E-40DD-AFC4-6F175D3DCCD1}">
+              <a14:hiddenFill xmlns:a14="http://schemas.microsoft.com/office/drawing/2010/main">
+                <a:solidFill>
+                  <a:schemeClr val="accent1"/>
+                </a:solidFill>
+              </a14:hiddenFill>
+            </a:ext>
+            <a:ext uri="{91240B29-F687-4F45-9708-019B960494DF}">
+              <a14:hiddenLine xmlns:a14="http://schemas.microsoft.com/office/drawing/2010/main" w="9525">
+                <a:solidFill>
+                  <a:schemeClr val="tx1"/>
+                </a:solidFill>
+                <a:miter lim="800000"/>
+                <a:headEnd/>
+                <a:tailEnd/>
+              </a14:hiddenLine>
+            </a:ext>
+          </a:extLst>
+        </p:spPr>
+      </p:pic>
+      <p:grpSp>
+        <p:nvGrpSpPr>
+          <p:cNvPr id="6" name="그룹 5"/>
+          <p:cNvGrpSpPr/>
+          <p:nvPr/>
+        </p:nvGrpSpPr>
+        <p:grpSpPr>
+          <a:xfrm>
+            <a:off x="2411143" y="2860898"/>
+            <a:ext cx="2736921" cy="2800350"/>
+            <a:chOff x="2195119" y="2780928"/>
+            <a:chExt cx="2736921" cy="2800350"/>
+          </a:xfrm>
+        </p:grpSpPr>
+        <p:pic>
+          <p:nvPicPr>
+            <p:cNvPr id="21509" name="Picture 5"/>
+            <p:cNvPicPr>
+              <a:picLocks noChangeAspect="1" noChangeArrowheads="1"/>
+            </p:cNvPicPr>
+            <p:nvPr/>
+          </p:nvPicPr>
+          <p:blipFill>
+            <a:blip r:embed="rId5">
+              <a:extLst>
+                <a:ext uri="{28A0092B-C50C-407E-A947-70E740481C1C}">
+                  <a14:useLocalDpi xmlns:a14="http://schemas.microsoft.com/office/drawing/2010/main" val="0"/>
+                </a:ext>
+              </a:extLst>
+            </a:blip>
+            <a:srcRect/>
+            <a:stretch>
+              <a:fillRect/>
+            </a:stretch>
+          </p:blipFill>
+          <p:spPr bwMode="auto">
+            <a:xfrm>
+              <a:off x="2522215" y="2780928"/>
+              <a:ext cx="2409825" cy="2800350"/>
+            </a:xfrm>
+            <a:prstGeom prst="rect">
+              <a:avLst/>
+            </a:prstGeom>
+            <a:noFill/>
+            <a:ln>
+              <a:noFill/>
+            </a:ln>
+            <a:extLst>
+              <a:ext uri="{909E8E84-426E-40DD-AFC4-6F175D3DCCD1}">
+                <a14:hiddenFill xmlns:a14="http://schemas.microsoft.com/office/drawing/2010/main">
+                  <a:solidFill>
+                    <a:schemeClr val="accent1"/>
+                  </a:solidFill>
+                </a14:hiddenFill>
+              </a:ext>
+              <a:ext uri="{91240B29-F687-4F45-9708-019B960494DF}">
+                <a14:hiddenLine xmlns:a14="http://schemas.microsoft.com/office/drawing/2010/main" w="9525">
+                  <a:solidFill>
+                    <a:schemeClr val="tx1"/>
+                  </a:solidFill>
+                  <a:miter lim="800000"/>
+                  <a:headEnd/>
+                  <a:tailEnd/>
+                </a14:hiddenLine>
+              </a:ext>
+            </a:extLst>
+          </p:spPr>
+        </p:pic>
+        <p:sp>
+          <p:nvSpPr>
+            <p:cNvPr id="5" name="폭발 1 4"/>
+            <p:cNvSpPr/>
+            <p:nvPr/>
+          </p:nvSpPr>
+          <p:spPr>
+            <a:xfrm>
+              <a:off x="2195736" y="3284984"/>
+              <a:ext cx="504056" cy="455813"/>
+            </a:xfrm>
+            <a:prstGeom prst="irregularSeal1">
+              <a:avLst/>
+            </a:prstGeom>
+            <a:solidFill>
+              <a:srgbClr val="FFC000"/>
+            </a:solidFill>
+            <a:ln>
+              <a:solidFill>
+                <a:srgbClr val="FF0000"/>
+              </a:solidFill>
+            </a:ln>
+          </p:spPr>
+          <p:style>
+            <a:lnRef idx="2">
+              <a:schemeClr val="accent1">
+                <a:shade val="50000"/>
+              </a:schemeClr>
+            </a:lnRef>
+            <a:fillRef idx="1">
+              <a:schemeClr val="accent1"/>
+            </a:fillRef>
+            <a:effectRef idx="0">
+              <a:schemeClr val="accent1"/>
+            </a:effectRef>
+            <a:fontRef idx="minor">
+              <a:schemeClr val="lt1"/>
+            </a:fontRef>
+          </p:style>
+          <p:txBody>
+            <a:bodyPr rtlCol="0" anchor="ctr"/>
+            <a:lstStyle/>
+            <a:p>
+              <a:pPr algn="ctr"/>
+              <a:r>
+                <a:rPr lang="en-US" altLang="ko-KR" b="1" dirty="0" smtClean="0">
+                  <a:solidFill>
+                    <a:schemeClr val="tx1"/>
+                  </a:solidFill>
+                </a:rPr>
+                <a:t>1</a:t>
+              </a:r>
+              <a:endParaRPr lang="ko-KR" altLang="en-US" b="1" dirty="0">
+                <a:solidFill>
+                  <a:schemeClr val="tx1"/>
+                </a:solidFill>
+              </a:endParaRPr>
+            </a:p>
+          </p:txBody>
+        </p:sp>
+        <p:sp>
+          <p:nvSpPr>
+            <p:cNvPr id="11" name="폭발 1 10"/>
+            <p:cNvSpPr/>
+            <p:nvPr/>
+          </p:nvSpPr>
+          <p:spPr>
+            <a:xfrm>
+              <a:off x="2195119" y="4399556"/>
+              <a:ext cx="504056" cy="455813"/>
+            </a:xfrm>
+            <a:prstGeom prst="irregularSeal1">
+              <a:avLst/>
+            </a:prstGeom>
+            <a:solidFill>
+              <a:srgbClr val="FFC000"/>
+            </a:solidFill>
+            <a:ln>
+              <a:solidFill>
+                <a:srgbClr val="FF0000"/>
+              </a:solidFill>
+            </a:ln>
+          </p:spPr>
+          <p:style>
+            <a:lnRef idx="2">
+              <a:schemeClr val="accent1">
+                <a:shade val="50000"/>
+              </a:schemeClr>
+            </a:lnRef>
+            <a:fillRef idx="1">
+              <a:schemeClr val="accent1"/>
+            </a:fillRef>
+            <a:effectRef idx="0">
+              <a:schemeClr val="accent1"/>
+            </a:effectRef>
+            <a:fontRef idx="minor">
+              <a:schemeClr val="lt1"/>
+            </a:fontRef>
+          </p:style>
+          <p:txBody>
+            <a:bodyPr rtlCol="0" anchor="ctr"/>
+            <a:lstStyle/>
+            <a:p>
+              <a:pPr algn="ctr"/>
+              <a:r>
+                <a:rPr lang="en-US" altLang="ko-KR" b="1" dirty="0">
+                  <a:solidFill>
+                    <a:schemeClr val="tx1"/>
+                  </a:solidFill>
+                </a:rPr>
+                <a:t>2</a:t>
+              </a:r>
+              <a:endParaRPr lang="ko-KR" altLang="en-US" b="1" dirty="0">
+                <a:solidFill>
+                  <a:schemeClr val="tx1"/>
+                </a:solidFill>
+              </a:endParaRPr>
+            </a:p>
+          </p:txBody>
+        </p:sp>
+        <p:sp>
+          <p:nvSpPr>
+            <p:cNvPr id="12" name="폭발 1 11"/>
+            <p:cNvSpPr/>
+            <p:nvPr/>
+          </p:nvSpPr>
+          <p:spPr>
+            <a:xfrm>
+              <a:off x="2195736" y="4989547"/>
+              <a:ext cx="504056" cy="455813"/>
+            </a:xfrm>
+            <a:prstGeom prst="irregularSeal1">
+              <a:avLst/>
+            </a:prstGeom>
+            <a:solidFill>
+              <a:srgbClr val="FFC000"/>
+            </a:solidFill>
+            <a:ln>
+              <a:solidFill>
+                <a:srgbClr val="FF0000"/>
+              </a:solidFill>
+            </a:ln>
+          </p:spPr>
+          <p:style>
+            <a:lnRef idx="2">
+              <a:schemeClr val="accent1">
+                <a:shade val="50000"/>
+              </a:schemeClr>
+            </a:lnRef>
+            <a:fillRef idx="1">
+              <a:schemeClr val="accent1"/>
+            </a:fillRef>
+            <a:effectRef idx="0">
+              <a:schemeClr val="accent1"/>
+            </a:effectRef>
+            <a:fontRef idx="minor">
+              <a:schemeClr val="lt1"/>
+            </a:fontRef>
+          </p:style>
+          <p:txBody>
+            <a:bodyPr rtlCol="0" anchor="ctr"/>
+            <a:lstStyle/>
+            <a:p>
+              <a:pPr algn="ctr"/>
+              <a:r>
+                <a:rPr lang="en-US" altLang="ko-KR" b="1" dirty="0" smtClean="0">
+                  <a:solidFill>
+                    <a:schemeClr val="tx1"/>
+                  </a:solidFill>
+                </a:rPr>
+                <a:t>3</a:t>
+              </a:r>
+              <a:endParaRPr lang="ko-KR" altLang="en-US" b="1" dirty="0">
+                <a:solidFill>
+                  <a:schemeClr val="tx1"/>
+                </a:solidFill>
+              </a:endParaRPr>
+            </a:p>
+          </p:txBody>
+        </p:sp>
+        <p:sp>
+          <p:nvSpPr>
+            <p:cNvPr id="13" name="폭발 1 12"/>
+            <p:cNvSpPr/>
+            <p:nvPr/>
+          </p:nvSpPr>
+          <p:spPr>
+            <a:xfrm>
+              <a:off x="2195736" y="3861047"/>
+              <a:ext cx="504056" cy="455813"/>
+            </a:xfrm>
+            <a:prstGeom prst="irregularSeal1">
+              <a:avLst/>
+            </a:prstGeom>
+            <a:solidFill>
+              <a:srgbClr val="FFC000"/>
+            </a:solidFill>
+            <a:ln>
+              <a:solidFill>
+                <a:srgbClr val="FF0000"/>
+              </a:solidFill>
+            </a:ln>
+          </p:spPr>
+          <p:style>
+            <a:lnRef idx="2">
+              <a:schemeClr val="accent1">
+                <a:shade val="50000"/>
+              </a:schemeClr>
+            </a:lnRef>
+            <a:fillRef idx="1">
+              <a:schemeClr val="accent1"/>
+            </a:fillRef>
+            <a:effectRef idx="0">
+              <a:schemeClr val="accent1"/>
+            </a:effectRef>
+            <a:fontRef idx="minor">
+              <a:schemeClr val="lt1"/>
+            </a:fontRef>
+          </p:style>
+          <p:txBody>
+            <a:bodyPr rtlCol="0" anchor="ctr"/>
+            <a:lstStyle/>
+            <a:p>
+              <a:pPr algn="ctr"/>
+              <a:r>
+                <a:rPr lang="en-US" altLang="ko-KR" b="1" dirty="0">
+                  <a:solidFill>
+                    <a:schemeClr val="tx1"/>
+                  </a:solidFill>
+                </a:rPr>
+                <a:t>4</a:t>
+              </a:r>
+              <a:endParaRPr lang="ko-KR" altLang="en-US" b="1" dirty="0">
+                <a:solidFill>
+                  <a:schemeClr val="tx1"/>
+                </a:solidFill>
+              </a:endParaRPr>
+            </a:p>
+          </p:txBody>
+        </p:sp>
+      </p:grpSp>
+      <p:sp>
+        <p:nvSpPr>
+          <p:cNvPr id="14" name="직사각형 13"/>
+          <p:cNvSpPr/>
+          <p:nvPr/>
+        </p:nvSpPr>
+        <p:spPr>
+          <a:xfrm>
+            <a:off x="5458862" y="3386094"/>
+            <a:ext cx="2065466" cy="253591"/>
+          </a:xfrm>
+          <a:prstGeom prst="rect">
+            <a:avLst/>
+          </a:prstGeom>
+          <a:noFill/>
+          <a:ln>
+            <a:solidFill>
+              <a:srgbClr val="FF0000"/>
+            </a:solidFill>
+          </a:ln>
+        </p:spPr>
+        <p:style>
+          <a:lnRef idx="2">
+            <a:schemeClr val="accent1">
+              <a:shade val="50000"/>
+            </a:schemeClr>
+          </a:lnRef>
+          <a:fillRef idx="1">
+            <a:schemeClr val="accent1"/>
+          </a:fillRef>
+          <a:effectRef idx="0">
+            <a:schemeClr val="accent1"/>
+          </a:effectRef>
+          <a:fontRef idx="minor">
+            <a:schemeClr val="lt1"/>
+          </a:fontRef>
+        </p:style>
+        <p:txBody>
+          <a:bodyPr rtlCol="0" anchor="ctr"/>
+          <a:lstStyle/>
+          <a:p>
+            <a:pPr algn="ctr"/>
+            <a:endParaRPr lang="ko-KR" altLang="en-US"/>
+          </a:p>
+        </p:txBody>
+      </p:sp>
+      <p:sp>
+        <p:nvSpPr>
+          <p:cNvPr id="15" name="직사각형 14"/>
+          <p:cNvSpPr/>
+          <p:nvPr/>
+        </p:nvSpPr>
+        <p:spPr>
+          <a:xfrm>
+            <a:off x="514547" y="4809570"/>
+            <a:ext cx="1825205" cy="995694"/>
+          </a:xfrm>
+          <a:prstGeom prst="rect">
+            <a:avLst/>
+          </a:prstGeom>
+          <a:noFill/>
+          <a:ln>
+            <a:solidFill>
+              <a:srgbClr val="FF0000"/>
+            </a:solidFill>
+          </a:ln>
+        </p:spPr>
+        <p:style>
+          <a:lnRef idx="2">
+            <a:schemeClr val="accent1">
+              <a:shade val="50000"/>
+            </a:schemeClr>
+          </a:lnRef>
+          <a:fillRef idx="1">
+            <a:schemeClr val="accent1"/>
+          </a:fillRef>
+          <a:effectRef idx="0">
+            <a:schemeClr val="accent1"/>
+          </a:effectRef>
+          <a:fontRef idx="minor">
+            <a:schemeClr val="lt1"/>
+          </a:fontRef>
+        </p:style>
+        <p:txBody>
+          <a:bodyPr rtlCol="0" anchor="ctr"/>
+          <a:lstStyle/>
+          <a:p>
+            <a:pPr algn="ctr"/>
             <a:endParaRPr lang="ko-KR" altLang="en-US"/>
           </a:p>
         </p:txBody>
@@ -47584,6 +51728,571 @@
           <a:bodyPr/>
           <a:lstStyle/>
           <a:p>
+            <a:r>
+              <a:rPr lang="ko-KR" altLang="en-US" dirty="0" smtClean="0"/>
+              <a:t>파생클래스에서 기반 클래스 </a:t>
+            </a:r>
+            <a:r>
+              <a:rPr lang="ko-KR" altLang="en-US" dirty="0" err="1" smtClean="0"/>
+              <a:t>생성자</a:t>
+            </a:r>
+            <a:r>
+              <a:rPr lang="ko-KR" altLang="en-US" dirty="0" smtClean="0"/>
+              <a:t> 호출</a:t>
+            </a:r>
+            <a:r>
+              <a:rPr lang="en-US" altLang="ko-KR" dirty="0" smtClean="0"/>
+              <a:t>1</a:t>
+            </a:r>
+          </a:p>
+          <a:p>
+            <a:endParaRPr lang="en-US" altLang="ko-KR" dirty="0"/>
+          </a:p>
+          <a:p>
+            <a:pPr marL="342900" indent="-342900">
+              <a:buAutoNum type="arabicPeriod"/>
+            </a:pPr>
+            <a:r>
+              <a:rPr lang="ko-KR" altLang="en-US" dirty="0" smtClean="0"/>
+              <a:t>파생 클래스 </a:t>
+            </a:r>
+            <a:r>
+              <a:rPr lang="ko-KR" altLang="en-US" dirty="0" err="1" smtClean="0"/>
+              <a:t>생성자</a:t>
+            </a:r>
+            <a:r>
+              <a:rPr lang="ko-KR" altLang="en-US" dirty="0" smtClean="0"/>
+              <a:t> 머리 부분</a:t>
+            </a:r>
+            <a:endParaRPr lang="en-US" altLang="ko-KR" dirty="0" smtClean="0"/>
+          </a:p>
+          <a:p>
+            <a:pPr marL="342900" indent="-342900">
+              <a:buAutoNum type="arabicPeriod"/>
+            </a:pPr>
+            <a:r>
+              <a:rPr lang="ko-KR" altLang="en-US" dirty="0" smtClean="0"/>
+              <a:t>기반 클래스 </a:t>
+            </a:r>
+            <a:r>
+              <a:rPr lang="ko-KR" altLang="en-US" dirty="0" err="1" smtClean="0"/>
+              <a:t>생성자</a:t>
+            </a:r>
+            <a:endParaRPr lang="en-US" altLang="ko-KR" dirty="0" smtClean="0"/>
+          </a:p>
+          <a:p>
+            <a:pPr marL="342900" indent="-342900">
+              <a:buAutoNum type="arabicPeriod"/>
+            </a:pPr>
+            <a:r>
+              <a:rPr lang="ko-KR" altLang="en-US" dirty="0" smtClean="0"/>
+              <a:t>파생 클래스 </a:t>
+            </a:r>
+            <a:r>
+              <a:rPr lang="ko-KR" altLang="en-US" dirty="0" err="1" smtClean="0"/>
+              <a:t>생성자</a:t>
+            </a:r>
+            <a:r>
+              <a:rPr lang="ko-KR" altLang="en-US" dirty="0" smtClean="0"/>
+              <a:t> 몸통 부분</a:t>
+            </a:r>
+            <a:endParaRPr lang="en-US" altLang="ko-KR" dirty="0" smtClean="0"/>
+          </a:p>
+          <a:p>
+            <a:endParaRPr lang="en-US" altLang="ko-KR" dirty="0" smtClean="0"/>
+          </a:p>
+          <a:p>
+            <a:endParaRPr lang="en-US" altLang="ko-KR" dirty="0"/>
+          </a:p>
+          <a:p>
+            <a:r>
+              <a:rPr lang="ko-KR" altLang="en-US" dirty="0"/>
+              <a:t>기반 클래스의 </a:t>
+            </a:r>
+            <a:r>
+              <a:rPr lang="ko-KR" altLang="en-US" dirty="0" err="1"/>
+              <a:t>생성자는</a:t>
+            </a:r>
+            <a:r>
+              <a:rPr lang="ko-KR" altLang="en-US" dirty="0"/>
+              <a:t> 파생클래스의 </a:t>
+            </a:r>
+            <a:r>
+              <a:rPr lang="ko-KR" altLang="en-US" dirty="0" err="1" smtClean="0"/>
+              <a:t>생성자</a:t>
+            </a:r>
+            <a:r>
+              <a:rPr lang="ko-KR" altLang="en-US" dirty="0" smtClean="0"/>
+              <a:t> </a:t>
+            </a:r>
+            <a:r>
+              <a:rPr lang="ko-KR" altLang="en-US" dirty="0"/>
+              <a:t>초기화 목록에서 직접 </a:t>
+            </a:r>
+            <a:r>
+              <a:rPr lang="ko-KR" altLang="en-US" dirty="0" smtClean="0"/>
+              <a:t>호출 가능</a:t>
+            </a:r>
+            <a:r>
+              <a:rPr lang="en-US" altLang="ko-KR" dirty="0" smtClean="0"/>
+              <a:t>.</a:t>
+            </a:r>
+          </a:p>
+          <a:p>
+            <a:r>
+              <a:rPr lang="ko-KR" altLang="en-US" dirty="0" smtClean="0"/>
+              <a:t>파생 클래스의 </a:t>
+            </a:r>
+            <a:r>
+              <a:rPr lang="ko-KR" altLang="en-US" dirty="0" err="1" smtClean="0"/>
+              <a:t>생성자를</a:t>
+            </a:r>
+            <a:r>
+              <a:rPr lang="ko-KR" altLang="en-US" dirty="0" smtClean="0"/>
+              <a:t> 통해 기반 클래스의 생성자가 호출된다는 것은 </a:t>
+            </a:r>
+            <a:endParaRPr lang="en-US" altLang="ko-KR" dirty="0" smtClean="0"/>
+          </a:p>
+          <a:p>
+            <a:r>
+              <a:rPr lang="ko-KR" altLang="en-US" dirty="0" smtClean="0"/>
+              <a:t>기반 클래스의 생성자가 </a:t>
+            </a:r>
+            <a:r>
+              <a:rPr lang="ko-KR" altLang="en-US" dirty="0" err="1" smtClean="0"/>
+              <a:t>오버로드된</a:t>
+            </a:r>
+            <a:r>
+              <a:rPr lang="ko-KR" altLang="en-US" dirty="0" smtClean="0"/>
+              <a:t> 경우 선별해서 호출 할 수 있음</a:t>
+            </a:r>
+            <a:r>
+              <a:rPr lang="en-US" altLang="ko-KR" dirty="0" smtClean="0"/>
+              <a:t>.</a:t>
+            </a:r>
+          </a:p>
+          <a:p>
+            <a:endParaRPr lang="en-US" altLang="ko-KR" dirty="0"/>
+          </a:p>
+          <a:p>
+            <a:r>
+              <a:rPr lang="ko-KR" altLang="en-US" dirty="0" smtClean="0"/>
+              <a:t>파생 클래스 </a:t>
+            </a:r>
+            <a:r>
+              <a:rPr lang="ko-KR" altLang="en-US" dirty="0" err="1" smtClean="0"/>
+              <a:t>생성자</a:t>
+            </a:r>
+            <a:r>
+              <a:rPr lang="en-US" altLang="ko-KR" dirty="0" smtClean="0"/>
+              <a:t>(</a:t>
+            </a:r>
+            <a:r>
+              <a:rPr lang="ko-KR" altLang="en-US" dirty="0" smtClean="0"/>
+              <a:t>매개변수</a:t>
+            </a:r>
+            <a:r>
+              <a:rPr lang="en-US" altLang="ko-KR" dirty="0" smtClean="0"/>
+              <a:t>, …)</a:t>
+            </a:r>
+          </a:p>
+          <a:p>
+            <a:r>
+              <a:rPr lang="en-US" altLang="ko-KR" dirty="0" smtClean="0"/>
+              <a:t>: </a:t>
+            </a:r>
+            <a:r>
+              <a:rPr lang="ko-KR" altLang="en-US" dirty="0" smtClean="0"/>
+              <a:t>기반 클래스 </a:t>
+            </a:r>
+            <a:r>
+              <a:rPr lang="ko-KR" altLang="en-US" dirty="0" err="1" smtClean="0"/>
+              <a:t>생성자</a:t>
+            </a:r>
+            <a:r>
+              <a:rPr lang="en-US" altLang="ko-KR" dirty="0" smtClean="0"/>
+              <a:t>(</a:t>
+            </a:r>
+            <a:r>
+              <a:rPr lang="ko-KR" altLang="en-US" dirty="0" smtClean="0"/>
+              <a:t>매개변수</a:t>
+            </a:r>
+            <a:r>
+              <a:rPr lang="en-US" altLang="ko-KR" dirty="0" smtClean="0"/>
+              <a:t>) // </a:t>
+            </a:r>
+            <a:r>
+              <a:rPr lang="ko-KR" altLang="en-US" dirty="0" smtClean="0"/>
+              <a:t>기반클래스 </a:t>
+            </a:r>
+            <a:r>
+              <a:rPr lang="ko-KR" altLang="en-US" dirty="0" err="1" smtClean="0"/>
+              <a:t>생성자를</a:t>
+            </a:r>
+            <a:r>
+              <a:rPr lang="ko-KR" altLang="en-US" dirty="0" smtClean="0"/>
+              <a:t> 호출함</a:t>
+            </a:r>
+            <a:endParaRPr lang="en-US" altLang="ko-KR" dirty="0" smtClean="0"/>
+          </a:p>
+          <a:p>
+            <a:r>
+              <a:rPr lang="en-US" altLang="ko-KR" dirty="0" smtClean="0"/>
+              <a:t>{</a:t>
+            </a:r>
+          </a:p>
+          <a:p>
+            <a:r>
+              <a:rPr lang="en-US" altLang="ko-KR" dirty="0"/>
+              <a:t>	</a:t>
+            </a:r>
+            <a:r>
+              <a:rPr lang="ko-KR" altLang="en-US" dirty="0" smtClean="0"/>
+              <a:t>파생 클래스 </a:t>
+            </a:r>
+            <a:r>
+              <a:rPr lang="ko-KR" altLang="en-US" dirty="0" err="1" smtClean="0"/>
+              <a:t>생성자</a:t>
+            </a:r>
+            <a:r>
+              <a:rPr lang="ko-KR" altLang="en-US" dirty="0" smtClean="0"/>
+              <a:t> 정의</a:t>
+            </a:r>
+            <a:endParaRPr lang="en-US" altLang="ko-KR" dirty="0" smtClean="0"/>
+          </a:p>
+          <a:p>
+            <a:r>
+              <a:rPr lang="en-US" altLang="ko-KR" dirty="0"/>
+              <a:t>}</a:t>
+            </a:r>
+            <a:endParaRPr lang="ko-KR" altLang="en-US" dirty="0"/>
+          </a:p>
+        </p:txBody>
+      </p:sp>
+      <p:sp>
+        <p:nvSpPr>
+          <p:cNvPr id="4" name="포인트가 5개인 별 3"/>
+          <p:cNvSpPr/>
+          <p:nvPr/>
+        </p:nvSpPr>
+        <p:spPr>
+          <a:xfrm>
+            <a:off x="8172400" y="116632"/>
+            <a:ext cx="792088" cy="648072"/>
+          </a:xfrm>
+          <a:prstGeom prst="star5">
+            <a:avLst/>
+          </a:prstGeom>
+          <a:solidFill>
+            <a:srgbClr val="FFC000"/>
+          </a:solidFill>
+          <a:ln>
+            <a:solidFill>
+              <a:srgbClr val="FF0000"/>
+            </a:solidFill>
+          </a:ln>
+        </p:spPr>
+        <p:style>
+          <a:lnRef idx="2">
+            <a:schemeClr val="accent1">
+              <a:shade val="50000"/>
+            </a:schemeClr>
+          </a:lnRef>
+          <a:fillRef idx="1">
+            <a:schemeClr val="accent1"/>
+          </a:fillRef>
+          <a:effectRef idx="0">
+            <a:schemeClr val="accent1"/>
+          </a:effectRef>
+          <a:fontRef idx="minor">
+            <a:schemeClr val="lt1"/>
+          </a:fontRef>
+        </p:style>
+        <p:txBody>
+          <a:bodyPr rtlCol="0" anchor="ctr"/>
+          <a:lstStyle/>
+          <a:p>
+            <a:pPr algn="ctr"/>
+            <a:endParaRPr lang="ko-KR" altLang="en-US">
+              <a:solidFill>
+                <a:srgbClr val="FF0000"/>
+              </a:solidFill>
+            </a:endParaRPr>
+          </a:p>
+        </p:txBody>
+      </p:sp>
+      <p:sp>
+        <p:nvSpPr>
+          <p:cNvPr id="5" name="직사각형 4"/>
+          <p:cNvSpPr/>
+          <p:nvPr/>
+        </p:nvSpPr>
+        <p:spPr>
+          <a:xfrm>
+            <a:off x="395536" y="4365104"/>
+            <a:ext cx="5688631" cy="1728192"/>
+          </a:xfrm>
+          <a:prstGeom prst="rect">
+            <a:avLst/>
+          </a:prstGeom>
+          <a:noFill/>
+          <a:ln>
+            <a:solidFill>
+              <a:srgbClr val="FF0000"/>
+            </a:solidFill>
+          </a:ln>
+        </p:spPr>
+        <p:style>
+          <a:lnRef idx="2">
+            <a:schemeClr val="accent1">
+              <a:shade val="50000"/>
+            </a:schemeClr>
+          </a:lnRef>
+          <a:fillRef idx="1">
+            <a:schemeClr val="accent1"/>
+          </a:fillRef>
+          <a:effectRef idx="0">
+            <a:schemeClr val="accent1"/>
+          </a:effectRef>
+          <a:fontRef idx="minor">
+            <a:schemeClr val="lt1"/>
+          </a:fontRef>
+        </p:style>
+        <p:txBody>
+          <a:bodyPr rtlCol="0" anchor="ctr"/>
+          <a:lstStyle/>
+          <a:p>
+            <a:pPr algn="ctr"/>
+            <a:endParaRPr lang="ko-KR" altLang="en-US"/>
+          </a:p>
+        </p:txBody>
+      </p:sp>
+      <p:sp>
+        <p:nvSpPr>
+          <p:cNvPr id="6" name="직사각형 5"/>
+          <p:cNvSpPr/>
+          <p:nvPr/>
+        </p:nvSpPr>
+        <p:spPr>
+          <a:xfrm>
+            <a:off x="479850" y="3429000"/>
+            <a:ext cx="6180382" cy="720080"/>
+          </a:xfrm>
+          <a:prstGeom prst="rect">
+            <a:avLst/>
+          </a:prstGeom>
+          <a:noFill/>
+          <a:ln>
+            <a:solidFill>
+              <a:srgbClr val="FF0000"/>
+            </a:solidFill>
+          </a:ln>
+        </p:spPr>
+        <p:style>
+          <a:lnRef idx="2">
+            <a:schemeClr val="accent1">
+              <a:shade val="50000"/>
+            </a:schemeClr>
+          </a:lnRef>
+          <a:fillRef idx="1">
+            <a:schemeClr val="accent1"/>
+          </a:fillRef>
+          <a:effectRef idx="0">
+            <a:schemeClr val="accent1"/>
+          </a:effectRef>
+          <a:fontRef idx="minor">
+            <a:schemeClr val="lt1"/>
+          </a:fontRef>
+        </p:style>
+        <p:txBody>
+          <a:bodyPr rtlCol="0" anchor="ctr"/>
+          <a:lstStyle/>
+          <a:p>
+            <a:pPr algn="ctr"/>
+            <a:endParaRPr lang="ko-KR" altLang="en-US"/>
+          </a:p>
+        </p:txBody>
+      </p:sp>
+      <p:sp>
+        <p:nvSpPr>
+          <p:cNvPr id="7" name="직사각형 6"/>
+          <p:cNvSpPr/>
+          <p:nvPr/>
+        </p:nvSpPr>
+        <p:spPr>
+          <a:xfrm>
+            <a:off x="472981" y="1412776"/>
+            <a:ext cx="3097060" cy="648072"/>
+          </a:xfrm>
+          <a:prstGeom prst="rect">
+            <a:avLst/>
+          </a:prstGeom>
+          <a:noFill/>
+          <a:ln>
+            <a:solidFill>
+              <a:srgbClr val="00B0F0"/>
+            </a:solidFill>
+          </a:ln>
+        </p:spPr>
+        <p:style>
+          <a:lnRef idx="2">
+            <a:schemeClr val="accent1">
+              <a:shade val="50000"/>
+            </a:schemeClr>
+          </a:lnRef>
+          <a:fillRef idx="1">
+            <a:schemeClr val="accent1"/>
+          </a:fillRef>
+          <a:effectRef idx="0">
+            <a:schemeClr val="accent1"/>
+          </a:effectRef>
+          <a:fontRef idx="minor">
+            <a:schemeClr val="lt1"/>
+          </a:fontRef>
+        </p:style>
+        <p:txBody>
+          <a:bodyPr rtlCol="0" anchor="ctr"/>
+          <a:lstStyle/>
+          <a:p>
+            <a:pPr algn="ctr"/>
+            <a:endParaRPr lang="ko-KR" altLang="en-US"/>
+          </a:p>
+        </p:txBody>
+      </p:sp>
+      <p:sp>
+        <p:nvSpPr>
+          <p:cNvPr id="8" name="직사각형 7"/>
+          <p:cNvSpPr/>
+          <p:nvPr/>
+        </p:nvSpPr>
+        <p:spPr>
+          <a:xfrm>
+            <a:off x="514546" y="4437112"/>
+            <a:ext cx="5497613" cy="576064"/>
+          </a:xfrm>
+          <a:prstGeom prst="rect">
+            <a:avLst/>
+          </a:prstGeom>
+          <a:noFill/>
+          <a:ln>
+            <a:solidFill>
+              <a:srgbClr val="00B0F0"/>
+            </a:solidFill>
+          </a:ln>
+        </p:spPr>
+        <p:style>
+          <a:lnRef idx="2">
+            <a:schemeClr val="accent1">
+              <a:shade val="50000"/>
+            </a:schemeClr>
+          </a:lnRef>
+          <a:fillRef idx="1">
+            <a:schemeClr val="accent1"/>
+          </a:fillRef>
+          <a:effectRef idx="0">
+            <a:schemeClr val="accent1"/>
+          </a:effectRef>
+          <a:fontRef idx="minor">
+            <a:schemeClr val="lt1"/>
+          </a:fontRef>
+        </p:style>
+        <p:txBody>
+          <a:bodyPr rtlCol="0" anchor="ctr"/>
+          <a:lstStyle/>
+          <a:p>
+            <a:pPr algn="ctr"/>
+            <a:endParaRPr lang="ko-KR" altLang="en-US"/>
+          </a:p>
+        </p:txBody>
+      </p:sp>
+      <p:sp>
+        <p:nvSpPr>
+          <p:cNvPr id="9" name="직사각형 8"/>
+          <p:cNvSpPr/>
+          <p:nvPr/>
+        </p:nvSpPr>
+        <p:spPr>
+          <a:xfrm>
+            <a:off x="491044" y="5085184"/>
+            <a:ext cx="5497613" cy="936104"/>
+          </a:xfrm>
+          <a:prstGeom prst="rect">
+            <a:avLst/>
+          </a:prstGeom>
+          <a:noFill/>
+          <a:ln>
+            <a:solidFill>
+              <a:schemeClr val="accent6"/>
+            </a:solidFill>
+          </a:ln>
+        </p:spPr>
+        <p:style>
+          <a:lnRef idx="2">
+            <a:schemeClr val="accent1">
+              <a:shade val="50000"/>
+            </a:schemeClr>
+          </a:lnRef>
+          <a:fillRef idx="1">
+            <a:schemeClr val="accent1"/>
+          </a:fillRef>
+          <a:effectRef idx="0">
+            <a:schemeClr val="accent1"/>
+          </a:effectRef>
+          <a:fontRef idx="minor">
+            <a:schemeClr val="lt1"/>
+          </a:fontRef>
+        </p:style>
+        <p:txBody>
+          <a:bodyPr rtlCol="0" anchor="ctr"/>
+          <a:lstStyle/>
+          <a:p>
+            <a:pPr algn="ctr"/>
+            <a:endParaRPr lang="ko-KR" altLang="en-US"/>
+          </a:p>
+        </p:txBody>
+      </p:sp>
+      <p:sp>
+        <p:nvSpPr>
+          <p:cNvPr id="10" name="직사각형 9"/>
+          <p:cNvSpPr/>
+          <p:nvPr/>
+        </p:nvSpPr>
+        <p:spPr>
+          <a:xfrm>
+            <a:off x="472981" y="2132856"/>
+            <a:ext cx="3018899" cy="288032"/>
+          </a:xfrm>
+          <a:prstGeom prst="rect">
+            <a:avLst/>
+          </a:prstGeom>
+          <a:noFill/>
+          <a:ln>
+            <a:solidFill>
+              <a:schemeClr val="accent6"/>
+            </a:solidFill>
+          </a:ln>
+        </p:spPr>
+        <p:style>
+          <a:lnRef idx="2">
+            <a:schemeClr val="accent1">
+              <a:shade val="50000"/>
+            </a:schemeClr>
+          </a:lnRef>
+          <a:fillRef idx="1">
+            <a:schemeClr val="accent1"/>
+          </a:fillRef>
+          <a:effectRef idx="0">
+            <a:schemeClr val="accent1"/>
+          </a:effectRef>
+          <a:fontRef idx="minor">
+            <a:schemeClr val="lt1"/>
+          </a:fontRef>
+        </p:style>
+        <p:txBody>
+          <a:bodyPr rtlCol="0" anchor="ctr"/>
+          <a:lstStyle/>
+          <a:p>
+            <a:pPr algn="ctr"/>
             <a:endParaRPr lang="ko-KR" altLang="en-US"/>
           </a:p>
         </p:txBody>
@@ -47991,10 +52700,468 @@
           <a:bodyPr/>
           <a:lstStyle/>
           <a:p>
-            <a:endParaRPr lang="ko-KR" altLang="en-US"/>
+            <a:r>
+              <a:rPr lang="ko-KR" altLang="en-US" dirty="0"/>
+              <a:t>파생클래스에서 기반 클래스 </a:t>
+            </a:r>
+            <a:r>
+              <a:rPr lang="ko-KR" altLang="en-US" dirty="0" err="1"/>
+              <a:t>생성자</a:t>
+            </a:r>
+            <a:r>
+              <a:rPr lang="ko-KR" altLang="en-US" dirty="0"/>
+              <a:t> 호출</a:t>
+            </a:r>
+            <a:r>
+              <a:rPr lang="en-US" altLang="ko-KR" dirty="0"/>
+              <a:t>1</a:t>
+            </a:r>
+          </a:p>
+          <a:p>
+            <a:endParaRPr lang="ko-KR" altLang="en-US" dirty="0"/>
           </a:p>
         </p:txBody>
       </p:sp>
+      <p:pic>
+        <p:nvPicPr>
+          <p:cNvPr id="22531" name="Picture 3"/>
+          <p:cNvPicPr>
+            <a:picLocks noChangeAspect="1" noChangeArrowheads="1"/>
+          </p:cNvPicPr>
+          <p:nvPr/>
+        </p:nvPicPr>
+        <p:blipFill>
+          <a:blip r:embed="rId2">
+            <a:extLst>
+              <a:ext uri="{28A0092B-C50C-407E-A947-70E740481C1C}">
+                <a14:useLocalDpi xmlns:a14="http://schemas.microsoft.com/office/drawing/2010/main" val="0"/>
+              </a:ext>
+            </a:extLst>
+          </a:blip>
+          <a:srcRect/>
+          <a:stretch>
+            <a:fillRect/>
+          </a:stretch>
+        </p:blipFill>
+        <p:spPr bwMode="auto">
+          <a:xfrm>
+            <a:off x="4632548" y="4077072"/>
+            <a:ext cx="2171700" cy="2028825"/>
+          </a:xfrm>
+          <a:prstGeom prst="rect">
+            <a:avLst/>
+          </a:prstGeom>
+          <a:noFill/>
+          <a:ln>
+            <a:noFill/>
+          </a:ln>
+          <a:extLst>
+            <a:ext uri="{909E8E84-426E-40DD-AFC4-6F175D3DCCD1}">
+              <a14:hiddenFill xmlns:a14="http://schemas.microsoft.com/office/drawing/2010/main">
+                <a:solidFill>
+                  <a:schemeClr val="accent1"/>
+                </a:solidFill>
+              </a14:hiddenFill>
+            </a:ext>
+            <a:ext uri="{91240B29-F687-4F45-9708-019B960494DF}">
+              <a14:hiddenLine xmlns:a14="http://schemas.microsoft.com/office/drawing/2010/main" w="9525">
+                <a:solidFill>
+                  <a:schemeClr val="tx1"/>
+                </a:solidFill>
+                <a:miter lim="800000"/>
+                <a:headEnd/>
+                <a:tailEnd/>
+              </a14:hiddenLine>
+            </a:ext>
+          </a:extLst>
+        </p:spPr>
+      </p:pic>
+      <p:pic>
+        <p:nvPicPr>
+          <p:cNvPr id="22532" name="Picture 4"/>
+          <p:cNvPicPr>
+            <a:picLocks noChangeAspect="1" noChangeArrowheads="1"/>
+          </p:cNvPicPr>
+          <p:nvPr/>
+        </p:nvPicPr>
+        <p:blipFill>
+          <a:blip r:embed="rId3">
+            <a:extLst>
+              <a:ext uri="{28A0092B-C50C-407E-A947-70E740481C1C}">
+                <a14:useLocalDpi xmlns:a14="http://schemas.microsoft.com/office/drawing/2010/main" val="0"/>
+              </a:ext>
+            </a:extLst>
+          </a:blip>
+          <a:srcRect/>
+          <a:stretch>
+            <a:fillRect/>
+          </a:stretch>
+        </p:blipFill>
+        <p:spPr bwMode="auto">
+          <a:xfrm>
+            <a:off x="179512" y="2060848"/>
+            <a:ext cx="1885950" cy="4057650"/>
+          </a:xfrm>
+          <a:prstGeom prst="rect">
+            <a:avLst/>
+          </a:prstGeom>
+          <a:noFill/>
+          <a:ln>
+            <a:noFill/>
+          </a:ln>
+          <a:extLst>
+            <a:ext uri="{909E8E84-426E-40DD-AFC4-6F175D3DCCD1}">
+              <a14:hiddenFill xmlns:a14="http://schemas.microsoft.com/office/drawing/2010/main">
+                <a:solidFill>
+                  <a:schemeClr val="accent1"/>
+                </a:solidFill>
+              </a14:hiddenFill>
+            </a:ext>
+            <a:ext uri="{91240B29-F687-4F45-9708-019B960494DF}">
+              <a14:hiddenLine xmlns:a14="http://schemas.microsoft.com/office/drawing/2010/main" w="9525">
+                <a:solidFill>
+                  <a:schemeClr val="tx1"/>
+                </a:solidFill>
+                <a:miter lim="800000"/>
+                <a:headEnd/>
+                <a:tailEnd/>
+              </a14:hiddenLine>
+            </a:ext>
+          </a:extLst>
+        </p:spPr>
+      </p:pic>
+      <p:pic>
+        <p:nvPicPr>
+          <p:cNvPr id="22533" name="Picture 5"/>
+          <p:cNvPicPr>
+            <a:picLocks noChangeAspect="1" noChangeArrowheads="1"/>
+          </p:cNvPicPr>
+          <p:nvPr/>
+        </p:nvPicPr>
+        <p:blipFill>
+          <a:blip r:embed="rId4">
+            <a:extLst>
+              <a:ext uri="{28A0092B-C50C-407E-A947-70E740481C1C}">
+                <a14:useLocalDpi xmlns:a14="http://schemas.microsoft.com/office/drawing/2010/main" val="0"/>
+              </a:ext>
+            </a:extLst>
+          </a:blip>
+          <a:srcRect/>
+          <a:stretch>
+            <a:fillRect/>
+          </a:stretch>
+        </p:blipFill>
+        <p:spPr bwMode="auto">
+          <a:xfrm>
+            <a:off x="6804248" y="3975908"/>
+            <a:ext cx="2160240" cy="2160240"/>
+          </a:xfrm>
+          <a:prstGeom prst="rect">
+            <a:avLst/>
+          </a:prstGeom>
+          <a:noFill/>
+          <a:ln>
+            <a:noFill/>
+          </a:ln>
+          <a:extLst>
+            <a:ext uri="{909E8E84-426E-40DD-AFC4-6F175D3DCCD1}">
+              <a14:hiddenFill xmlns:a14="http://schemas.microsoft.com/office/drawing/2010/main">
+                <a:solidFill>
+                  <a:schemeClr val="accent1"/>
+                </a:solidFill>
+              </a14:hiddenFill>
+            </a:ext>
+            <a:ext uri="{91240B29-F687-4F45-9708-019B960494DF}">
+              <a14:hiddenLine xmlns:a14="http://schemas.microsoft.com/office/drawing/2010/main" w="9525">
+                <a:solidFill>
+                  <a:schemeClr val="tx1"/>
+                </a:solidFill>
+                <a:miter lim="800000"/>
+                <a:headEnd/>
+                <a:tailEnd/>
+              </a14:hiddenLine>
+            </a:ext>
+          </a:extLst>
+        </p:spPr>
+      </p:pic>
+      <p:sp>
+        <p:nvSpPr>
+          <p:cNvPr id="9" name="직사각형 8"/>
+          <p:cNvSpPr/>
+          <p:nvPr/>
+        </p:nvSpPr>
+        <p:spPr>
+          <a:xfrm>
+            <a:off x="177998" y="3866071"/>
+            <a:ext cx="1585689" cy="445651"/>
+          </a:xfrm>
+          <a:prstGeom prst="rect">
+            <a:avLst/>
+          </a:prstGeom>
+          <a:noFill/>
+          <a:ln>
+            <a:solidFill>
+              <a:srgbClr val="FF0000"/>
+            </a:solidFill>
+          </a:ln>
+        </p:spPr>
+        <p:style>
+          <a:lnRef idx="2">
+            <a:schemeClr val="accent1">
+              <a:shade val="50000"/>
+            </a:schemeClr>
+          </a:lnRef>
+          <a:fillRef idx="1">
+            <a:schemeClr val="accent1"/>
+          </a:fillRef>
+          <a:effectRef idx="0">
+            <a:schemeClr val="accent1"/>
+          </a:effectRef>
+          <a:fontRef idx="minor">
+            <a:schemeClr val="lt1"/>
+          </a:fontRef>
+        </p:style>
+        <p:txBody>
+          <a:bodyPr rtlCol="0" anchor="ctr"/>
+          <a:lstStyle/>
+          <a:p>
+            <a:pPr algn="ctr"/>
+            <a:endParaRPr lang="ko-KR" altLang="en-US"/>
+          </a:p>
+        </p:txBody>
+      </p:sp>
+      <p:pic>
+        <p:nvPicPr>
+          <p:cNvPr id="22534" name="Picture 6"/>
+          <p:cNvPicPr>
+            <a:picLocks noChangeAspect="1" noChangeArrowheads="1"/>
+          </p:cNvPicPr>
+          <p:nvPr/>
+        </p:nvPicPr>
+        <p:blipFill>
+          <a:blip r:embed="rId5">
+            <a:extLst>
+              <a:ext uri="{28A0092B-C50C-407E-A947-70E740481C1C}">
+                <a14:useLocalDpi xmlns:a14="http://schemas.microsoft.com/office/drawing/2010/main" val="0"/>
+              </a:ext>
+            </a:extLst>
+          </a:blip>
+          <a:srcRect/>
+          <a:stretch>
+            <a:fillRect/>
+          </a:stretch>
+        </p:blipFill>
+        <p:spPr bwMode="auto">
+          <a:xfrm>
+            <a:off x="2138933" y="2120230"/>
+            <a:ext cx="2505075" cy="3829050"/>
+          </a:xfrm>
+          <a:prstGeom prst="rect">
+            <a:avLst/>
+          </a:prstGeom>
+          <a:noFill/>
+          <a:ln>
+            <a:noFill/>
+          </a:ln>
+          <a:extLst>
+            <a:ext uri="{909E8E84-426E-40DD-AFC4-6F175D3DCCD1}">
+              <a14:hiddenFill xmlns:a14="http://schemas.microsoft.com/office/drawing/2010/main">
+                <a:solidFill>
+                  <a:schemeClr val="accent1"/>
+                </a:solidFill>
+              </a14:hiddenFill>
+            </a:ext>
+            <a:ext uri="{91240B29-F687-4F45-9708-019B960494DF}">
+              <a14:hiddenLine xmlns:a14="http://schemas.microsoft.com/office/drawing/2010/main" w="9525">
+                <a:solidFill>
+                  <a:schemeClr val="tx1"/>
+                </a:solidFill>
+                <a:miter lim="800000"/>
+                <a:headEnd/>
+                <a:tailEnd/>
+              </a14:hiddenLine>
+            </a:ext>
+          </a:extLst>
+        </p:spPr>
+      </p:pic>
+      <p:sp>
+        <p:nvSpPr>
+          <p:cNvPr id="8" name="직사각형 7"/>
+          <p:cNvSpPr/>
+          <p:nvPr/>
+        </p:nvSpPr>
+        <p:spPr>
+          <a:xfrm>
+            <a:off x="2099498" y="4089673"/>
+            <a:ext cx="2472502" cy="1283543"/>
+          </a:xfrm>
+          <a:prstGeom prst="rect">
+            <a:avLst/>
+          </a:prstGeom>
+          <a:noFill/>
+          <a:ln>
+            <a:solidFill>
+              <a:srgbClr val="FF0000"/>
+            </a:solidFill>
+          </a:ln>
+        </p:spPr>
+        <p:style>
+          <a:lnRef idx="2">
+            <a:schemeClr val="accent1">
+              <a:shade val="50000"/>
+            </a:schemeClr>
+          </a:lnRef>
+          <a:fillRef idx="1">
+            <a:schemeClr val="accent1"/>
+          </a:fillRef>
+          <a:effectRef idx="0">
+            <a:schemeClr val="accent1"/>
+          </a:effectRef>
+          <a:fontRef idx="minor">
+            <a:schemeClr val="lt1"/>
+          </a:fontRef>
+        </p:style>
+        <p:txBody>
+          <a:bodyPr rtlCol="0" anchor="ctr"/>
+          <a:lstStyle/>
+          <a:p>
+            <a:pPr algn="ctr"/>
+            <a:endParaRPr lang="ko-KR" altLang="en-US"/>
+          </a:p>
+        </p:txBody>
+      </p:sp>
+      <p:sp>
+        <p:nvSpPr>
+          <p:cNvPr id="11" name="직사각형 10"/>
+          <p:cNvSpPr/>
+          <p:nvPr/>
+        </p:nvSpPr>
+        <p:spPr>
+          <a:xfrm>
+            <a:off x="2145539" y="4311722"/>
+            <a:ext cx="986302" cy="222825"/>
+          </a:xfrm>
+          <a:prstGeom prst="rect">
+            <a:avLst/>
+          </a:prstGeom>
+          <a:noFill/>
+          <a:ln>
+            <a:solidFill>
+              <a:srgbClr val="FF0000"/>
+            </a:solidFill>
+          </a:ln>
+        </p:spPr>
+        <p:style>
+          <a:lnRef idx="2">
+            <a:schemeClr val="accent1">
+              <a:shade val="50000"/>
+            </a:schemeClr>
+          </a:lnRef>
+          <a:fillRef idx="1">
+            <a:schemeClr val="accent1"/>
+          </a:fillRef>
+          <a:effectRef idx="0">
+            <a:schemeClr val="accent1"/>
+          </a:effectRef>
+          <a:fontRef idx="minor">
+            <a:schemeClr val="lt1"/>
+          </a:fontRef>
+        </p:style>
+        <p:txBody>
+          <a:bodyPr rtlCol="0" anchor="ctr"/>
+          <a:lstStyle/>
+          <a:p>
+            <a:pPr algn="ctr"/>
+            <a:endParaRPr lang="ko-KR" altLang="en-US"/>
+          </a:p>
+        </p:txBody>
+      </p:sp>
+      <p:sp>
+        <p:nvSpPr>
+          <p:cNvPr id="4" name="TextBox 3"/>
+          <p:cNvSpPr txBox="1"/>
+          <p:nvPr/>
+        </p:nvSpPr>
+        <p:spPr>
+          <a:xfrm>
+            <a:off x="4908957" y="3140968"/>
+            <a:ext cx="2952328" cy="369332"/>
+          </a:xfrm>
+          <a:prstGeom prst="rect">
+            <a:avLst/>
+          </a:prstGeom>
+          <a:noFill/>
+        </p:spPr>
+        <p:txBody>
+          <a:bodyPr wrap="square" rtlCol="0">
+            <a:spAutoFit/>
+          </a:bodyPr>
+          <a:lstStyle/>
+          <a:p>
+            <a:r>
+              <a:rPr lang="ko-KR" altLang="en-US" dirty="0" smtClean="0">
+                <a:latin typeface="배달의민족 한나체 Air" panose="020B0600000101010101" pitchFamily="50" charset="-127"/>
+                <a:ea typeface="배달의민족 한나체 Air" panose="020B0600000101010101" pitchFamily="50" charset="-127"/>
+              </a:rPr>
+              <a:t>기반 클래스 </a:t>
+            </a:r>
+            <a:r>
+              <a:rPr lang="ko-KR" altLang="en-US" dirty="0" err="1" smtClean="0">
+                <a:latin typeface="배달의민족 한나체 Air" panose="020B0600000101010101" pitchFamily="50" charset="-127"/>
+                <a:ea typeface="배달의민족 한나체 Air" panose="020B0600000101010101" pitchFamily="50" charset="-127"/>
+              </a:rPr>
+              <a:t>생성자</a:t>
+            </a:r>
+            <a:r>
+              <a:rPr lang="ko-KR" altLang="en-US" dirty="0" smtClean="0">
+                <a:latin typeface="배달의민족 한나체 Air" panose="020B0600000101010101" pitchFamily="50" charset="-127"/>
+                <a:ea typeface="배달의민족 한나체 Air" panose="020B0600000101010101" pitchFamily="50" charset="-127"/>
+              </a:rPr>
+              <a:t> 호출</a:t>
+            </a:r>
+            <a:endParaRPr lang="ko-KR" altLang="en-US" dirty="0">
+              <a:latin typeface="배달의민족 한나체 Air" panose="020B0600000101010101" pitchFamily="50" charset="-127"/>
+              <a:ea typeface="배달의민족 한나체 Air" panose="020B0600000101010101" pitchFamily="50" charset="-127"/>
+            </a:endParaRPr>
+          </a:p>
+        </p:txBody>
+      </p:sp>
+      <p:cxnSp>
+        <p:nvCxnSpPr>
+          <p:cNvPr id="6" name="직선 화살표 연결선 5"/>
+          <p:cNvCxnSpPr/>
+          <p:nvPr/>
+        </p:nvCxnSpPr>
+        <p:spPr>
+          <a:xfrm flipV="1">
+            <a:off x="3121461" y="3510300"/>
+            <a:ext cx="2242627" cy="935071"/>
+          </a:xfrm>
+          <a:prstGeom prst="straightConnector1">
+            <a:avLst/>
+          </a:prstGeom>
+          <a:ln>
+            <a:solidFill>
+              <a:srgbClr val="FF0000"/>
+            </a:solidFill>
+            <a:tailEnd type="arrow"/>
+          </a:ln>
+        </p:spPr>
+        <p:style>
+          <a:lnRef idx="1">
+            <a:schemeClr val="accent1"/>
+          </a:lnRef>
+          <a:fillRef idx="0">
+            <a:schemeClr val="accent1"/>
+          </a:fillRef>
+          <a:effectRef idx="0">
+            <a:schemeClr val="accent1"/>
+          </a:effectRef>
+          <a:fontRef idx="minor">
+            <a:schemeClr val="tx1"/>
+          </a:fontRef>
+        </p:style>
+      </p:cxnSp>
     </p:spTree>
     <p:extLst>
       <p:ext uri="{BB962C8B-B14F-4D97-AF65-F5344CB8AC3E}">
@@ -48074,7 +53241,155 @@
           <a:bodyPr/>
           <a:lstStyle/>
           <a:p>
-            <a:endParaRPr lang="ko-KR" altLang="en-US"/>
+            <a:r>
+              <a:rPr lang="ko-KR" altLang="en-US" dirty="0"/>
+              <a:t>파생클래스에서 기반 클래스 </a:t>
+            </a:r>
+            <a:r>
+              <a:rPr lang="ko-KR" altLang="en-US" dirty="0" err="1"/>
+              <a:t>생성자</a:t>
+            </a:r>
+            <a:r>
+              <a:rPr lang="ko-KR" altLang="en-US" dirty="0"/>
+              <a:t> </a:t>
+            </a:r>
+            <a:r>
+              <a:rPr lang="ko-KR" altLang="en-US" dirty="0" smtClean="0"/>
+              <a:t>호출</a:t>
+            </a:r>
+            <a:r>
+              <a:rPr lang="en-US" altLang="ko-KR" dirty="0" smtClean="0"/>
+              <a:t>2</a:t>
+            </a:r>
+          </a:p>
+          <a:p>
+            <a:endParaRPr lang="en-US" altLang="ko-KR" dirty="0"/>
+          </a:p>
+          <a:p>
+            <a:r>
+              <a:rPr lang="ko-KR" altLang="en-US" dirty="0" err="1" smtClean="0"/>
+              <a:t>생성자는</a:t>
+            </a:r>
+            <a:r>
+              <a:rPr lang="ko-KR" altLang="en-US" dirty="0" smtClean="0"/>
+              <a:t> 오버로딩</a:t>
+            </a:r>
+            <a:r>
+              <a:rPr lang="en-US" altLang="ko-KR" dirty="0" smtClean="0"/>
+              <a:t>/</a:t>
+            </a:r>
+            <a:r>
+              <a:rPr lang="ko-KR" altLang="en-US" dirty="0" err="1" smtClean="0"/>
+              <a:t>오버라이딩</a:t>
+            </a:r>
+            <a:r>
+              <a:rPr lang="ko-KR" altLang="en-US" dirty="0" smtClean="0"/>
+              <a:t> 가능</a:t>
+            </a:r>
+            <a:r>
+              <a:rPr lang="en-US" altLang="ko-KR" dirty="0" smtClean="0"/>
+              <a:t>.</a:t>
+            </a:r>
+          </a:p>
+          <a:p>
+            <a:r>
+              <a:rPr lang="en-US" altLang="ko-KR" dirty="0" smtClean="0"/>
+              <a:t>-&gt; </a:t>
+            </a:r>
+            <a:r>
+              <a:rPr lang="ko-KR" altLang="en-US" dirty="0" smtClean="0"/>
+              <a:t>기반 클래스의 생성자가 </a:t>
+            </a:r>
+            <a:r>
+              <a:rPr lang="ko-KR" altLang="en-US" dirty="0" err="1" smtClean="0"/>
+              <a:t>오버로딩된</a:t>
+            </a:r>
+            <a:r>
+              <a:rPr lang="ko-KR" altLang="en-US" dirty="0" smtClean="0"/>
+              <a:t> 경우 </a:t>
+            </a:r>
+            <a:endParaRPr lang="en-US" altLang="ko-KR" dirty="0" smtClean="0"/>
+          </a:p>
+          <a:p>
+            <a:r>
+              <a:rPr lang="en-US" altLang="ko-KR" dirty="0"/>
+              <a:t>	</a:t>
+            </a:r>
+            <a:r>
+              <a:rPr lang="ko-KR" altLang="en-US" dirty="0" smtClean="0"/>
+              <a:t>파생 클래스의 머리 부분에서 실행을 원하는 </a:t>
+            </a:r>
+            <a:r>
+              <a:rPr lang="ko-KR" altLang="en-US" dirty="0" err="1" smtClean="0"/>
+              <a:t>생성자</a:t>
+            </a:r>
+            <a:r>
+              <a:rPr lang="ko-KR" altLang="en-US" dirty="0" smtClean="0"/>
+              <a:t> 호출 가능</a:t>
+            </a:r>
+            <a:r>
+              <a:rPr lang="en-US" altLang="ko-KR" dirty="0" smtClean="0"/>
+              <a:t>.</a:t>
+            </a:r>
+            <a:endParaRPr lang="en-US" altLang="ko-KR" dirty="0"/>
+          </a:p>
+          <a:p>
+            <a:endParaRPr lang="ko-KR" altLang="en-US" dirty="0"/>
+          </a:p>
+          <a:p>
+            <a:endParaRPr lang="ko-KR" altLang="en-US" dirty="0"/>
+          </a:p>
+        </p:txBody>
+      </p:sp>
+      <p:sp>
+        <p:nvSpPr>
+          <p:cNvPr id="4" name="포인트가 5개인 별 3"/>
+          <p:cNvSpPr/>
+          <p:nvPr/>
+        </p:nvSpPr>
+        <p:spPr>
+          <a:xfrm>
+            <a:off x="8172400" y="116632"/>
+            <a:ext cx="792088" cy="648072"/>
+          </a:xfrm>
+          <a:prstGeom prst="star5">
+            <a:avLst/>
+          </a:prstGeom>
+          <a:solidFill>
+            <a:srgbClr val="FFC000"/>
+          </a:solidFill>
+          <a:ln>
+            <a:solidFill>
+              <a:srgbClr val="FF0000"/>
+            </a:solidFill>
+          </a:ln>
+        </p:spPr>
+        <p:style>
+          <a:lnRef idx="2">
+            <a:schemeClr val="accent1">
+              <a:shade val="50000"/>
+            </a:schemeClr>
+          </a:lnRef>
+          <a:fillRef idx="1">
+            <a:schemeClr val="accent1"/>
+          </a:fillRef>
+          <a:effectRef idx="0">
+            <a:schemeClr val="accent1"/>
+          </a:effectRef>
+          <a:fontRef idx="minor">
+            <a:schemeClr val="lt1"/>
+          </a:fontRef>
+        </p:style>
+        <p:txBody>
+          <a:bodyPr rtlCol="0" anchor="ctr"/>
+          <a:lstStyle/>
+          <a:p>
+            <a:pPr algn="ctr"/>
+            <a:endParaRPr lang="ko-KR" altLang="en-US">
+              <a:solidFill>
+                <a:srgbClr val="FF0000"/>
+              </a:solidFill>
+            </a:endParaRPr>
           </a:p>
         </p:txBody>
       </p:sp>
@@ -48152,12 +53467,743 @@
             <p:ph idx="1"/>
           </p:nvPr>
         </p:nvSpPr>
-        <p:spPr/>
+        <p:spPr>
+          <a:xfrm>
+            <a:off x="251520" y="764704"/>
+            <a:ext cx="4114800" cy="5361459"/>
+          </a:xfrm>
+        </p:spPr>
         <p:txBody>
-          <a:bodyPr/>
+          <a:bodyPr>
+            <a:normAutofit fontScale="85000" lnSpcReduction="20000"/>
+          </a:bodyPr>
           <a:lstStyle/>
           <a:p>
-            <a:endParaRPr lang="ko-KR" altLang="en-US"/>
+            <a:r>
+              <a:rPr lang="en-US" altLang="ko-KR" dirty="0"/>
+              <a:t>#</a:t>
+            </a:r>
+            <a:r>
+              <a:rPr lang="en-US" altLang="ko-KR" dirty="0" err="1"/>
+              <a:t>ifndef</a:t>
+            </a:r>
+            <a:r>
+              <a:rPr lang="en-US" altLang="ko-KR" dirty="0"/>
+              <a:t> _PERSON_H_</a:t>
+            </a:r>
+          </a:p>
+          <a:p>
+            <a:r>
+              <a:rPr lang="en-US" altLang="ko-KR" dirty="0"/>
+              <a:t>#define _PERSON_H_</a:t>
+            </a:r>
+          </a:p>
+          <a:p>
+            <a:endParaRPr lang="ko-KR" altLang="en-US" dirty="0"/>
+          </a:p>
+          <a:p>
+            <a:r>
+              <a:rPr lang="en-US" altLang="ko-KR" dirty="0"/>
+              <a:t>#include "</a:t>
+            </a:r>
+            <a:r>
+              <a:rPr lang="en-US" altLang="ko-KR" dirty="0" err="1"/>
+              <a:t>iostream</a:t>
+            </a:r>
+            <a:r>
+              <a:rPr lang="en-US" altLang="ko-KR" dirty="0"/>
+              <a:t>"</a:t>
+            </a:r>
+          </a:p>
+          <a:p>
+            <a:r>
+              <a:rPr lang="en-US" altLang="ko-KR" dirty="0"/>
+              <a:t>#include "string"</a:t>
+            </a:r>
+          </a:p>
+          <a:p>
+            <a:r>
+              <a:rPr lang="en-US" altLang="ko-KR" dirty="0"/>
+              <a:t>#include "</a:t>
+            </a:r>
+            <a:r>
+              <a:rPr lang="en-US" altLang="ko-KR" dirty="0" err="1"/>
+              <a:t>fstream</a:t>
+            </a:r>
+            <a:r>
+              <a:rPr lang="en-US" altLang="ko-KR" dirty="0"/>
+              <a:t>"</a:t>
+            </a:r>
+          </a:p>
+          <a:p>
+            <a:r>
+              <a:rPr lang="en-US" altLang="ko-KR" dirty="0"/>
+              <a:t>using namespace </a:t>
+            </a:r>
+            <a:r>
+              <a:rPr lang="en-US" altLang="ko-KR" dirty="0" err="1"/>
+              <a:t>std</a:t>
+            </a:r>
+            <a:r>
+              <a:rPr lang="en-US" altLang="ko-KR" dirty="0"/>
+              <a:t>;</a:t>
+            </a:r>
+          </a:p>
+          <a:p>
+            <a:endParaRPr lang="ko-KR" altLang="en-US" dirty="0"/>
+          </a:p>
+          <a:p>
+            <a:r>
+              <a:rPr lang="en-US" altLang="ko-KR" dirty="0"/>
+              <a:t>class Person{</a:t>
+            </a:r>
+          </a:p>
+          <a:p>
+            <a:r>
+              <a:rPr lang="en-US" altLang="ko-KR" dirty="0"/>
+              <a:t>	string name;</a:t>
+            </a:r>
+          </a:p>
+          <a:p>
+            <a:r>
+              <a:rPr lang="en-US" altLang="ko-KR" dirty="0"/>
+              <a:t>	string </a:t>
+            </a:r>
+            <a:r>
+              <a:rPr lang="en-US" altLang="ko-KR" dirty="0" err="1"/>
+              <a:t>addr</a:t>
+            </a:r>
+            <a:r>
+              <a:rPr lang="en-US" altLang="ko-KR" dirty="0"/>
+              <a:t>;</a:t>
+            </a:r>
+          </a:p>
+          <a:p>
+            <a:r>
+              <a:rPr lang="en-US" altLang="ko-KR" dirty="0"/>
+              <a:t>	string </a:t>
+            </a:r>
+            <a:r>
+              <a:rPr lang="en-US" altLang="ko-KR" dirty="0" err="1"/>
+              <a:t>tel</a:t>
+            </a:r>
+            <a:r>
+              <a:rPr lang="en-US" altLang="ko-KR" dirty="0"/>
+              <a:t>;</a:t>
+            </a:r>
+          </a:p>
+          <a:p>
+            <a:r>
+              <a:rPr lang="en-US" altLang="ko-KR" dirty="0"/>
+              <a:t>public:</a:t>
+            </a:r>
+          </a:p>
+          <a:p>
+            <a:r>
+              <a:rPr lang="en-US" altLang="ko-KR" dirty="0"/>
+              <a:t>	Person();</a:t>
+            </a:r>
+          </a:p>
+          <a:p>
+            <a:r>
+              <a:rPr lang="en-US" altLang="ko-KR" dirty="0"/>
+              <a:t>	Person(</a:t>
+            </a:r>
+            <a:r>
+              <a:rPr lang="en-US" altLang="ko-KR" dirty="0" err="1"/>
+              <a:t>const</a:t>
+            </a:r>
+            <a:r>
+              <a:rPr lang="en-US" altLang="ko-KR" dirty="0"/>
+              <a:t> string name, </a:t>
+            </a:r>
+            <a:r>
+              <a:rPr lang="en-US" altLang="ko-KR" dirty="0" err="1"/>
+              <a:t>const</a:t>
+            </a:r>
+            <a:r>
+              <a:rPr lang="en-US" altLang="ko-KR" dirty="0"/>
+              <a:t> string </a:t>
+            </a:r>
+            <a:r>
+              <a:rPr lang="en-US" altLang="ko-KR" dirty="0" err="1"/>
+              <a:t>addr</a:t>
+            </a:r>
+            <a:r>
+              <a:rPr lang="en-US" altLang="ko-KR" dirty="0"/>
+              <a:t>, </a:t>
+            </a:r>
+            <a:r>
+              <a:rPr lang="en-US" altLang="ko-KR" dirty="0" err="1"/>
+              <a:t>const</a:t>
+            </a:r>
+            <a:r>
+              <a:rPr lang="en-US" altLang="ko-KR" dirty="0"/>
+              <a:t> string </a:t>
+            </a:r>
+            <a:r>
+              <a:rPr lang="en-US" altLang="ko-KR" dirty="0" err="1"/>
+              <a:t>tel</a:t>
+            </a:r>
+            <a:r>
+              <a:rPr lang="en-US" altLang="ko-KR" dirty="0"/>
+              <a:t>);</a:t>
+            </a:r>
+          </a:p>
+          <a:p>
+            <a:r>
+              <a:rPr lang="en-US" altLang="ko-KR" dirty="0"/>
+              <a:t>	void </a:t>
+            </a:r>
+            <a:r>
+              <a:rPr lang="en-US" altLang="ko-KR" dirty="0" err="1"/>
+              <a:t>SetVar</a:t>
+            </a:r>
+            <a:r>
+              <a:rPr lang="en-US" altLang="ko-KR" dirty="0"/>
+              <a:t>(</a:t>
+            </a:r>
+            <a:r>
+              <a:rPr lang="en-US" altLang="ko-KR" dirty="0" err="1"/>
+              <a:t>const</a:t>
+            </a:r>
+            <a:r>
+              <a:rPr lang="en-US" altLang="ko-KR" dirty="0"/>
+              <a:t> string name, </a:t>
+            </a:r>
+            <a:r>
+              <a:rPr lang="en-US" altLang="ko-KR" dirty="0" err="1"/>
+              <a:t>const</a:t>
+            </a:r>
+            <a:r>
+              <a:rPr lang="en-US" altLang="ko-KR" dirty="0"/>
+              <a:t> string </a:t>
+            </a:r>
+            <a:r>
+              <a:rPr lang="en-US" altLang="ko-KR" dirty="0" err="1"/>
+              <a:t>addr</a:t>
+            </a:r>
+            <a:r>
+              <a:rPr lang="en-US" altLang="ko-KR" dirty="0"/>
+              <a:t>, </a:t>
+            </a:r>
+            <a:r>
+              <a:rPr lang="en-US" altLang="ko-KR" dirty="0" err="1"/>
+              <a:t>const</a:t>
+            </a:r>
+            <a:r>
+              <a:rPr lang="en-US" altLang="ko-KR" dirty="0"/>
+              <a:t> string </a:t>
+            </a:r>
+            <a:r>
+              <a:rPr lang="en-US" altLang="ko-KR" dirty="0" err="1"/>
+              <a:t>tel</a:t>
+            </a:r>
+            <a:r>
+              <a:rPr lang="en-US" altLang="ko-KR" dirty="0"/>
+              <a:t>);</a:t>
+            </a:r>
+          </a:p>
+          <a:p>
+            <a:r>
+              <a:rPr lang="en-US" altLang="ko-KR" dirty="0"/>
+              <a:t>	string </a:t>
+            </a:r>
+            <a:r>
+              <a:rPr lang="en-US" altLang="ko-KR" dirty="0" err="1"/>
+              <a:t>GetName</a:t>
+            </a:r>
+            <a:r>
+              <a:rPr lang="en-US" altLang="ko-KR" dirty="0"/>
+              <a:t>();</a:t>
+            </a:r>
+          </a:p>
+          <a:p>
+            <a:r>
+              <a:rPr lang="en-US" altLang="ko-KR" dirty="0"/>
+              <a:t>	string </a:t>
+            </a:r>
+            <a:r>
+              <a:rPr lang="en-US" altLang="ko-KR" dirty="0" err="1"/>
+              <a:t>GetAddr</a:t>
+            </a:r>
+            <a:r>
+              <a:rPr lang="en-US" altLang="ko-KR" dirty="0"/>
+              <a:t>();</a:t>
+            </a:r>
+          </a:p>
+          <a:p>
+            <a:r>
+              <a:rPr lang="en-US" altLang="ko-KR" dirty="0"/>
+              <a:t>	string </a:t>
+            </a:r>
+            <a:r>
+              <a:rPr lang="en-US" altLang="ko-KR" dirty="0" err="1"/>
+              <a:t>GetPhoneNum</a:t>
+            </a:r>
+            <a:r>
+              <a:rPr lang="en-US" altLang="ko-KR" dirty="0"/>
+              <a:t>();</a:t>
+            </a:r>
+          </a:p>
+          <a:p>
+            <a:r>
+              <a:rPr lang="en-US" altLang="ko-KR" dirty="0"/>
+              <a:t>};</a:t>
+            </a:r>
+            <a:endParaRPr lang="ko-KR" altLang="en-US" dirty="0"/>
+          </a:p>
+        </p:txBody>
+      </p:sp>
+      <p:sp>
+        <p:nvSpPr>
+          <p:cNvPr id="4" name="내용 개체 틀 2"/>
+          <p:cNvSpPr txBox="1">
+            <a:spLocks/>
+          </p:cNvSpPr>
+          <p:nvPr/>
+        </p:nvSpPr>
+        <p:spPr>
+          <a:xfrm>
+            <a:off x="4518720" y="764704"/>
+            <a:ext cx="4114800" cy="5361459"/>
+          </a:xfrm>
+          <a:prstGeom prst="rect">
+            <a:avLst/>
+          </a:prstGeom>
+        </p:spPr>
+        <p:txBody>
+          <a:bodyPr vert="horz" lIns="91440" tIns="45720" rIns="91440" bIns="45720" rtlCol="0">
+            <a:normAutofit fontScale="85000" lnSpcReduction="20000"/>
+          </a:bodyPr>
+          <a:lstStyle>
+            <a:lvl1pPr marL="0" indent="0" algn="l" defTabSz="914400" rtl="0" eaLnBrk="1" latinLnBrk="1" hangingPunct="1">
+              <a:spcBef>
+                <a:spcPct val="20000"/>
+              </a:spcBef>
+              <a:buFont typeface="Arial" pitchFamily="34" charset="0"/>
+              <a:buNone/>
+              <a:defRPr sz="1800" kern="1200">
+                <a:solidFill>
+                  <a:schemeClr val="tx1"/>
+                </a:solidFill>
+                <a:latin typeface="배달의민족 한나체 Air" panose="020B0600000101010101" pitchFamily="50" charset="-127"/>
+                <a:ea typeface="배달의민족 한나체 Air" panose="020B0600000101010101" pitchFamily="50" charset="-127"/>
+                <a:cs typeface="+mn-cs"/>
+              </a:defRPr>
+            </a:lvl1pPr>
+            <a:lvl2pPr marL="457200" indent="0" algn="l" defTabSz="914400" rtl="0" eaLnBrk="1" latinLnBrk="1" hangingPunct="1">
+              <a:spcBef>
+                <a:spcPct val="20000"/>
+              </a:spcBef>
+              <a:buFont typeface="Arial" pitchFamily="34" charset="0"/>
+              <a:buNone/>
+              <a:defRPr sz="1600" kern="1200">
+                <a:solidFill>
+                  <a:schemeClr val="tx1"/>
+                </a:solidFill>
+                <a:latin typeface="배달의민족 한나체 Air" panose="020B0600000101010101" pitchFamily="50" charset="-127"/>
+                <a:ea typeface="배달의민족 한나체 Air" panose="020B0600000101010101" pitchFamily="50" charset="-127"/>
+                <a:cs typeface="+mn-cs"/>
+              </a:defRPr>
+            </a:lvl2pPr>
+            <a:lvl3pPr marL="914400" indent="0" algn="l" defTabSz="914400" rtl="0" eaLnBrk="1" latinLnBrk="1" hangingPunct="1">
+              <a:spcBef>
+                <a:spcPct val="20000"/>
+              </a:spcBef>
+              <a:buFont typeface="Arial" pitchFamily="34" charset="0"/>
+              <a:buNone/>
+              <a:defRPr sz="1400" kern="1200">
+                <a:solidFill>
+                  <a:schemeClr val="tx1"/>
+                </a:solidFill>
+                <a:latin typeface="배달의민족 한나체 Air" panose="020B0600000101010101" pitchFamily="50" charset="-127"/>
+                <a:ea typeface="배달의민족 한나체 Air" panose="020B0600000101010101" pitchFamily="50" charset="-127"/>
+                <a:cs typeface="+mn-cs"/>
+              </a:defRPr>
+            </a:lvl3pPr>
+            <a:lvl4pPr marL="1371600" indent="0" algn="l" defTabSz="914400" rtl="0" eaLnBrk="1" latinLnBrk="1" hangingPunct="1">
+              <a:spcBef>
+                <a:spcPct val="20000"/>
+              </a:spcBef>
+              <a:buFont typeface="Arial" pitchFamily="34" charset="0"/>
+              <a:buNone/>
+              <a:defRPr sz="1200" kern="1200">
+                <a:solidFill>
+                  <a:schemeClr val="tx1"/>
+                </a:solidFill>
+                <a:latin typeface="배달의민족 한나체 Air" panose="020B0600000101010101" pitchFamily="50" charset="-127"/>
+                <a:ea typeface="배달의민족 한나체 Air" panose="020B0600000101010101" pitchFamily="50" charset="-127"/>
+                <a:cs typeface="+mn-cs"/>
+              </a:defRPr>
+            </a:lvl4pPr>
+            <a:lvl5pPr marL="1828800" indent="0" algn="l" defTabSz="914400" rtl="0" eaLnBrk="1" latinLnBrk="1" hangingPunct="1">
+              <a:spcBef>
+                <a:spcPct val="20000"/>
+              </a:spcBef>
+              <a:buFont typeface="Arial" pitchFamily="34" charset="0"/>
+              <a:buNone/>
+              <a:defRPr sz="1200" kern="1200">
+                <a:solidFill>
+                  <a:schemeClr val="tx1"/>
+                </a:solidFill>
+                <a:latin typeface="배달의민족 한나체 Air" panose="020B0600000101010101" pitchFamily="50" charset="-127"/>
+                <a:ea typeface="배달의민족 한나체 Air" panose="020B0600000101010101" pitchFamily="50" charset="-127"/>
+                <a:cs typeface="+mn-cs"/>
+              </a:defRPr>
+            </a:lvl5pPr>
+            <a:lvl6pPr marL="2514600" indent="-228600" algn="l" defTabSz="914400" rtl="0" eaLnBrk="1" latinLnBrk="1" hangingPunct="1">
+              <a:spcBef>
+                <a:spcPct val="20000"/>
+              </a:spcBef>
+              <a:buFont typeface="Arial" pitchFamily="34" charset="0"/>
+              <a:buChar char="•"/>
+              <a:defRPr sz="2000" kern="1200">
+                <a:solidFill>
+                  <a:schemeClr val="tx1"/>
+                </a:solidFill>
+                <a:latin typeface="+mn-lt"/>
+                <a:ea typeface="+mn-ea"/>
+                <a:cs typeface="+mn-cs"/>
+              </a:defRPr>
+            </a:lvl6pPr>
+            <a:lvl7pPr marL="2971800" indent="-228600" algn="l" defTabSz="914400" rtl="0" eaLnBrk="1" latinLnBrk="1" hangingPunct="1">
+              <a:spcBef>
+                <a:spcPct val="20000"/>
+              </a:spcBef>
+              <a:buFont typeface="Arial" pitchFamily="34" charset="0"/>
+              <a:buChar char="•"/>
+              <a:defRPr sz="2000" kern="1200">
+                <a:solidFill>
+                  <a:schemeClr val="tx1"/>
+                </a:solidFill>
+                <a:latin typeface="+mn-lt"/>
+                <a:ea typeface="+mn-ea"/>
+                <a:cs typeface="+mn-cs"/>
+              </a:defRPr>
+            </a:lvl7pPr>
+            <a:lvl8pPr marL="3429000" indent="-228600" algn="l" defTabSz="914400" rtl="0" eaLnBrk="1" latinLnBrk="1" hangingPunct="1">
+              <a:spcBef>
+                <a:spcPct val="20000"/>
+              </a:spcBef>
+              <a:buFont typeface="Arial" pitchFamily="34" charset="0"/>
+              <a:buChar char="•"/>
+              <a:defRPr sz="2000" kern="1200">
+                <a:solidFill>
+                  <a:schemeClr val="tx1"/>
+                </a:solidFill>
+                <a:latin typeface="+mn-lt"/>
+                <a:ea typeface="+mn-ea"/>
+                <a:cs typeface="+mn-cs"/>
+              </a:defRPr>
+            </a:lvl8pPr>
+            <a:lvl9pPr marL="3886200" indent="-228600" algn="l" defTabSz="914400" rtl="0" eaLnBrk="1" latinLnBrk="1" hangingPunct="1">
+              <a:spcBef>
+                <a:spcPct val="20000"/>
+              </a:spcBef>
+              <a:buFont typeface="Arial" pitchFamily="34" charset="0"/>
+              <a:buChar char="•"/>
+              <a:defRPr sz="2000" kern="1200">
+                <a:solidFill>
+                  <a:schemeClr val="tx1"/>
+                </a:solidFill>
+                <a:latin typeface="+mn-lt"/>
+                <a:ea typeface="+mn-ea"/>
+                <a:cs typeface="+mn-cs"/>
+              </a:defRPr>
+            </a:lvl9pPr>
+          </a:lstStyle>
+          <a:p>
+            <a:r>
+              <a:rPr lang="en-US" altLang="ko-KR" dirty="0"/>
+              <a:t>class Student : public Person{</a:t>
+            </a:r>
+          </a:p>
+          <a:p>
+            <a:r>
+              <a:rPr lang="en-US" altLang="ko-KR" dirty="0"/>
+              <a:t>	double score[3];</a:t>
+            </a:r>
+          </a:p>
+          <a:p>
+            <a:r>
+              <a:rPr lang="en-US" altLang="ko-KR" dirty="0"/>
+              <a:t>	double tot;</a:t>
+            </a:r>
+          </a:p>
+          <a:p>
+            <a:r>
+              <a:rPr lang="en-US" altLang="ko-KR" dirty="0"/>
+              <a:t>	double aver;</a:t>
+            </a:r>
+          </a:p>
+          <a:p>
+            <a:r>
+              <a:rPr lang="en-US" altLang="ko-KR" dirty="0"/>
+              <a:t>	</a:t>
+            </a:r>
+            <a:r>
+              <a:rPr lang="en-US" altLang="ko-KR" dirty="0" err="1"/>
+              <a:t>int</a:t>
+            </a:r>
+            <a:r>
+              <a:rPr lang="en-US" altLang="ko-KR" dirty="0"/>
+              <a:t> rank;</a:t>
+            </a:r>
+          </a:p>
+          <a:p>
+            <a:r>
+              <a:rPr lang="en-US" altLang="ko-KR" dirty="0"/>
+              <a:t>public:</a:t>
+            </a:r>
+          </a:p>
+          <a:p>
+            <a:r>
+              <a:rPr lang="en-US" altLang="ko-KR" dirty="0"/>
+              <a:t>	Student();</a:t>
+            </a:r>
+          </a:p>
+          <a:p>
+            <a:r>
+              <a:rPr lang="en-US" altLang="ko-KR" dirty="0"/>
+              <a:t>	Student(</a:t>
+            </a:r>
+            <a:r>
+              <a:rPr lang="en-US" altLang="ko-KR" dirty="0" err="1"/>
+              <a:t>const</a:t>
+            </a:r>
+            <a:r>
+              <a:rPr lang="en-US" altLang="ko-KR" dirty="0"/>
+              <a:t> string name, </a:t>
+            </a:r>
+            <a:r>
+              <a:rPr lang="en-US" altLang="ko-KR" dirty="0" err="1"/>
+              <a:t>const</a:t>
+            </a:r>
+            <a:r>
+              <a:rPr lang="en-US" altLang="ko-KR" dirty="0"/>
+              <a:t> string </a:t>
+            </a:r>
+            <a:r>
+              <a:rPr lang="en-US" altLang="ko-KR" dirty="0" err="1"/>
+              <a:t>addr</a:t>
+            </a:r>
+            <a:r>
+              <a:rPr lang="en-US" altLang="ko-KR" dirty="0"/>
+              <a:t>, </a:t>
+            </a:r>
+            <a:r>
+              <a:rPr lang="en-US" altLang="ko-KR" dirty="0" err="1"/>
+              <a:t>const</a:t>
+            </a:r>
+            <a:r>
+              <a:rPr lang="en-US" altLang="ko-KR" dirty="0"/>
+              <a:t> string </a:t>
+            </a:r>
+            <a:r>
+              <a:rPr lang="en-US" altLang="ko-KR" dirty="0" err="1"/>
+              <a:t>tel</a:t>
+            </a:r>
+            <a:r>
+              <a:rPr lang="en-US" altLang="ko-KR" dirty="0"/>
+              <a:t>, </a:t>
+            </a:r>
+            <a:r>
+              <a:rPr lang="en-US" altLang="ko-KR" dirty="0" err="1"/>
+              <a:t>const</a:t>
+            </a:r>
+            <a:r>
+              <a:rPr lang="en-US" altLang="ko-KR" dirty="0"/>
+              <a:t> double </a:t>
+            </a:r>
+            <a:r>
+              <a:rPr lang="en-US" altLang="ko-KR" dirty="0" err="1"/>
+              <a:t>kor</a:t>
+            </a:r>
+            <a:r>
+              <a:rPr lang="en-US" altLang="ko-KR" dirty="0"/>
+              <a:t>, </a:t>
+            </a:r>
+            <a:r>
+              <a:rPr lang="en-US" altLang="ko-KR" dirty="0" err="1"/>
+              <a:t>const</a:t>
+            </a:r>
+            <a:r>
+              <a:rPr lang="en-US" altLang="ko-KR" dirty="0"/>
+              <a:t> double  </a:t>
+            </a:r>
+            <a:r>
+              <a:rPr lang="en-US" altLang="ko-KR" dirty="0" err="1"/>
+              <a:t>mus</a:t>
+            </a:r>
+            <a:r>
+              <a:rPr lang="en-US" altLang="ko-KR" dirty="0"/>
+              <a:t>, </a:t>
+            </a:r>
+            <a:r>
+              <a:rPr lang="en-US" altLang="ko-KR" dirty="0" err="1"/>
+              <a:t>const</a:t>
+            </a:r>
+            <a:r>
+              <a:rPr lang="en-US" altLang="ko-KR" dirty="0"/>
+              <a:t> double art);</a:t>
+            </a:r>
+          </a:p>
+          <a:p>
+            <a:r>
+              <a:rPr lang="en-US" altLang="ko-KR" dirty="0"/>
+              <a:t>	void </a:t>
+            </a:r>
+            <a:r>
+              <a:rPr lang="en-US" altLang="ko-KR" dirty="0" err="1"/>
+              <a:t>SetScore</a:t>
+            </a:r>
+            <a:r>
+              <a:rPr lang="en-US" altLang="ko-KR" dirty="0"/>
+              <a:t>(</a:t>
+            </a:r>
+            <a:r>
+              <a:rPr lang="en-US" altLang="ko-KR" dirty="0" err="1"/>
+              <a:t>const</a:t>
+            </a:r>
+            <a:r>
+              <a:rPr lang="en-US" altLang="ko-KR" dirty="0"/>
+              <a:t> double </a:t>
+            </a:r>
+            <a:r>
+              <a:rPr lang="en-US" altLang="ko-KR" dirty="0" err="1"/>
+              <a:t>kor</a:t>
+            </a:r>
+            <a:r>
+              <a:rPr lang="en-US" altLang="ko-KR" dirty="0"/>
+              <a:t>, </a:t>
+            </a:r>
+            <a:r>
+              <a:rPr lang="en-US" altLang="ko-KR" dirty="0" err="1"/>
+              <a:t>const</a:t>
+            </a:r>
+            <a:r>
+              <a:rPr lang="en-US" altLang="ko-KR" dirty="0"/>
+              <a:t> double </a:t>
+            </a:r>
+            <a:r>
+              <a:rPr lang="en-US" altLang="ko-KR" dirty="0" err="1"/>
+              <a:t>mus</a:t>
+            </a:r>
+            <a:r>
+              <a:rPr lang="en-US" altLang="ko-KR" dirty="0"/>
+              <a:t>, </a:t>
+            </a:r>
+            <a:r>
+              <a:rPr lang="en-US" altLang="ko-KR" dirty="0" err="1"/>
+              <a:t>const</a:t>
+            </a:r>
+            <a:r>
+              <a:rPr lang="en-US" altLang="ko-KR" dirty="0"/>
+              <a:t> double art);</a:t>
+            </a:r>
+          </a:p>
+          <a:p>
+            <a:r>
+              <a:rPr lang="en-US" altLang="ko-KR" dirty="0"/>
+              <a:t>	void </a:t>
+            </a:r>
+            <a:r>
+              <a:rPr lang="en-US" altLang="ko-KR" dirty="0" err="1"/>
+              <a:t>CalTot</a:t>
+            </a:r>
+            <a:r>
+              <a:rPr lang="en-US" altLang="ko-KR" dirty="0"/>
+              <a:t>();</a:t>
+            </a:r>
+          </a:p>
+          <a:p>
+            <a:r>
+              <a:rPr lang="en-US" altLang="ko-KR" dirty="0"/>
+              <a:t>	void </a:t>
+            </a:r>
+            <a:r>
+              <a:rPr lang="en-US" altLang="ko-KR" dirty="0" err="1"/>
+              <a:t>CalAver</a:t>
+            </a:r>
+            <a:r>
+              <a:rPr lang="en-US" altLang="ko-KR" dirty="0"/>
+              <a:t>();</a:t>
+            </a:r>
+          </a:p>
+          <a:p>
+            <a:r>
+              <a:rPr lang="en-US" altLang="ko-KR" dirty="0"/>
+              <a:t>	void  </a:t>
+            </a:r>
+            <a:r>
+              <a:rPr lang="en-US" altLang="ko-KR" dirty="0" err="1"/>
+              <a:t>GetScore</a:t>
+            </a:r>
+            <a:r>
+              <a:rPr lang="en-US" altLang="ko-KR" dirty="0"/>
+              <a:t>(double* s1, double* s2, double* s3);</a:t>
+            </a:r>
+          </a:p>
+          <a:p>
+            <a:r>
+              <a:rPr lang="en-US" altLang="ko-KR" dirty="0"/>
+              <a:t>	double </a:t>
+            </a:r>
+            <a:r>
+              <a:rPr lang="en-US" altLang="ko-KR" dirty="0" err="1"/>
+              <a:t>GetTot</a:t>
+            </a:r>
+            <a:r>
+              <a:rPr lang="en-US" altLang="ko-KR" dirty="0"/>
+              <a:t>();</a:t>
+            </a:r>
+          </a:p>
+          <a:p>
+            <a:r>
+              <a:rPr lang="en-US" altLang="ko-KR" dirty="0"/>
+              <a:t>	double </a:t>
+            </a:r>
+            <a:r>
+              <a:rPr lang="en-US" altLang="ko-KR" dirty="0" err="1"/>
+              <a:t>GetAver</a:t>
+            </a:r>
+            <a:r>
+              <a:rPr lang="en-US" altLang="ko-KR" dirty="0"/>
+              <a:t>();</a:t>
+            </a:r>
+          </a:p>
+          <a:p>
+            <a:r>
+              <a:rPr lang="en-US" altLang="ko-KR" dirty="0"/>
+              <a:t>};</a:t>
+            </a:r>
+          </a:p>
+          <a:p>
+            <a:endParaRPr lang="ko-KR" altLang="en-US" dirty="0"/>
+          </a:p>
+          <a:p>
+            <a:r>
+              <a:rPr lang="en-US" altLang="ko-KR" dirty="0"/>
+              <a:t>#else</a:t>
+            </a:r>
+          </a:p>
+          <a:p>
+            <a:r>
+              <a:rPr lang="en-US" altLang="ko-KR" dirty="0"/>
+              <a:t>#</a:t>
+            </a:r>
+            <a:r>
+              <a:rPr lang="en-US" altLang="ko-KR" dirty="0" err="1"/>
+              <a:t>endif</a:t>
+            </a:r>
+            <a:endParaRPr lang="en-US" altLang="ko-KR" dirty="0"/>
+          </a:p>
+          <a:p>
+            <a:endParaRPr lang="ko-KR" altLang="en-US" dirty="0"/>
+          </a:p>
+          <a:p>
+            <a:endParaRPr lang="ko-KR" altLang="en-US" dirty="0"/>
           </a:p>
         </p:txBody>
       </p:sp>
@@ -48235,19 +54281,966 @@
             <p:ph idx="1"/>
           </p:nvPr>
         </p:nvSpPr>
-        <p:spPr/>
+        <p:spPr>
+          <a:xfrm>
+            <a:off x="251520" y="764704"/>
+            <a:ext cx="4114800" cy="5361459"/>
+          </a:xfrm>
+        </p:spPr>
         <p:txBody>
-          <a:bodyPr/>
+          <a:bodyPr>
+            <a:noAutofit/>
+          </a:bodyPr>
           <a:lstStyle/>
           <a:p>
-            <a:endParaRPr lang="ko-KR" altLang="en-US"/>
+            <a:r>
+              <a:rPr lang="en-US" altLang="ko-KR" sz="1100" dirty="0"/>
+              <a:t>#include "ch11_person.h"</a:t>
+            </a:r>
+          </a:p>
+          <a:p>
+            <a:endParaRPr lang="ko-KR" altLang="en-US" sz="1100" dirty="0"/>
+          </a:p>
+          <a:p>
+            <a:r>
+              <a:rPr lang="en-US" altLang="ko-KR" sz="1100" dirty="0"/>
+              <a:t>Person::Person(){</a:t>
+            </a:r>
+          </a:p>
+          <a:p>
+            <a:r>
+              <a:rPr lang="en-US" altLang="ko-KR" sz="1100" dirty="0"/>
+              <a:t>	name = " ";</a:t>
+            </a:r>
+          </a:p>
+          <a:p>
+            <a:r>
+              <a:rPr lang="en-US" altLang="ko-KR" sz="1100" dirty="0"/>
+              <a:t>	</a:t>
+            </a:r>
+            <a:r>
+              <a:rPr lang="en-US" altLang="ko-KR" sz="1100" dirty="0" err="1"/>
+              <a:t>addr</a:t>
+            </a:r>
+            <a:r>
+              <a:rPr lang="en-US" altLang="ko-KR" sz="1100" dirty="0"/>
+              <a:t> = " ";</a:t>
+            </a:r>
+          </a:p>
+          <a:p>
+            <a:r>
+              <a:rPr lang="en-US" altLang="ko-KR" sz="1100" dirty="0"/>
+              <a:t>	</a:t>
+            </a:r>
+            <a:r>
+              <a:rPr lang="en-US" altLang="ko-KR" sz="1100" dirty="0" err="1"/>
+              <a:t>tel</a:t>
+            </a:r>
+            <a:r>
+              <a:rPr lang="en-US" altLang="ko-KR" sz="1100" dirty="0"/>
+              <a:t> = " ";</a:t>
+            </a:r>
+          </a:p>
+          <a:p>
+            <a:r>
+              <a:rPr lang="en-US" altLang="ko-KR" sz="1100" dirty="0"/>
+              <a:t>}</a:t>
+            </a:r>
+          </a:p>
+          <a:p>
+            <a:r>
+              <a:rPr lang="en-US" altLang="ko-KR" sz="1100" dirty="0"/>
+              <a:t>Person::Person(</a:t>
+            </a:r>
+            <a:r>
+              <a:rPr lang="en-US" altLang="ko-KR" sz="1100" dirty="0" err="1"/>
+              <a:t>const</a:t>
+            </a:r>
+            <a:r>
+              <a:rPr lang="en-US" altLang="ko-KR" sz="1100" dirty="0"/>
+              <a:t> string name, </a:t>
+            </a:r>
+            <a:r>
+              <a:rPr lang="en-US" altLang="ko-KR" sz="1100" dirty="0" err="1"/>
+              <a:t>const</a:t>
+            </a:r>
+            <a:r>
+              <a:rPr lang="en-US" altLang="ko-KR" sz="1100" dirty="0"/>
+              <a:t> string </a:t>
+            </a:r>
+            <a:r>
+              <a:rPr lang="en-US" altLang="ko-KR" sz="1100" dirty="0" err="1"/>
+              <a:t>addr</a:t>
+            </a:r>
+            <a:r>
+              <a:rPr lang="en-US" altLang="ko-KR" sz="1100" dirty="0"/>
+              <a:t>, </a:t>
+            </a:r>
+            <a:r>
+              <a:rPr lang="en-US" altLang="ko-KR" sz="1100" dirty="0" err="1"/>
+              <a:t>const</a:t>
+            </a:r>
+            <a:r>
+              <a:rPr lang="en-US" altLang="ko-KR" sz="1100" dirty="0"/>
+              <a:t> string </a:t>
+            </a:r>
+            <a:r>
+              <a:rPr lang="en-US" altLang="ko-KR" sz="1100" dirty="0" err="1"/>
+              <a:t>tel</a:t>
+            </a:r>
+            <a:r>
+              <a:rPr lang="en-US" altLang="ko-KR" sz="1100" dirty="0"/>
+              <a:t>){</a:t>
+            </a:r>
+          </a:p>
+          <a:p>
+            <a:r>
+              <a:rPr lang="en-US" altLang="ko-KR" sz="1100" dirty="0"/>
+              <a:t>	this-&gt;name = name;</a:t>
+            </a:r>
+          </a:p>
+          <a:p>
+            <a:r>
+              <a:rPr lang="en-US" altLang="ko-KR" sz="1100" dirty="0"/>
+              <a:t>	this-&gt;</a:t>
+            </a:r>
+            <a:r>
+              <a:rPr lang="en-US" altLang="ko-KR" sz="1100" dirty="0" err="1"/>
+              <a:t>addr</a:t>
+            </a:r>
+            <a:r>
+              <a:rPr lang="en-US" altLang="ko-KR" sz="1100" dirty="0"/>
+              <a:t> = </a:t>
+            </a:r>
+            <a:r>
+              <a:rPr lang="en-US" altLang="ko-KR" sz="1100" dirty="0" err="1"/>
+              <a:t>addr</a:t>
+            </a:r>
+            <a:r>
+              <a:rPr lang="en-US" altLang="ko-KR" sz="1100" dirty="0"/>
+              <a:t>;</a:t>
+            </a:r>
+          </a:p>
+          <a:p>
+            <a:r>
+              <a:rPr lang="en-US" altLang="ko-KR" sz="1100" dirty="0"/>
+              <a:t>	this-&gt;</a:t>
+            </a:r>
+            <a:r>
+              <a:rPr lang="en-US" altLang="ko-KR" sz="1100" dirty="0" err="1"/>
+              <a:t>tel</a:t>
+            </a:r>
+            <a:r>
+              <a:rPr lang="en-US" altLang="ko-KR" sz="1100" dirty="0"/>
+              <a:t> = </a:t>
+            </a:r>
+            <a:r>
+              <a:rPr lang="en-US" altLang="ko-KR" sz="1100" dirty="0" err="1"/>
+              <a:t>tel</a:t>
+            </a:r>
+            <a:r>
+              <a:rPr lang="en-US" altLang="ko-KR" sz="1100" dirty="0"/>
+              <a:t>;</a:t>
+            </a:r>
+          </a:p>
+          <a:p>
+            <a:r>
+              <a:rPr lang="en-US" altLang="ko-KR" sz="1100" dirty="0"/>
+              <a:t>}</a:t>
+            </a:r>
+          </a:p>
+          <a:p>
+            <a:r>
+              <a:rPr lang="en-US" altLang="ko-KR" sz="1100" dirty="0"/>
+              <a:t>void Person::</a:t>
+            </a:r>
+            <a:r>
+              <a:rPr lang="en-US" altLang="ko-KR" sz="1100" dirty="0" err="1"/>
+              <a:t>SetVar</a:t>
+            </a:r>
+            <a:r>
+              <a:rPr lang="en-US" altLang="ko-KR" sz="1100" dirty="0"/>
+              <a:t>(</a:t>
+            </a:r>
+            <a:r>
+              <a:rPr lang="en-US" altLang="ko-KR" sz="1100" dirty="0" err="1"/>
+              <a:t>const</a:t>
+            </a:r>
+            <a:r>
+              <a:rPr lang="en-US" altLang="ko-KR" sz="1100" dirty="0"/>
+              <a:t> string name, </a:t>
+            </a:r>
+            <a:r>
+              <a:rPr lang="en-US" altLang="ko-KR" sz="1100" dirty="0" err="1"/>
+              <a:t>const</a:t>
+            </a:r>
+            <a:r>
+              <a:rPr lang="en-US" altLang="ko-KR" sz="1100" dirty="0"/>
+              <a:t> string </a:t>
+            </a:r>
+            <a:r>
+              <a:rPr lang="en-US" altLang="ko-KR" sz="1100" dirty="0" err="1"/>
+              <a:t>addr</a:t>
+            </a:r>
+            <a:r>
+              <a:rPr lang="en-US" altLang="ko-KR" sz="1100" dirty="0"/>
+              <a:t>, </a:t>
+            </a:r>
+            <a:r>
+              <a:rPr lang="en-US" altLang="ko-KR" sz="1100" dirty="0" err="1"/>
+              <a:t>const</a:t>
+            </a:r>
+            <a:r>
+              <a:rPr lang="en-US" altLang="ko-KR" sz="1100" dirty="0"/>
+              <a:t> string </a:t>
+            </a:r>
+            <a:r>
+              <a:rPr lang="en-US" altLang="ko-KR" sz="1100" dirty="0" err="1"/>
+              <a:t>tel</a:t>
+            </a:r>
+            <a:r>
+              <a:rPr lang="en-US" altLang="ko-KR" sz="1100" dirty="0"/>
+              <a:t>){</a:t>
+            </a:r>
+          </a:p>
+          <a:p>
+            <a:r>
+              <a:rPr lang="en-US" altLang="ko-KR" sz="1100" dirty="0"/>
+              <a:t>	this-&gt;name = name;</a:t>
+            </a:r>
+          </a:p>
+          <a:p>
+            <a:r>
+              <a:rPr lang="en-US" altLang="ko-KR" sz="1100" dirty="0"/>
+              <a:t>	this-&gt;</a:t>
+            </a:r>
+            <a:r>
+              <a:rPr lang="en-US" altLang="ko-KR" sz="1100" dirty="0" err="1"/>
+              <a:t>addr</a:t>
+            </a:r>
+            <a:r>
+              <a:rPr lang="en-US" altLang="ko-KR" sz="1100" dirty="0"/>
+              <a:t> = </a:t>
+            </a:r>
+            <a:r>
+              <a:rPr lang="en-US" altLang="ko-KR" sz="1100" dirty="0" err="1"/>
+              <a:t>addr</a:t>
+            </a:r>
+            <a:r>
+              <a:rPr lang="en-US" altLang="ko-KR" sz="1100" dirty="0"/>
+              <a:t>;</a:t>
+            </a:r>
+          </a:p>
+          <a:p>
+            <a:r>
+              <a:rPr lang="en-US" altLang="ko-KR" sz="1100" dirty="0"/>
+              <a:t>	this-&gt;</a:t>
+            </a:r>
+            <a:r>
+              <a:rPr lang="en-US" altLang="ko-KR" sz="1100" dirty="0" err="1"/>
+              <a:t>tel</a:t>
+            </a:r>
+            <a:r>
+              <a:rPr lang="en-US" altLang="ko-KR" sz="1100" dirty="0"/>
+              <a:t> = </a:t>
+            </a:r>
+            <a:r>
+              <a:rPr lang="en-US" altLang="ko-KR" sz="1100" dirty="0" err="1"/>
+              <a:t>tel</a:t>
+            </a:r>
+            <a:r>
+              <a:rPr lang="en-US" altLang="ko-KR" sz="1100" dirty="0"/>
+              <a:t>;</a:t>
+            </a:r>
+          </a:p>
+          <a:p>
+            <a:r>
+              <a:rPr lang="en-US" altLang="ko-KR" sz="1100" dirty="0"/>
+              <a:t>}</a:t>
+            </a:r>
+          </a:p>
+          <a:p>
+            <a:r>
+              <a:rPr lang="en-US" altLang="ko-KR" sz="1100" dirty="0"/>
+              <a:t>string Person::</a:t>
+            </a:r>
+            <a:r>
+              <a:rPr lang="en-US" altLang="ko-KR" sz="1100" dirty="0" err="1"/>
+              <a:t>GetName</a:t>
+            </a:r>
+            <a:r>
+              <a:rPr lang="en-US" altLang="ko-KR" sz="1100" dirty="0"/>
+              <a:t>(){</a:t>
+            </a:r>
+          </a:p>
+          <a:p>
+            <a:r>
+              <a:rPr lang="en-US" altLang="ko-KR" sz="1100" dirty="0"/>
+              <a:t>	return name;</a:t>
+            </a:r>
+          </a:p>
+          <a:p>
+            <a:r>
+              <a:rPr lang="en-US" altLang="ko-KR" sz="1100" dirty="0"/>
+              <a:t>}</a:t>
+            </a:r>
+          </a:p>
+          <a:p>
+            <a:r>
+              <a:rPr lang="en-US" altLang="ko-KR" sz="1100" dirty="0"/>
+              <a:t>string Person::</a:t>
+            </a:r>
+            <a:r>
+              <a:rPr lang="en-US" altLang="ko-KR" sz="1100" dirty="0" err="1"/>
+              <a:t>GetAddr</a:t>
+            </a:r>
+            <a:r>
+              <a:rPr lang="en-US" altLang="ko-KR" sz="1100" dirty="0"/>
+              <a:t>(){</a:t>
+            </a:r>
+          </a:p>
+          <a:p>
+            <a:r>
+              <a:rPr lang="en-US" altLang="ko-KR" sz="1100" dirty="0"/>
+              <a:t>	return </a:t>
+            </a:r>
+            <a:r>
+              <a:rPr lang="en-US" altLang="ko-KR" sz="1100" dirty="0" err="1"/>
+              <a:t>addr</a:t>
+            </a:r>
+            <a:r>
+              <a:rPr lang="en-US" altLang="ko-KR" sz="1100" dirty="0"/>
+              <a:t>;</a:t>
+            </a:r>
+          </a:p>
+          <a:p>
+            <a:r>
+              <a:rPr lang="en-US" altLang="ko-KR" sz="1100" dirty="0"/>
+              <a:t>}</a:t>
+            </a:r>
+          </a:p>
+          <a:p>
+            <a:r>
+              <a:rPr lang="en-US" altLang="ko-KR" sz="1100" dirty="0"/>
+              <a:t>string Person::</a:t>
+            </a:r>
+            <a:r>
+              <a:rPr lang="en-US" altLang="ko-KR" sz="1100" dirty="0" err="1"/>
+              <a:t>GetPhoneNum</a:t>
+            </a:r>
+            <a:r>
+              <a:rPr lang="en-US" altLang="ko-KR" sz="1100" dirty="0"/>
+              <a:t>(){</a:t>
+            </a:r>
+          </a:p>
+          <a:p>
+            <a:r>
+              <a:rPr lang="en-US" altLang="ko-KR" sz="1100" dirty="0"/>
+              <a:t>	return </a:t>
+            </a:r>
+            <a:r>
+              <a:rPr lang="en-US" altLang="ko-KR" sz="1100" dirty="0" err="1"/>
+              <a:t>tel</a:t>
+            </a:r>
+            <a:r>
+              <a:rPr lang="en-US" altLang="ko-KR" sz="1100" dirty="0"/>
+              <a:t>;</a:t>
+            </a:r>
+          </a:p>
+          <a:p>
+            <a:r>
+              <a:rPr lang="en-US" altLang="ko-KR" sz="1100" dirty="0"/>
+              <a:t>}</a:t>
+            </a:r>
+            <a:endParaRPr lang="ko-KR" altLang="en-US" sz="1100" dirty="0"/>
+          </a:p>
+        </p:txBody>
+      </p:sp>
+      <p:sp>
+        <p:nvSpPr>
+          <p:cNvPr id="4" name="내용 개체 틀 2"/>
+          <p:cNvSpPr txBox="1">
+            <a:spLocks/>
+          </p:cNvSpPr>
+          <p:nvPr/>
+        </p:nvSpPr>
+        <p:spPr>
+          <a:xfrm>
+            <a:off x="4518720" y="764704"/>
+            <a:ext cx="4114800" cy="5361459"/>
+          </a:xfrm>
+          <a:prstGeom prst="rect">
+            <a:avLst/>
+          </a:prstGeom>
+        </p:spPr>
+        <p:txBody>
+          <a:bodyPr vert="horz" lIns="91440" tIns="45720" rIns="91440" bIns="45720" rtlCol="0">
+            <a:noAutofit/>
+          </a:bodyPr>
+          <a:lstStyle>
+            <a:lvl1pPr marL="0" indent="0" algn="l" defTabSz="914400" rtl="0" eaLnBrk="1" latinLnBrk="1" hangingPunct="1">
+              <a:spcBef>
+                <a:spcPct val="20000"/>
+              </a:spcBef>
+              <a:buFont typeface="Arial" pitchFamily="34" charset="0"/>
+              <a:buNone/>
+              <a:defRPr sz="1800" kern="1200">
+                <a:solidFill>
+                  <a:schemeClr val="tx1"/>
+                </a:solidFill>
+                <a:latin typeface="배달의민족 한나체 Air" panose="020B0600000101010101" pitchFamily="50" charset="-127"/>
+                <a:ea typeface="배달의민족 한나체 Air" panose="020B0600000101010101" pitchFamily="50" charset="-127"/>
+                <a:cs typeface="+mn-cs"/>
+              </a:defRPr>
+            </a:lvl1pPr>
+            <a:lvl2pPr marL="457200" indent="0" algn="l" defTabSz="914400" rtl="0" eaLnBrk="1" latinLnBrk="1" hangingPunct="1">
+              <a:spcBef>
+                <a:spcPct val="20000"/>
+              </a:spcBef>
+              <a:buFont typeface="Arial" pitchFamily="34" charset="0"/>
+              <a:buNone/>
+              <a:defRPr sz="1600" kern="1200">
+                <a:solidFill>
+                  <a:schemeClr val="tx1"/>
+                </a:solidFill>
+                <a:latin typeface="배달의민족 한나체 Air" panose="020B0600000101010101" pitchFamily="50" charset="-127"/>
+                <a:ea typeface="배달의민족 한나체 Air" panose="020B0600000101010101" pitchFamily="50" charset="-127"/>
+                <a:cs typeface="+mn-cs"/>
+              </a:defRPr>
+            </a:lvl2pPr>
+            <a:lvl3pPr marL="914400" indent="0" algn="l" defTabSz="914400" rtl="0" eaLnBrk="1" latinLnBrk="1" hangingPunct="1">
+              <a:spcBef>
+                <a:spcPct val="20000"/>
+              </a:spcBef>
+              <a:buFont typeface="Arial" pitchFamily="34" charset="0"/>
+              <a:buNone/>
+              <a:defRPr sz="1400" kern="1200">
+                <a:solidFill>
+                  <a:schemeClr val="tx1"/>
+                </a:solidFill>
+                <a:latin typeface="배달의민족 한나체 Air" panose="020B0600000101010101" pitchFamily="50" charset="-127"/>
+                <a:ea typeface="배달의민족 한나체 Air" panose="020B0600000101010101" pitchFamily="50" charset="-127"/>
+                <a:cs typeface="+mn-cs"/>
+              </a:defRPr>
+            </a:lvl3pPr>
+            <a:lvl4pPr marL="1371600" indent="0" algn="l" defTabSz="914400" rtl="0" eaLnBrk="1" latinLnBrk="1" hangingPunct="1">
+              <a:spcBef>
+                <a:spcPct val="20000"/>
+              </a:spcBef>
+              <a:buFont typeface="Arial" pitchFamily="34" charset="0"/>
+              <a:buNone/>
+              <a:defRPr sz="1200" kern="1200">
+                <a:solidFill>
+                  <a:schemeClr val="tx1"/>
+                </a:solidFill>
+                <a:latin typeface="배달의민족 한나체 Air" panose="020B0600000101010101" pitchFamily="50" charset="-127"/>
+                <a:ea typeface="배달의민족 한나체 Air" panose="020B0600000101010101" pitchFamily="50" charset="-127"/>
+                <a:cs typeface="+mn-cs"/>
+              </a:defRPr>
+            </a:lvl4pPr>
+            <a:lvl5pPr marL="1828800" indent="0" algn="l" defTabSz="914400" rtl="0" eaLnBrk="1" latinLnBrk="1" hangingPunct="1">
+              <a:spcBef>
+                <a:spcPct val="20000"/>
+              </a:spcBef>
+              <a:buFont typeface="Arial" pitchFamily="34" charset="0"/>
+              <a:buNone/>
+              <a:defRPr sz="1200" kern="1200">
+                <a:solidFill>
+                  <a:schemeClr val="tx1"/>
+                </a:solidFill>
+                <a:latin typeface="배달의민족 한나체 Air" panose="020B0600000101010101" pitchFamily="50" charset="-127"/>
+                <a:ea typeface="배달의민족 한나체 Air" panose="020B0600000101010101" pitchFamily="50" charset="-127"/>
+                <a:cs typeface="+mn-cs"/>
+              </a:defRPr>
+            </a:lvl5pPr>
+            <a:lvl6pPr marL="2514600" indent="-228600" algn="l" defTabSz="914400" rtl="0" eaLnBrk="1" latinLnBrk="1" hangingPunct="1">
+              <a:spcBef>
+                <a:spcPct val="20000"/>
+              </a:spcBef>
+              <a:buFont typeface="Arial" pitchFamily="34" charset="0"/>
+              <a:buChar char="•"/>
+              <a:defRPr sz="2000" kern="1200">
+                <a:solidFill>
+                  <a:schemeClr val="tx1"/>
+                </a:solidFill>
+                <a:latin typeface="+mn-lt"/>
+                <a:ea typeface="+mn-ea"/>
+                <a:cs typeface="+mn-cs"/>
+              </a:defRPr>
+            </a:lvl6pPr>
+            <a:lvl7pPr marL="2971800" indent="-228600" algn="l" defTabSz="914400" rtl="0" eaLnBrk="1" latinLnBrk="1" hangingPunct="1">
+              <a:spcBef>
+                <a:spcPct val="20000"/>
+              </a:spcBef>
+              <a:buFont typeface="Arial" pitchFamily="34" charset="0"/>
+              <a:buChar char="•"/>
+              <a:defRPr sz="2000" kern="1200">
+                <a:solidFill>
+                  <a:schemeClr val="tx1"/>
+                </a:solidFill>
+                <a:latin typeface="+mn-lt"/>
+                <a:ea typeface="+mn-ea"/>
+                <a:cs typeface="+mn-cs"/>
+              </a:defRPr>
+            </a:lvl7pPr>
+            <a:lvl8pPr marL="3429000" indent="-228600" algn="l" defTabSz="914400" rtl="0" eaLnBrk="1" latinLnBrk="1" hangingPunct="1">
+              <a:spcBef>
+                <a:spcPct val="20000"/>
+              </a:spcBef>
+              <a:buFont typeface="Arial" pitchFamily="34" charset="0"/>
+              <a:buChar char="•"/>
+              <a:defRPr sz="2000" kern="1200">
+                <a:solidFill>
+                  <a:schemeClr val="tx1"/>
+                </a:solidFill>
+                <a:latin typeface="+mn-lt"/>
+                <a:ea typeface="+mn-ea"/>
+                <a:cs typeface="+mn-cs"/>
+              </a:defRPr>
+            </a:lvl8pPr>
+            <a:lvl9pPr marL="3886200" indent="-228600" algn="l" defTabSz="914400" rtl="0" eaLnBrk="1" latinLnBrk="1" hangingPunct="1">
+              <a:spcBef>
+                <a:spcPct val="20000"/>
+              </a:spcBef>
+              <a:buFont typeface="Arial" pitchFamily="34" charset="0"/>
+              <a:buChar char="•"/>
+              <a:defRPr sz="2000" kern="1200">
+                <a:solidFill>
+                  <a:schemeClr val="tx1"/>
+                </a:solidFill>
+                <a:latin typeface="+mn-lt"/>
+                <a:ea typeface="+mn-ea"/>
+                <a:cs typeface="+mn-cs"/>
+              </a:defRPr>
+            </a:lvl9pPr>
+          </a:lstStyle>
+          <a:p>
+            <a:r>
+              <a:rPr lang="en-US" altLang="ko-KR" sz="900" dirty="0"/>
+              <a:t>Student::Student(){</a:t>
+            </a:r>
+          </a:p>
+          <a:p>
+            <a:r>
+              <a:rPr lang="en-US" altLang="ko-KR" sz="900" dirty="0"/>
+              <a:t>	score[0] = score[1] = score[2] = 0;</a:t>
+            </a:r>
+          </a:p>
+          <a:p>
+            <a:r>
+              <a:rPr lang="en-US" altLang="ko-KR" sz="900" dirty="0"/>
+              <a:t>	tot = 0;</a:t>
+            </a:r>
+          </a:p>
+          <a:p>
+            <a:r>
+              <a:rPr lang="en-US" altLang="ko-KR" sz="900" dirty="0"/>
+              <a:t>	aver = 0;</a:t>
+            </a:r>
+          </a:p>
+          <a:p>
+            <a:r>
+              <a:rPr lang="en-US" altLang="ko-KR" sz="900" dirty="0"/>
+              <a:t>}</a:t>
+            </a:r>
+          </a:p>
+          <a:p>
+            <a:r>
+              <a:rPr lang="en-US" altLang="ko-KR" sz="900" dirty="0"/>
+              <a:t>Student::Student(</a:t>
+            </a:r>
+            <a:r>
+              <a:rPr lang="en-US" altLang="ko-KR" sz="900" dirty="0" err="1"/>
+              <a:t>const</a:t>
+            </a:r>
+            <a:r>
+              <a:rPr lang="en-US" altLang="ko-KR" sz="900" dirty="0"/>
+              <a:t> string name, </a:t>
+            </a:r>
+            <a:r>
+              <a:rPr lang="en-US" altLang="ko-KR" sz="900" dirty="0" err="1"/>
+              <a:t>const</a:t>
+            </a:r>
+            <a:r>
+              <a:rPr lang="en-US" altLang="ko-KR" sz="900" dirty="0"/>
+              <a:t> string </a:t>
+            </a:r>
+            <a:r>
+              <a:rPr lang="en-US" altLang="ko-KR" sz="900" dirty="0" err="1"/>
+              <a:t>addr</a:t>
+            </a:r>
+            <a:r>
+              <a:rPr lang="en-US" altLang="ko-KR" sz="900" dirty="0"/>
+              <a:t>, </a:t>
+            </a:r>
+            <a:r>
+              <a:rPr lang="en-US" altLang="ko-KR" sz="900" dirty="0" err="1"/>
+              <a:t>const</a:t>
+            </a:r>
+            <a:r>
+              <a:rPr lang="en-US" altLang="ko-KR" sz="900" dirty="0"/>
+              <a:t> string </a:t>
+            </a:r>
+            <a:r>
+              <a:rPr lang="en-US" altLang="ko-KR" sz="900" dirty="0" err="1"/>
+              <a:t>tel</a:t>
+            </a:r>
+            <a:r>
+              <a:rPr lang="en-US" altLang="ko-KR" sz="900" dirty="0"/>
+              <a:t>, </a:t>
+            </a:r>
+            <a:r>
+              <a:rPr lang="en-US" altLang="ko-KR" sz="900" dirty="0" err="1"/>
+              <a:t>const</a:t>
+            </a:r>
+            <a:r>
+              <a:rPr lang="en-US" altLang="ko-KR" sz="900" dirty="0"/>
+              <a:t> double </a:t>
+            </a:r>
+            <a:r>
+              <a:rPr lang="en-US" altLang="ko-KR" sz="900" dirty="0" err="1"/>
+              <a:t>kor</a:t>
+            </a:r>
+            <a:r>
+              <a:rPr lang="en-US" altLang="ko-KR" sz="900" dirty="0"/>
+              <a:t>, </a:t>
+            </a:r>
+            <a:r>
+              <a:rPr lang="en-US" altLang="ko-KR" sz="900" dirty="0" err="1"/>
+              <a:t>const</a:t>
+            </a:r>
+            <a:r>
+              <a:rPr lang="en-US" altLang="ko-KR" sz="900" dirty="0"/>
+              <a:t> double </a:t>
+            </a:r>
+            <a:r>
+              <a:rPr lang="en-US" altLang="ko-KR" sz="900" dirty="0" err="1"/>
+              <a:t>mus</a:t>
+            </a:r>
+            <a:r>
+              <a:rPr lang="en-US" altLang="ko-KR" sz="900" dirty="0"/>
+              <a:t>, </a:t>
+            </a:r>
+            <a:r>
+              <a:rPr lang="en-US" altLang="ko-KR" sz="900" dirty="0" err="1"/>
+              <a:t>const</a:t>
+            </a:r>
+            <a:r>
+              <a:rPr lang="en-US" altLang="ko-KR" sz="900" dirty="0"/>
+              <a:t> double art)</a:t>
+            </a:r>
+          </a:p>
+          <a:p>
+            <a:r>
+              <a:rPr lang="en-US" altLang="ko-KR" sz="900" dirty="0"/>
+              <a:t>: Person(name, </a:t>
+            </a:r>
+            <a:r>
+              <a:rPr lang="en-US" altLang="ko-KR" sz="900" dirty="0" err="1"/>
+              <a:t>addr</a:t>
+            </a:r>
+            <a:r>
+              <a:rPr lang="en-US" altLang="ko-KR" sz="900" dirty="0"/>
+              <a:t>, </a:t>
+            </a:r>
+            <a:r>
+              <a:rPr lang="en-US" altLang="ko-KR" sz="900" dirty="0" err="1"/>
+              <a:t>tel</a:t>
+            </a:r>
+            <a:r>
+              <a:rPr lang="en-US" altLang="ko-KR" sz="900" dirty="0"/>
+              <a:t>)</a:t>
+            </a:r>
+          </a:p>
+          <a:p>
+            <a:r>
+              <a:rPr lang="en-US" altLang="ko-KR" sz="900" dirty="0"/>
+              <a:t>{</a:t>
+            </a:r>
+          </a:p>
+          <a:p>
+            <a:r>
+              <a:rPr lang="en-US" altLang="ko-KR" sz="900" dirty="0"/>
+              <a:t>	score[0] = </a:t>
+            </a:r>
+            <a:r>
+              <a:rPr lang="en-US" altLang="ko-KR" sz="900" dirty="0" err="1"/>
+              <a:t>kor</a:t>
+            </a:r>
+            <a:r>
+              <a:rPr lang="en-US" altLang="ko-KR" sz="900" dirty="0"/>
+              <a:t>;</a:t>
+            </a:r>
+          </a:p>
+          <a:p>
+            <a:r>
+              <a:rPr lang="en-US" altLang="ko-KR" sz="900" dirty="0"/>
+              <a:t>	score[1] = </a:t>
+            </a:r>
+            <a:r>
+              <a:rPr lang="en-US" altLang="ko-KR" sz="900" dirty="0" err="1"/>
+              <a:t>mus</a:t>
+            </a:r>
+            <a:r>
+              <a:rPr lang="en-US" altLang="ko-KR" sz="900" dirty="0"/>
+              <a:t>;</a:t>
+            </a:r>
+          </a:p>
+          <a:p>
+            <a:r>
+              <a:rPr lang="en-US" altLang="ko-KR" sz="900" dirty="0"/>
+              <a:t>	score[2] = art;</a:t>
+            </a:r>
+          </a:p>
+          <a:p>
+            <a:r>
+              <a:rPr lang="en-US" altLang="ko-KR" sz="900" dirty="0"/>
+              <a:t>}</a:t>
+            </a:r>
+          </a:p>
+          <a:p>
+            <a:r>
+              <a:rPr lang="en-US" altLang="ko-KR" sz="900" dirty="0"/>
+              <a:t>void Student::</a:t>
+            </a:r>
+            <a:r>
+              <a:rPr lang="en-US" altLang="ko-KR" sz="900" dirty="0" err="1"/>
+              <a:t>SetScore</a:t>
+            </a:r>
+            <a:r>
+              <a:rPr lang="en-US" altLang="ko-KR" sz="900" dirty="0"/>
+              <a:t>(</a:t>
+            </a:r>
+            <a:r>
+              <a:rPr lang="en-US" altLang="ko-KR" sz="900" dirty="0" err="1"/>
+              <a:t>const</a:t>
+            </a:r>
+            <a:r>
+              <a:rPr lang="en-US" altLang="ko-KR" sz="900" dirty="0"/>
+              <a:t> double </a:t>
+            </a:r>
+            <a:r>
+              <a:rPr lang="en-US" altLang="ko-KR" sz="900" dirty="0" err="1"/>
+              <a:t>kor</a:t>
+            </a:r>
+            <a:r>
+              <a:rPr lang="en-US" altLang="ko-KR" sz="900" dirty="0"/>
+              <a:t>, </a:t>
+            </a:r>
+            <a:r>
+              <a:rPr lang="en-US" altLang="ko-KR" sz="900" dirty="0" err="1"/>
+              <a:t>const</a:t>
+            </a:r>
+            <a:r>
+              <a:rPr lang="en-US" altLang="ko-KR" sz="900" dirty="0"/>
+              <a:t> double </a:t>
+            </a:r>
+            <a:r>
+              <a:rPr lang="en-US" altLang="ko-KR" sz="900" dirty="0" err="1"/>
+              <a:t>mus</a:t>
+            </a:r>
+            <a:r>
+              <a:rPr lang="en-US" altLang="ko-KR" sz="900" dirty="0"/>
+              <a:t>, </a:t>
+            </a:r>
+            <a:r>
+              <a:rPr lang="en-US" altLang="ko-KR" sz="900" dirty="0" err="1"/>
+              <a:t>const</a:t>
+            </a:r>
+            <a:r>
+              <a:rPr lang="en-US" altLang="ko-KR" sz="900" dirty="0"/>
+              <a:t> double art){</a:t>
+            </a:r>
+          </a:p>
+          <a:p>
+            <a:r>
+              <a:rPr lang="en-US" altLang="ko-KR" sz="900" dirty="0"/>
+              <a:t>	score[0] = </a:t>
+            </a:r>
+            <a:r>
+              <a:rPr lang="en-US" altLang="ko-KR" sz="900" dirty="0" err="1"/>
+              <a:t>kor</a:t>
+            </a:r>
+            <a:r>
+              <a:rPr lang="en-US" altLang="ko-KR" sz="900" dirty="0"/>
+              <a:t>;</a:t>
+            </a:r>
+          </a:p>
+          <a:p>
+            <a:r>
+              <a:rPr lang="en-US" altLang="ko-KR" sz="900" dirty="0"/>
+              <a:t>	score[1] = </a:t>
+            </a:r>
+            <a:r>
+              <a:rPr lang="en-US" altLang="ko-KR" sz="900" dirty="0" err="1"/>
+              <a:t>mus</a:t>
+            </a:r>
+            <a:r>
+              <a:rPr lang="en-US" altLang="ko-KR" sz="900" dirty="0"/>
+              <a:t>;</a:t>
+            </a:r>
+          </a:p>
+          <a:p>
+            <a:r>
+              <a:rPr lang="en-US" altLang="ko-KR" sz="900" dirty="0"/>
+              <a:t>	score[2] = art;</a:t>
+            </a:r>
+          </a:p>
+          <a:p>
+            <a:r>
+              <a:rPr lang="en-US" altLang="ko-KR" sz="900" dirty="0"/>
+              <a:t>}</a:t>
+            </a:r>
+          </a:p>
+          <a:p>
+            <a:r>
+              <a:rPr lang="en-US" altLang="ko-KR" sz="900" dirty="0"/>
+              <a:t>void Student::</a:t>
+            </a:r>
+            <a:r>
+              <a:rPr lang="en-US" altLang="ko-KR" sz="900" dirty="0" err="1"/>
+              <a:t>CalTot</a:t>
+            </a:r>
+            <a:r>
+              <a:rPr lang="en-US" altLang="ko-KR" sz="900" dirty="0"/>
+              <a:t>(){</a:t>
+            </a:r>
+          </a:p>
+          <a:p>
+            <a:r>
+              <a:rPr lang="en-US" altLang="ko-KR" sz="900" dirty="0"/>
+              <a:t>		tot = score[0] + score[1] + score[2];</a:t>
+            </a:r>
+          </a:p>
+          <a:p>
+            <a:r>
+              <a:rPr lang="en-US" altLang="ko-KR" sz="900" dirty="0"/>
+              <a:t>}</a:t>
+            </a:r>
+          </a:p>
+          <a:p>
+            <a:r>
+              <a:rPr lang="en-US" altLang="ko-KR" sz="900" dirty="0"/>
+              <a:t>void Student::</a:t>
+            </a:r>
+            <a:r>
+              <a:rPr lang="en-US" altLang="ko-KR" sz="900" dirty="0" err="1"/>
+              <a:t>CalAver</a:t>
+            </a:r>
+            <a:r>
+              <a:rPr lang="en-US" altLang="ko-KR" sz="900" dirty="0"/>
+              <a:t>(){</a:t>
+            </a:r>
+          </a:p>
+          <a:p>
+            <a:r>
+              <a:rPr lang="en-US" altLang="ko-KR" sz="900" dirty="0"/>
+              <a:t>	aver = tot/3;</a:t>
+            </a:r>
+          </a:p>
+          <a:p>
+            <a:r>
+              <a:rPr lang="en-US" altLang="ko-KR" sz="900" dirty="0"/>
+              <a:t>}</a:t>
+            </a:r>
+          </a:p>
+          <a:p>
+            <a:r>
+              <a:rPr lang="en-US" altLang="ko-KR" sz="900" dirty="0"/>
+              <a:t>void Student::</a:t>
+            </a:r>
+            <a:r>
+              <a:rPr lang="en-US" altLang="ko-KR" sz="900" dirty="0" err="1"/>
+              <a:t>GetScore</a:t>
+            </a:r>
+            <a:r>
+              <a:rPr lang="en-US" altLang="ko-KR" sz="900" dirty="0"/>
+              <a:t>(double* s1, double* s2, double* s3){</a:t>
+            </a:r>
+          </a:p>
+          <a:p>
+            <a:r>
+              <a:rPr lang="en-US" altLang="ko-KR" sz="900" dirty="0"/>
+              <a:t>	*s1 = score[0];</a:t>
+            </a:r>
+          </a:p>
+          <a:p>
+            <a:r>
+              <a:rPr lang="en-US" altLang="ko-KR" sz="900" dirty="0"/>
+              <a:t>	*s2 = score[1];</a:t>
+            </a:r>
+          </a:p>
+          <a:p>
+            <a:r>
+              <a:rPr lang="en-US" altLang="ko-KR" sz="900" dirty="0"/>
+              <a:t>	*s3 = score[2];</a:t>
+            </a:r>
+          </a:p>
+          <a:p>
+            <a:r>
+              <a:rPr lang="en-US" altLang="ko-KR" sz="900" dirty="0"/>
+              <a:t>}</a:t>
+            </a:r>
+          </a:p>
+          <a:p>
+            <a:r>
+              <a:rPr lang="en-US" altLang="ko-KR" sz="900" dirty="0"/>
+              <a:t>double Student::</a:t>
+            </a:r>
+            <a:r>
+              <a:rPr lang="en-US" altLang="ko-KR" sz="900" dirty="0" err="1"/>
+              <a:t>GetTot</a:t>
+            </a:r>
+            <a:r>
+              <a:rPr lang="en-US" altLang="ko-KR" sz="900" dirty="0"/>
+              <a:t>(){</a:t>
+            </a:r>
+          </a:p>
+          <a:p>
+            <a:r>
+              <a:rPr lang="en-US" altLang="ko-KR" sz="900" dirty="0"/>
+              <a:t>	return tot;</a:t>
+            </a:r>
+          </a:p>
+          <a:p>
+            <a:r>
+              <a:rPr lang="en-US" altLang="ko-KR" sz="900" dirty="0"/>
+              <a:t>}</a:t>
+            </a:r>
+          </a:p>
+          <a:p>
+            <a:r>
+              <a:rPr lang="en-US" altLang="ko-KR" sz="900" dirty="0"/>
+              <a:t>double Student::</a:t>
+            </a:r>
+            <a:r>
+              <a:rPr lang="en-US" altLang="ko-KR" sz="900" dirty="0" err="1"/>
+              <a:t>GetAver</a:t>
+            </a:r>
+            <a:r>
+              <a:rPr lang="en-US" altLang="ko-KR" sz="900" dirty="0"/>
+              <a:t>(){</a:t>
+            </a:r>
+          </a:p>
+          <a:p>
+            <a:r>
+              <a:rPr lang="en-US" altLang="ko-KR" sz="900" dirty="0"/>
+              <a:t>	return aver;</a:t>
+            </a:r>
+          </a:p>
+          <a:p>
+            <a:r>
+              <a:rPr lang="en-US" altLang="ko-KR" sz="900" dirty="0"/>
+              <a:t>}</a:t>
+            </a:r>
+            <a:endParaRPr lang="ko-KR" altLang="en-US" sz="900" dirty="0"/>
           </a:p>
         </p:txBody>
       </p:sp>
     </p:spTree>
     <p:extLst>
       <p:ext uri="{BB962C8B-B14F-4D97-AF65-F5344CB8AC3E}">
-        <p14:creationId xmlns:p14="http://schemas.microsoft.com/office/powerpoint/2010/main" val="1311453032"/>
+        <p14:creationId xmlns:p14="http://schemas.microsoft.com/office/powerpoint/2010/main" val="2506914860"/>
       </p:ext>
     </p:extLst>
   </p:cSld>
@@ -48318,11 +55311,953 @@
             <p:ph idx="1"/>
           </p:nvPr>
         </p:nvSpPr>
-        <p:spPr/>
+        <p:spPr>
+          <a:xfrm>
+            <a:off x="251520" y="764704"/>
+            <a:ext cx="4114800" cy="5361459"/>
+          </a:xfrm>
+        </p:spPr>
         <p:txBody>
-          <a:bodyPr/>
+          <a:bodyPr>
+            <a:normAutofit fontScale="70000" lnSpcReduction="20000"/>
+          </a:bodyPr>
           <a:lstStyle/>
           <a:p>
+            <a:r>
+              <a:rPr lang="en-US" altLang="ko-KR" dirty="0"/>
+              <a:t>#include "string"</a:t>
+            </a:r>
+          </a:p>
+          <a:p>
+            <a:r>
+              <a:rPr lang="en-US" altLang="ko-KR" dirty="0" err="1"/>
+              <a:t>int</a:t>
+            </a:r>
+            <a:r>
+              <a:rPr lang="en-US" altLang="ko-KR" dirty="0"/>
+              <a:t> main(){</a:t>
+            </a:r>
+          </a:p>
+          <a:p>
+            <a:r>
+              <a:rPr lang="en-US" altLang="ko-KR" dirty="0"/>
+              <a:t>	string name, </a:t>
+            </a:r>
+            <a:r>
+              <a:rPr lang="en-US" altLang="ko-KR" dirty="0" err="1"/>
+              <a:t>addr</a:t>
+            </a:r>
+            <a:r>
+              <a:rPr lang="en-US" altLang="ko-KR" dirty="0"/>
+              <a:t>, </a:t>
+            </a:r>
+            <a:r>
+              <a:rPr lang="en-US" altLang="ko-KR" dirty="0" err="1"/>
+              <a:t>tel</a:t>
+            </a:r>
+            <a:r>
+              <a:rPr lang="en-US" altLang="ko-KR" dirty="0"/>
+              <a:t>;</a:t>
+            </a:r>
+          </a:p>
+          <a:p>
+            <a:r>
+              <a:rPr lang="en-US" altLang="ko-KR" dirty="0"/>
+              <a:t>	double </a:t>
+            </a:r>
+            <a:r>
+              <a:rPr lang="en-US" altLang="ko-KR" dirty="0" err="1"/>
+              <a:t>kor</a:t>
+            </a:r>
+            <a:r>
+              <a:rPr lang="en-US" altLang="ko-KR" dirty="0"/>
+              <a:t>, </a:t>
+            </a:r>
+            <a:r>
+              <a:rPr lang="en-US" altLang="ko-KR" dirty="0" err="1"/>
+              <a:t>mus</a:t>
+            </a:r>
+            <a:r>
+              <a:rPr lang="en-US" altLang="ko-KR" dirty="0"/>
+              <a:t>, art;</a:t>
+            </a:r>
+          </a:p>
+          <a:p>
+            <a:r>
+              <a:rPr lang="en-US" altLang="ko-KR" dirty="0"/>
+              <a:t>	</a:t>
+            </a:r>
+            <a:r>
+              <a:rPr lang="en-US" altLang="ko-KR" dirty="0" err="1"/>
+              <a:t>fstream</a:t>
+            </a:r>
+            <a:r>
+              <a:rPr lang="en-US" altLang="ko-KR" dirty="0"/>
+              <a:t> output; // </a:t>
+            </a:r>
+            <a:r>
+              <a:rPr lang="ko-KR" altLang="en-US" dirty="0"/>
+              <a:t>파일쓰기객체생성</a:t>
+            </a:r>
+          </a:p>
+          <a:p>
+            <a:r>
+              <a:rPr lang="en-US" altLang="ko-KR" dirty="0"/>
+              <a:t>	Student stu1; </a:t>
+            </a:r>
+            <a:endParaRPr lang="en-US" altLang="ko-KR" dirty="0" smtClean="0"/>
+          </a:p>
+          <a:p>
+            <a:r>
+              <a:rPr lang="en-US" altLang="ko-KR" dirty="0"/>
+              <a:t>	</a:t>
+            </a:r>
+            <a:r>
+              <a:rPr lang="en-US" altLang="ko-KR" dirty="0" smtClean="0"/>
+              <a:t>//</a:t>
+            </a:r>
+            <a:r>
+              <a:rPr lang="en-US" altLang="ko-KR" dirty="0"/>
+              <a:t>Person(), Student() </a:t>
+            </a:r>
+            <a:r>
+              <a:rPr lang="ko-KR" altLang="en-US" dirty="0"/>
+              <a:t>생성자가자동호출</a:t>
+            </a:r>
+          </a:p>
+          <a:p>
+            <a:endParaRPr lang="ko-KR" altLang="en-US" dirty="0"/>
+          </a:p>
+          <a:p>
+            <a:r>
+              <a:rPr lang="en-US" altLang="ko-KR" dirty="0"/>
+              <a:t>	</a:t>
+            </a:r>
+            <a:r>
+              <a:rPr lang="en-US" altLang="ko-KR" dirty="0" err="1"/>
+              <a:t>cout</a:t>
+            </a:r>
+            <a:r>
+              <a:rPr lang="en-US" altLang="ko-KR" dirty="0"/>
+              <a:t> &lt;&lt; "</a:t>
+            </a:r>
+            <a:r>
+              <a:rPr lang="ko-KR" altLang="en-US" dirty="0"/>
+              <a:t>이름입력</a:t>
+            </a:r>
+            <a:r>
+              <a:rPr lang="en-US" altLang="ko-KR" dirty="0"/>
+              <a:t>: ";</a:t>
+            </a:r>
+          </a:p>
+          <a:p>
+            <a:r>
+              <a:rPr lang="en-US" altLang="ko-KR" dirty="0"/>
+              <a:t>	</a:t>
+            </a:r>
+            <a:r>
+              <a:rPr lang="en-US" altLang="ko-KR" dirty="0" err="1"/>
+              <a:t>cin</a:t>
+            </a:r>
+            <a:r>
+              <a:rPr lang="en-US" altLang="ko-KR" dirty="0"/>
+              <a:t> &gt;&gt; name;</a:t>
+            </a:r>
+          </a:p>
+          <a:p>
+            <a:r>
+              <a:rPr lang="en-US" altLang="ko-KR" dirty="0"/>
+              <a:t>	</a:t>
+            </a:r>
+            <a:r>
+              <a:rPr lang="en-US" altLang="ko-KR" dirty="0" err="1"/>
+              <a:t>cout</a:t>
+            </a:r>
+            <a:r>
+              <a:rPr lang="en-US" altLang="ko-KR" dirty="0"/>
+              <a:t> &lt;&lt; "</a:t>
+            </a:r>
+            <a:r>
+              <a:rPr lang="ko-KR" altLang="en-US" dirty="0"/>
+              <a:t>주소입력</a:t>
+            </a:r>
+            <a:r>
+              <a:rPr lang="en-US" altLang="ko-KR" dirty="0"/>
+              <a:t>: ";</a:t>
+            </a:r>
+          </a:p>
+          <a:p>
+            <a:r>
+              <a:rPr lang="en-US" altLang="ko-KR" dirty="0"/>
+              <a:t>	</a:t>
+            </a:r>
+            <a:r>
+              <a:rPr lang="en-US" altLang="ko-KR" dirty="0" err="1"/>
+              <a:t>cin</a:t>
+            </a:r>
+            <a:r>
+              <a:rPr lang="en-US" altLang="ko-KR" dirty="0"/>
+              <a:t> &gt;&gt; </a:t>
+            </a:r>
+            <a:r>
+              <a:rPr lang="en-US" altLang="ko-KR" dirty="0" err="1"/>
+              <a:t>addr</a:t>
+            </a:r>
+            <a:r>
+              <a:rPr lang="en-US" altLang="ko-KR" dirty="0"/>
+              <a:t>;</a:t>
+            </a:r>
+          </a:p>
+          <a:p>
+            <a:r>
+              <a:rPr lang="en-US" altLang="ko-KR" dirty="0"/>
+              <a:t>	</a:t>
+            </a:r>
+            <a:r>
+              <a:rPr lang="en-US" altLang="ko-KR" dirty="0" err="1"/>
+              <a:t>cout</a:t>
+            </a:r>
+            <a:r>
+              <a:rPr lang="en-US" altLang="ko-KR" dirty="0"/>
+              <a:t> &lt;&lt; "</a:t>
+            </a:r>
+            <a:r>
+              <a:rPr lang="ko-KR" altLang="en-US" dirty="0"/>
+              <a:t>전화번호입력</a:t>
+            </a:r>
+            <a:r>
+              <a:rPr lang="en-US" altLang="ko-KR" dirty="0"/>
+              <a:t>: ";</a:t>
+            </a:r>
+          </a:p>
+          <a:p>
+            <a:r>
+              <a:rPr lang="en-US" altLang="ko-KR" dirty="0"/>
+              <a:t>	</a:t>
+            </a:r>
+            <a:r>
+              <a:rPr lang="en-US" altLang="ko-KR" dirty="0" err="1"/>
+              <a:t>cin</a:t>
+            </a:r>
+            <a:r>
+              <a:rPr lang="en-US" altLang="ko-KR" dirty="0"/>
+              <a:t> &gt;&gt; </a:t>
+            </a:r>
+            <a:r>
+              <a:rPr lang="en-US" altLang="ko-KR" dirty="0" err="1"/>
+              <a:t>tel</a:t>
+            </a:r>
+            <a:r>
+              <a:rPr lang="en-US" altLang="ko-KR" dirty="0"/>
+              <a:t>;</a:t>
+            </a:r>
+          </a:p>
+          <a:p>
+            <a:endParaRPr lang="ko-KR" altLang="en-US" dirty="0"/>
+          </a:p>
+          <a:p>
+            <a:r>
+              <a:rPr lang="en-US" altLang="ko-KR" dirty="0"/>
+              <a:t>	</a:t>
+            </a:r>
+            <a:r>
+              <a:rPr lang="en-US" altLang="ko-KR" dirty="0" err="1"/>
+              <a:t>cout</a:t>
+            </a:r>
+            <a:r>
+              <a:rPr lang="en-US" altLang="ko-KR" dirty="0"/>
+              <a:t> &lt;&lt; "</a:t>
+            </a:r>
+            <a:r>
+              <a:rPr lang="ko-KR" altLang="en-US" dirty="0"/>
+              <a:t>국어접수</a:t>
+            </a:r>
+            <a:r>
+              <a:rPr lang="en-US" altLang="ko-KR" dirty="0"/>
+              <a:t>: ";</a:t>
+            </a:r>
+          </a:p>
+          <a:p>
+            <a:r>
+              <a:rPr lang="en-US" altLang="ko-KR" dirty="0"/>
+              <a:t>	</a:t>
+            </a:r>
+            <a:r>
+              <a:rPr lang="en-US" altLang="ko-KR" dirty="0" err="1"/>
+              <a:t>cin</a:t>
+            </a:r>
+            <a:r>
+              <a:rPr lang="en-US" altLang="ko-KR" dirty="0"/>
+              <a:t> &gt;&gt; </a:t>
+            </a:r>
+            <a:r>
+              <a:rPr lang="en-US" altLang="ko-KR" dirty="0" err="1"/>
+              <a:t>kor</a:t>
+            </a:r>
+            <a:r>
+              <a:rPr lang="en-US" altLang="ko-KR" dirty="0"/>
+              <a:t>;</a:t>
+            </a:r>
+          </a:p>
+          <a:p>
+            <a:r>
+              <a:rPr lang="en-US" altLang="ko-KR" dirty="0"/>
+              <a:t>	</a:t>
+            </a:r>
+            <a:r>
+              <a:rPr lang="en-US" altLang="ko-KR" dirty="0" err="1"/>
+              <a:t>cout</a:t>
+            </a:r>
+            <a:r>
+              <a:rPr lang="en-US" altLang="ko-KR" dirty="0"/>
+              <a:t> &lt;&lt; "</a:t>
+            </a:r>
+            <a:r>
+              <a:rPr lang="ko-KR" altLang="en-US" dirty="0"/>
+              <a:t>음악접수</a:t>
+            </a:r>
+            <a:r>
+              <a:rPr lang="en-US" altLang="ko-KR" dirty="0"/>
+              <a:t>: ";</a:t>
+            </a:r>
+          </a:p>
+          <a:p>
+            <a:r>
+              <a:rPr lang="en-US" altLang="ko-KR" dirty="0"/>
+              <a:t>	</a:t>
+            </a:r>
+            <a:r>
+              <a:rPr lang="en-US" altLang="ko-KR" dirty="0" err="1"/>
+              <a:t>cin</a:t>
+            </a:r>
+            <a:r>
+              <a:rPr lang="en-US" altLang="ko-KR" dirty="0"/>
+              <a:t> &gt;&gt; </a:t>
+            </a:r>
+            <a:r>
+              <a:rPr lang="en-US" altLang="ko-KR" dirty="0" err="1"/>
+              <a:t>mus</a:t>
+            </a:r>
+            <a:r>
+              <a:rPr lang="en-US" altLang="ko-KR" dirty="0"/>
+              <a:t>;</a:t>
+            </a:r>
+          </a:p>
+          <a:p>
+            <a:r>
+              <a:rPr lang="en-US" altLang="ko-KR" dirty="0"/>
+              <a:t>	</a:t>
+            </a:r>
+            <a:r>
+              <a:rPr lang="en-US" altLang="ko-KR" dirty="0" err="1"/>
+              <a:t>cout</a:t>
+            </a:r>
+            <a:r>
+              <a:rPr lang="en-US" altLang="ko-KR" dirty="0"/>
+              <a:t> &lt;&lt; "</a:t>
+            </a:r>
+            <a:r>
+              <a:rPr lang="ko-KR" altLang="en-US" dirty="0"/>
+              <a:t>미술접수</a:t>
+            </a:r>
+            <a:r>
+              <a:rPr lang="en-US" altLang="ko-KR" dirty="0"/>
+              <a:t>: ";</a:t>
+            </a:r>
+          </a:p>
+          <a:p>
+            <a:r>
+              <a:rPr lang="en-US" altLang="ko-KR" dirty="0"/>
+              <a:t>	</a:t>
+            </a:r>
+            <a:r>
+              <a:rPr lang="en-US" altLang="ko-KR" dirty="0" err="1"/>
+              <a:t>cin</a:t>
+            </a:r>
+            <a:r>
+              <a:rPr lang="en-US" altLang="ko-KR" dirty="0"/>
+              <a:t> &gt;&gt; art;</a:t>
+            </a:r>
+          </a:p>
+          <a:p>
+            <a:endParaRPr lang="ko-KR" altLang="en-US" dirty="0"/>
+          </a:p>
+          <a:p>
+            <a:r>
+              <a:rPr lang="en-US" altLang="ko-KR" dirty="0"/>
+              <a:t>	stu1.SetVar(name, </a:t>
+            </a:r>
+            <a:r>
+              <a:rPr lang="en-US" altLang="ko-KR" dirty="0" err="1"/>
+              <a:t>addr</a:t>
+            </a:r>
+            <a:r>
+              <a:rPr lang="en-US" altLang="ko-KR" dirty="0"/>
+              <a:t>, </a:t>
+            </a:r>
+            <a:r>
+              <a:rPr lang="en-US" altLang="ko-KR" dirty="0" err="1"/>
+              <a:t>tel</a:t>
+            </a:r>
+            <a:r>
+              <a:rPr lang="en-US" altLang="ko-KR" dirty="0"/>
+              <a:t>);</a:t>
+            </a:r>
+          </a:p>
+          <a:p>
+            <a:r>
+              <a:rPr lang="en-US" altLang="ko-KR" dirty="0"/>
+              <a:t>	stu1.SetScore(</a:t>
+            </a:r>
+            <a:r>
+              <a:rPr lang="en-US" altLang="ko-KR" dirty="0" err="1"/>
+              <a:t>kor</a:t>
+            </a:r>
+            <a:r>
+              <a:rPr lang="en-US" altLang="ko-KR" dirty="0"/>
+              <a:t>, </a:t>
+            </a:r>
+            <a:r>
+              <a:rPr lang="en-US" altLang="ko-KR" dirty="0" err="1"/>
+              <a:t>mus</a:t>
+            </a:r>
+            <a:r>
+              <a:rPr lang="en-US" altLang="ko-KR" dirty="0"/>
+              <a:t>, art);</a:t>
+            </a:r>
+          </a:p>
+          <a:p>
+            <a:r>
+              <a:rPr lang="en-US" altLang="ko-KR" dirty="0"/>
+              <a:t>	stu1.CalTot();</a:t>
+            </a:r>
+          </a:p>
+          <a:p>
+            <a:r>
+              <a:rPr lang="en-US" altLang="ko-KR" dirty="0"/>
+              <a:t>	stu1.CalAver();</a:t>
+            </a:r>
+            <a:endParaRPr lang="ko-KR" altLang="en-US" dirty="0"/>
+          </a:p>
+        </p:txBody>
+      </p:sp>
+      <p:sp>
+        <p:nvSpPr>
+          <p:cNvPr id="4" name="내용 개체 틀 2"/>
+          <p:cNvSpPr txBox="1">
+            <a:spLocks/>
+          </p:cNvSpPr>
+          <p:nvPr/>
+        </p:nvSpPr>
+        <p:spPr>
+          <a:xfrm>
+            <a:off x="4518720" y="764704"/>
+            <a:ext cx="4114800" cy="5361459"/>
+          </a:xfrm>
+          <a:prstGeom prst="rect">
+            <a:avLst/>
+          </a:prstGeom>
+        </p:spPr>
+        <p:txBody>
+          <a:bodyPr vert="horz" lIns="91440" tIns="45720" rIns="91440" bIns="45720" rtlCol="0">
+            <a:normAutofit fontScale="77500" lnSpcReduction="20000"/>
+          </a:bodyPr>
+          <a:lstStyle>
+            <a:lvl1pPr marL="0" indent="0" algn="l" defTabSz="914400" rtl="0" eaLnBrk="1" latinLnBrk="1" hangingPunct="1">
+              <a:spcBef>
+                <a:spcPct val="20000"/>
+              </a:spcBef>
+              <a:buFont typeface="Arial" pitchFamily="34" charset="0"/>
+              <a:buNone/>
+              <a:defRPr sz="1800" kern="1200">
+                <a:solidFill>
+                  <a:schemeClr val="tx1"/>
+                </a:solidFill>
+                <a:latin typeface="배달의민족 한나체 Air" panose="020B0600000101010101" pitchFamily="50" charset="-127"/>
+                <a:ea typeface="배달의민족 한나체 Air" panose="020B0600000101010101" pitchFamily="50" charset="-127"/>
+                <a:cs typeface="+mn-cs"/>
+              </a:defRPr>
+            </a:lvl1pPr>
+            <a:lvl2pPr marL="457200" indent="0" algn="l" defTabSz="914400" rtl="0" eaLnBrk="1" latinLnBrk="1" hangingPunct="1">
+              <a:spcBef>
+                <a:spcPct val="20000"/>
+              </a:spcBef>
+              <a:buFont typeface="Arial" pitchFamily="34" charset="0"/>
+              <a:buNone/>
+              <a:defRPr sz="1600" kern="1200">
+                <a:solidFill>
+                  <a:schemeClr val="tx1"/>
+                </a:solidFill>
+                <a:latin typeface="배달의민족 한나체 Air" panose="020B0600000101010101" pitchFamily="50" charset="-127"/>
+                <a:ea typeface="배달의민족 한나체 Air" panose="020B0600000101010101" pitchFamily="50" charset="-127"/>
+                <a:cs typeface="+mn-cs"/>
+              </a:defRPr>
+            </a:lvl2pPr>
+            <a:lvl3pPr marL="914400" indent="0" algn="l" defTabSz="914400" rtl="0" eaLnBrk="1" latinLnBrk="1" hangingPunct="1">
+              <a:spcBef>
+                <a:spcPct val="20000"/>
+              </a:spcBef>
+              <a:buFont typeface="Arial" pitchFamily="34" charset="0"/>
+              <a:buNone/>
+              <a:defRPr sz="1400" kern="1200">
+                <a:solidFill>
+                  <a:schemeClr val="tx1"/>
+                </a:solidFill>
+                <a:latin typeface="배달의민족 한나체 Air" panose="020B0600000101010101" pitchFamily="50" charset="-127"/>
+                <a:ea typeface="배달의민족 한나체 Air" panose="020B0600000101010101" pitchFamily="50" charset="-127"/>
+                <a:cs typeface="+mn-cs"/>
+              </a:defRPr>
+            </a:lvl3pPr>
+            <a:lvl4pPr marL="1371600" indent="0" algn="l" defTabSz="914400" rtl="0" eaLnBrk="1" latinLnBrk="1" hangingPunct="1">
+              <a:spcBef>
+                <a:spcPct val="20000"/>
+              </a:spcBef>
+              <a:buFont typeface="Arial" pitchFamily="34" charset="0"/>
+              <a:buNone/>
+              <a:defRPr sz="1200" kern="1200">
+                <a:solidFill>
+                  <a:schemeClr val="tx1"/>
+                </a:solidFill>
+                <a:latin typeface="배달의민족 한나체 Air" panose="020B0600000101010101" pitchFamily="50" charset="-127"/>
+                <a:ea typeface="배달의민족 한나체 Air" panose="020B0600000101010101" pitchFamily="50" charset="-127"/>
+                <a:cs typeface="+mn-cs"/>
+              </a:defRPr>
+            </a:lvl4pPr>
+            <a:lvl5pPr marL="1828800" indent="0" algn="l" defTabSz="914400" rtl="0" eaLnBrk="1" latinLnBrk="1" hangingPunct="1">
+              <a:spcBef>
+                <a:spcPct val="20000"/>
+              </a:spcBef>
+              <a:buFont typeface="Arial" pitchFamily="34" charset="0"/>
+              <a:buNone/>
+              <a:defRPr sz="1200" kern="1200">
+                <a:solidFill>
+                  <a:schemeClr val="tx1"/>
+                </a:solidFill>
+                <a:latin typeface="배달의민족 한나체 Air" panose="020B0600000101010101" pitchFamily="50" charset="-127"/>
+                <a:ea typeface="배달의민족 한나체 Air" panose="020B0600000101010101" pitchFamily="50" charset="-127"/>
+                <a:cs typeface="+mn-cs"/>
+              </a:defRPr>
+            </a:lvl5pPr>
+            <a:lvl6pPr marL="2514600" indent="-228600" algn="l" defTabSz="914400" rtl="0" eaLnBrk="1" latinLnBrk="1" hangingPunct="1">
+              <a:spcBef>
+                <a:spcPct val="20000"/>
+              </a:spcBef>
+              <a:buFont typeface="Arial" pitchFamily="34" charset="0"/>
+              <a:buChar char="•"/>
+              <a:defRPr sz="2000" kern="1200">
+                <a:solidFill>
+                  <a:schemeClr val="tx1"/>
+                </a:solidFill>
+                <a:latin typeface="+mn-lt"/>
+                <a:ea typeface="+mn-ea"/>
+                <a:cs typeface="+mn-cs"/>
+              </a:defRPr>
+            </a:lvl6pPr>
+            <a:lvl7pPr marL="2971800" indent="-228600" algn="l" defTabSz="914400" rtl="0" eaLnBrk="1" latinLnBrk="1" hangingPunct="1">
+              <a:spcBef>
+                <a:spcPct val="20000"/>
+              </a:spcBef>
+              <a:buFont typeface="Arial" pitchFamily="34" charset="0"/>
+              <a:buChar char="•"/>
+              <a:defRPr sz="2000" kern="1200">
+                <a:solidFill>
+                  <a:schemeClr val="tx1"/>
+                </a:solidFill>
+                <a:latin typeface="+mn-lt"/>
+                <a:ea typeface="+mn-ea"/>
+                <a:cs typeface="+mn-cs"/>
+              </a:defRPr>
+            </a:lvl7pPr>
+            <a:lvl8pPr marL="3429000" indent="-228600" algn="l" defTabSz="914400" rtl="0" eaLnBrk="1" latinLnBrk="1" hangingPunct="1">
+              <a:spcBef>
+                <a:spcPct val="20000"/>
+              </a:spcBef>
+              <a:buFont typeface="Arial" pitchFamily="34" charset="0"/>
+              <a:buChar char="•"/>
+              <a:defRPr sz="2000" kern="1200">
+                <a:solidFill>
+                  <a:schemeClr val="tx1"/>
+                </a:solidFill>
+                <a:latin typeface="+mn-lt"/>
+                <a:ea typeface="+mn-ea"/>
+                <a:cs typeface="+mn-cs"/>
+              </a:defRPr>
+            </a:lvl8pPr>
+            <a:lvl9pPr marL="3886200" indent="-228600" algn="l" defTabSz="914400" rtl="0" eaLnBrk="1" latinLnBrk="1" hangingPunct="1">
+              <a:spcBef>
+                <a:spcPct val="20000"/>
+              </a:spcBef>
+              <a:buFont typeface="Arial" pitchFamily="34" charset="0"/>
+              <a:buChar char="•"/>
+              <a:defRPr sz="2000" kern="1200">
+                <a:solidFill>
+                  <a:schemeClr val="tx1"/>
+                </a:solidFill>
+                <a:latin typeface="+mn-lt"/>
+                <a:ea typeface="+mn-ea"/>
+                <a:cs typeface="+mn-cs"/>
+              </a:defRPr>
+            </a:lvl9pPr>
+          </a:lstStyle>
+          <a:p>
+            <a:r>
+              <a:rPr lang="en-US" altLang="ko-KR" dirty="0"/>
+              <a:t>Student stu2(</a:t>
+            </a:r>
+            <a:r>
+              <a:rPr lang="en-US" altLang="ko-KR" dirty="0"/>
+              <a:t>"</a:t>
+            </a:r>
+            <a:r>
+              <a:rPr lang="ko-KR" altLang="en-US" dirty="0" err="1"/>
+              <a:t>장멘잡</a:t>
+            </a:r>
+            <a:r>
+              <a:rPr lang="en-US" altLang="ko-KR" dirty="0"/>
+              <a:t>"</a:t>
+            </a:r>
+            <a:r>
+              <a:rPr lang="ko-KR" altLang="en-US" dirty="0"/>
+              <a:t> </a:t>
+            </a:r>
+            <a:r>
+              <a:rPr lang="en-US" altLang="ko-KR" dirty="0"/>
+              <a:t>, "</a:t>
+            </a:r>
+            <a:r>
+              <a:rPr lang="ko-KR" altLang="en-US" dirty="0" err="1"/>
+              <a:t>공세동</a:t>
+            </a:r>
+            <a:r>
+              <a:rPr lang="en-US" altLang="ko-KR" dirty="0"/>
+              <a:t>", "010-65**-8**4", 100, 99 ,94);</a:t>
+            </a:r>
+          </a:p>
+          <a:p>
+            <a:r>
+              <a:rPr lang="en-US" altLang="ko-KR" dirty="0" smtClean="0"/>
+              <a:t>/*</a:t>
+            </a:r>
+            <a:r>
+              <a:rPr lang="en-US" altLang="ko-KR" dirty="0"/>
+              <a:t>Student(</a:t>
+            </a:r>
+            <a:r>
+              <a:rPr lang="en-US" altLang="ko-KR" dirty="0" err="1"/>
+              <a:t>const</a:t>
+            </a:r>
+            <a:r>
+              <a:rPr lang="en-US" altLang="ko-KR" dirty="0"/>
+              <a:t> string name, </a:t>
+            </a:r>
+            <a:r>
+              <a:rPr lang="en-US" altLang="ko-KR" dirty="0" err="1"/>
+              <a:t>const</a:t>
+            </a:r>
+            <a:r>
+              <a:rPr lang="en-US" altLang="ko-KR" dirty="0"/>
+              <a:t> string </a:t>
+            </a:r>
+            <a:r>
+              <a:rPr lang="en-US" altLang="ko-KR" dirty="0" err="1"/>
+              <a:t>addr</a:t>
+            </a:r>
+            <a:r>
+              <a:rPr lang="en-US" altLang="ko-KR" dirty="0"/>
+              <a:t>, ....) </a:t>
+            </a:r>
+            <a:r>
+              <a:rPr lang="ko-KR" altLang="en-US" dirty="0" err="1" smtClean="0"/>
+              <a:t>생성자가호출됨따라서파생클래스의</a:t>
+            </a:r>
+            <a:r>
+              <a:rPr lang="en-US" altLang="ko-KR" dirty="0" smtClean="0"/>
+              <a:t>Person(</a:t>
+            </a:r>
+            <a:r>
+              <a:rPr lang="en-US" altLang="ko-KR" dirty="0" err="1" smtClean="0"/>
+              <a:t>const</a:t>
+            </a:r>
+            <a:r>
+              <a:rPr lang="en-US" altLang="ko-KR" dirty="0" smtClean="0"/>
+              <a:t> </a:t>
+            </a:r>
+            <a:r>
+              <a:rPr lang="en-US" altLang="ko-KR" dirty="0"/>
+              <a:t>string name, </a:t>
+            </a:r>
+            <a:r>
+              <a:rPr lang="en-US" altLang="ko-KR" dirty="0" err="1"/>
+              <a:t>const</a:t>
+            </a:r>
+            <a:r>
+              <a:rPr lang="en-US" altLang="ko-KR" dirty="0"/>
+              <a:t> string </a:t>
+            </a:r>
+            <a:r>
+              <a:rPr lang="en-US" altLang="ko-KR" dirty="0" err="1"/>
+              <a:t>addr</a:t>
+            </a:r>
+            <a:r>
+              <a:rPr lang="en-US" altLang="ko-KR" dirty="0"/>
+              <a:t>, </a:t>
+            </a:r>
+            <a:r>
+              <a:rPr lang="en-US" altLang="ko-KR" dirty="0" err="1"/>
+              <a:t>const</a:t>
+            </a:r>
+            <a:r>
+              <a:rPr lang="en-US" altLang="ko-KR" dirty="0"/>
+              <a:t> </a:t>
+            </a:r>
+            <a:r>
+              <a:rPr lang="en-US" altLang="ko-KR" dirty="0" err="1"/>
+              <a:t>tel</a:t>
+            </a:r>
+            <a:r>
+              <a:rPr lang="en-US" altLang="ko-KR" dirty="0"/>
+              <a:t>) </a:t>
+            </a:r>
+            <a:r>
+              <a:rPr lang="ko-KR" altLang="en-US" dirty="0" err="1"/>
+              <a:t>생성자가호출됨</a:t>
+            </a:r>
+            <a:r>
+              <a:rPr lang="en-US" altLang="ko-KR" dirty="0"/>
+              <a:t>.*/</a:t>
+            </a:r>
+          </a:p>
+          <a:p>
+            <a:endParaRPr lang="ko-KR" altLang="en-US" dirty="0"/>
+          </a:p>
+          <a:p>
+            <a:r>
+              <a:rPr lang="en-US" altLang="ko-KR" dirty="0"/>
+              <a:t>	stu2.CalTot();</a:t>
+            </a:r>
+          </a:p>
+          <a:p>
+            <a:r>
+              <a:rPr lang="en-US" altLang="ko-KR" dirty="0"/>
+              <a:t>	stu2.CalAver();</a:t>
+            </a:r>
+          </a:p>
+          <a:p>
+            <a:endParaRPr lang="ko-KR" altLang="en-US" dirty="0"/>
+          </a:p>
+          <a:p>
+            <a:r>
+              <a:rPr lang="en-US" altLang="ko-KR" dirty="0"/>
+              <a:t>	</a:t>
+            </a:r>
+            <a:r>
+              <a:rPr lang="en-US" altLang="ko-KR" dirty="0" err="1"/>
+              <a:t>output.open</a:t>
+            </a:r>
+            <a:r>
+              <a:rPr lang="en-US" altLang="ko-KR" dirty="0"/>
+              <a:t>("data.txt", </a:t>
+            </a:r>
+            <a:r>
+              <a:rPr lang="en-US" altLang="ko-KR" dirty="0" err="1"/>
+              <a:t>ios</a:t>
+            </a:r>
+            <a:r>
+              <a:rPr lang="en-US" altLang="ko-KR" dirty="0"/>
+              <a:t>::out);</a:t>
+            </a:r>
+          </a:p>
+          <a:p>
+            <a:r>
+              <a:rPr lang="en-US" altLang="ko-KR" dirty="0"/>
+              <a:t>	stu1.GetScore(&amp;</a:t>
+            </a:r>
+            <a:r>
+              <a:rPr lang="en-US" altLang="ko-KR" dirty="0" err="1"/>
+              <a:t>kor</a:t>
+            </a:r>
+            <a:r>
+              <a:rPr lang="en-US" altLang="ko-KR" dirty="0"/>
+              <a:t>, &amp;</a:t>
+            </a:r>
+            <a:r>
+              <a:rPr lang="en-US" altLang="ko-KR" dirty="0" err="1"/>
+              <a:t>mus</a:t>
+            </a:r>
+            <a:r>
+              <a:rPr lang="en-US" altLang="ko-KR" dirty="0"/>
+              <a:t>, &amp;art);</a:t>
+            </a:r>
+          </a:p>
+          <a:p>
+            <a:r>
+              <a:rPr lang="en-US" altLang="ko-KR" dirty="0"/>
+              <a:t>	stu1.CalTot();</a:t>
+            </a:r>
+          </a:p>
+          <a:p>
+            <a:r>
+              <a:rPr lang="en-US" altLang="ko-KR" dirty="0"/>
+              <a:t>	stu1.CalAver();</a:t>
+            </a:r>
+          </a:p>
+          <a:p>
+            <a:r>
+              <a:rPr lang="en-US" altLang="ko-KR" dirty="0"/>
+              <a:t>	output &lt;&lt; stu1.GetName() &lt;&lt; " " &lt;&lt; </a:t>
+            </a:r>
+            <a:r>
+              <a:rPr lang="en-US" altLang="ko-KR" dirty="0" err="1"/>
+              <a:t>kor</a:t>
+            </a:r>
+            <a:r>
+              <a:rPr lang="en-US" altLang="ko-KR" dirty="0"/>
+              <a:t> &lt;&lt; " " &lt;&lt; </a:t>
+            </a:r>
+            <a:r>
+              <a:rPr lang="en-US" altLang="ko-KR" dirty="0" err="1"/>
+              <a:t>mus</a:t>
+            </a:r>
+            <a:r>
+              <a:rPr lang="en-US" altLang="ko-KR" dirty="0"/>
+              <a:t> &lt;&lt; " " &lt;&lt; art &lt;&lt; " " &lt;&lt; stu1.GetTot() &lt;&lt; " " &lt;&lt; stu1.GetAver() &lt;&lt; </a:t>
+            </a:r>
+            <a:r>
+              <a:rPr lang="en-US" altLang="ko-KR" dirty="0" err="1"/>
+              <a:t>endl</a:t>
+            </a:r>
+            <a:r>
+              <a:rPr lang="en-US" altLang="ko-KR" dirty="0"/>
+              <a:t>;</a:t>
+            </a:r>
+          </a:p>
+          <a:p>
+            <a:endParaRPr lang="ko-KR" altLang="en-US" dirty="0"/>
+          </a:p>
+          <a:p>
+            <a:r>
+              <a:rPr lang="en-US" altLang="ko-KR" dirty="0"/>
+              <a:t>	stu2.GetScore(&amp;</a:t>
+            </a:r>
+            <a:r>
+              <a:rPr lang="en-US" altLang="ko-KR" dirty="0" err="1"/>
+              <a:t>kor</a:t>
+            </a:r>
+            <a:r>
+              <a:rPr lang="en-US" altLang="ko-KR" dirty="0"/>
+              <a:t>, &amp;</a:t>
+            </a:r>
+            <a:r>
+              <a:rPr lang="en-US" altLang="ko-KR" dirty="0" err="1"/>
+              <a:t>mus</a:t>
+            </a:r>
+            <a:r>
+              <a:rPr lang="en-US" altLang="ko-KR" dirty="0"/>
+              <a:t>, &amp;art);</a:t>
+            </a:r>
+          </a:p>
+          <a:p>
+            <a:r>
+              <a:rPr lang="en-US" altLang="ko-KR" dirty="0"/>
+              <a:t>	stu2.CalTot();</a:t>
+            </a:r>
+          </a:p>
+          <a:p>
+            <a:r>
+              <a:rPr lang="en-US" altLang="ko-KR" dirty="0"/>
+              <a:t>	stu2.CalAver();</a:t>
+            </a:r>
+          </a:p>
+          <a:p>
+            <a:r>
+              <a:rPr lang="en-US" altLang="ko-KR" dirty="0"/>
+              <a:t>output &lt;&lt; stu2.GetName() &lt;&lt; " " &lt;&lt; </a:t>
+            </a:r>
+            <a:r>
+              <a:rPr lang="en-US" altLang="ko-KR" dirty="0" err="1"/>
+              <a:t>kor</a:t>
+            </a:r>
+            <a:r>
+              <a:rPr lang="en-US" altLang="ko-KR" dirty="0"/>
+              <a:t> &lt;&lt; " " &lt;&lt; </a:t>
+            </a:r>
+            <a:r>
+              <a:rPr lang="en-US" altLang="ko-KR" dirty="0" err="1"/>
+              <a:t>mus</a:t>
+            </a:r>
+            <a:r>
+              <a:rPr lang="en-US" altLang="ko-KR" dirty="0"/>
+              <a:t> &lt;&lt; " " &lt;&lt; art &lt;&lt; " " &lt;&lt; stu2.GetTot() &lt;&lt; " " &lt;&lt; stu2.GetAver() &lt;&lt; </a:t>
+            </a:r>
+            <a:r>
+              <a:rPr lang="en-US" altLang="ko-KR" dirty="0" err="1"/>
+              <a:t>endl</a:t>
+            </a:r>
+            <a:r>
+              <a:rPr lang="en-US" altLang="ko-KR" dirty="0"/>
+              <a:t>;</a:t>
+            </a:r>
+          </a:p>
+          <a:p>
+            <a:endParaRPr lang="ko-KR" altLang="en-US" dirty="0"/>
+          </a:p>
+          <a:p>
+            <a:r>
+              <a:rPr lang="en-US" altLang="ko-KR" dirty="0"/>
+              <a:t>	return 0;</a:t>
+            </a:r>
+          </a:p>
+          <a:p>
+            <a:r>
+              <a:rPr lang="en-US" altLang="ko-KR" dirty="0"/>
+              <a:t>}</a:t>
+            </a:r>
+            <a:endParaRPr lang="ko-KR" altLang="en-US" dirty="0"/>
+          </a:p>
+        </p:txBody>
+      </p:sp>
+      <p:sp>
+        <p:nvSpPr>
+          <p:cNvPr id="5" name="직사각형 4"/>
+          <p:cNvSpPr/>
+          <p:nvPr/>
+        </p:nvSpPr>
+        <p:spPr>
+          <a:xfrm>
+            <a:off x="4518720" y="764704"/>
+            <a:ext cx="4013720" cy="1008112"/>
+          </a:xfrm>
+          <a:prstGeom prst="rect">
+            <a:avLst/>
+          </a:prstGeom>
+          <a:noFill/>
+          <a:ln>
+            <a:solidFill>
+              <a:srgbClr val="FF0000"/>
+            </a:solidFill>
+          </a:ln>
+        </p:spPr>
+        <p:style>
+          <a:lnRef idx="2">
+            <a:schemeClr val="accent1">
+              <a:shade val="50000"/>
+            </a:schemeClr>
+          </a:lnRef>
+          <a:fillRef idx="1">
+            <a:schemeClr val="accent1"/>
+          </a:fillRef>
+          <a:effectRef idx="0">
+            <a:schemeClr val="accent1"/>
+          </a:effectRef>
+          <a:fontRef idx="minor">
+            <a:schemeClr val="lt1"/>
+          </a:fontRef>
+        </p:style>
+        <p:txBody>
+          <a:bodyPr rtlCol="0" anchor="ctr"/>
+          <a:lstStyle/>
+          <a:p>
+            <a:pPr algn="ctr"/>
             <a:endParaRPr lang="ko-KR" altLang="en-US"/>
           </a:p>
         </p:txBody>
@@ -48330,7 +56265,7 @@
     </p:spTree>
     <p:extLst>
       <p:ext uri="{BB962C8B-B14F-4D97-AF65-F5344CB8AC3E}">
-        <p14:creationId xmlns:p14="http://schemas.microsoft.com/office/powerpoint/2010/main" val="1311453032"/>
+        <p14:creationId xmlns:p14="http://schemas.microsoft.com/office/powerpoint/2010/main" val="2506914860"/>
       </p:ext>
     </p:extLst>
   </p:cSld>
@@ -48406,10 +56341,118 @@
           <a:bodyPr/>
           <a:lstStyle/>
           <a:p>
-            <a:endParaRPr lang="ko-KR" altLang="en-US"/>
+            <a:endParaRPr lang="ko-KR" altLang="en-US" dirty="0"/>
           </a:p>
         </p:txBody>
       </p:sp>
+      <p:pic>
+        <p:nvPicPr>
+          <p:cNvPr id="23554" name="Picture 2"/>
+          <p:cNvPicPr>
+            <a:picLocks noChangeAspect="1" noChangeArrowheads="1"/>
+          </p:cNvPicPr>
+          <p:nvPr/>
+        </p:nvPicPr>
+        <p:blipFill>
+          <a:blip r:embed="rId2">
+            <a:extLst>
+              <a:ext uri="{28A0092B-C50C-407E-A947-70E740481C1C}">
+                <a14:useLocalDpi xmlns:a14="http://schemas.microsoft.com/office/drawing/2010/main" val="0"/>
+              </a:ext>
+            </a:extLst>
+          </a:blip>
+          <a:srcRect/>
+          <a:stretch>
+            <a:fillRect/>
+          </a:stretch>
+        </p:blipFill>
+        <p:spPr bwMode="auto">
+          <a:xfrm>
+            <a:off x="539552" y="1124744"/>
+            <a:ext cx="4548732" cy="2232248"/>
+          </a:xfrm>
+          <a:prstGeom prst="rect">
+            <a:avLst/>
+          </a:prstGeom>
+          <a:noFill/>
+          <a:ln>
+            <a:noFill/>
+          </a:ln>
+          <a:extLst>
+            <a:ext uri="{909E8E84-426E-40DD-AFC4-6F175D3DCCD1}">
+              <a14:hiddenFill xmlns:a14="http://schemas.microsoft.com/office/drawing/2010/main">
+                <a:solidFill>
+                  <a:schemeClr val="accent1"/>
+                </a:solidFill>
+              </a14:hiddenFill>
+            </a:ext>
+            <a:ext uri="{91240B29-F687-4F45-9708-019B960494DF}">
+              <a14:hiddenLine xmlns:a14="http://schemas.microsoft.com/office/drawing/2010/main" w="9525">
+                <a:solidFill>
+                  <a:schemeClr val="tx1"/>
+                </a:solidFill>
+                <a:miter lim="800000"/>
+                <a:headEnd/>
+                <a:tailEnd/>
+              </a14:hiddenLine>
+            </a:ext>
+          </a:extLst>
+        </p:spPr>
+      </p:pic>
+      <p:pic>
+        <p:nvPicPr>
+          <p:cNvPr id="23555" name="Picture 3"/>
+          <p:cNvPicPr>
+            <a:picLocks noChangeAspect="1" noChangeArrowheads="1"/>
+          </p:cNvPicPr>
+          <p:nvPr/>
+        </p:nvPicPr>
+        <p:blipFill>
+          <a:blip r:embed="rId3">
+            <a:extLst>
+              <a:ext uri="{28A0092B-C50C-407E-A947-70E740481C1C}">
+                <a14:useLocalDpi xmlns:a14="http://schemas.microsoft.com/office/drawing/2010/main" val="0"/>
+              </a:ext>
+            </a:extLst>
+          </a:blip>
+          <a:srcRect/>
+          <a:stretch>
+            <a:fillRect/>
+          </a:stretch>
+        </p:blipFill>
+        <p:spPr bwMode="auto">
+          <a:xfrm>
+            <a:off x="5387824" y="1125452"/>
+            <a:ext cx="3248025" cy="3524250"/>
+          </a:xfrm>
+          <a:prstGeom prst="rect">
+            <a:avLst/>
+          </a:prstGeom>
+          <a:noFill/>
+          <a:ln>
+            <a:noFill/>
+          </a:ln>
+          <a:extLst>
+            <a:ext uri="{909E8E84-426E-40DD-AFC4-6F175D3DCCD1}">
+              <a14:hiddenFill xmlns:a14="http://schemas.microsoft.com/office/drawing/2010/main">
+                <a:solidFill>
+                  <a:schemeClr val="accent1"/>
+                </a:solidFill>
+              </a14:hiddenFill>
+            </a:ext>
+            <a:ext uri="{91240B29-F687-4F45-9708-019B960494DF}">
+              <a14:hiddenLine xmlns:a14="http://schemas.microsoft.com/office/drawing/2010/main" w="9525">
+                <a:solidFill>
+                  <a:schemeClr val="tx1"/>
+                </a:solidFill>
+                <a:miter lim="800000"/>
+                <a:headEnd/>
+                <a:tailEnd/>
+              </a14:hiddenLine>
+            </a:ext>
+          </a:extLst>
+        </p:spPr>
+      </p:pic>
     </p:spTree>
     <p:extLst>
       <p:ext uri="{BB962C8B-B14F-4D97-AF65-F5344CB8AC3E}">
@@ -48464,7 +56507,7 @@
           <a:p>
             <a:r>
               <a:rPr lang="en-US" altLang="ko-KR" dirty="0" smtClean="0"/>
-              <a:t>11</a:t>
+              <a:t>12</a:t>
             </a:r>
             <a:r>
               <a:rPr lang="ko-KR" altLang="en-US" dirty="0" smtClean="0"/>
@@ -48489,7 +56532,105 @@
           <a:bodyPr/>
           <a:lstStyle/>
           <a:p>
-            <a:endParaRPr lang="ko-KR" altLang="en-US"/>
+            <a:r>
+              <a:rPr lang="ko-KR" altLang="en-US" dirty="0" smtClean="0"/>
+              <a:t>상속에서 멤버 함수 재정의</a:t>
+            </a:r>
+            <a:endParaRPr lang="en-US" altLang="ko-KR" dirty="0" smtClean="0"/>
+          </a:p>
+          <a:p>
+            <a:pPr marL="342900" indent="-342900">
+              <a:buAutoNum type="arabicPeriod"/>
+            </a:pPr>
+            <a:r>
+              <a:rPr lang="ko-KR" altLang="en-US" dirty="0" smtClean="0"/>
+              <a:t>오버로딩</a:t>
+            </a:r>
+            <a:endParaRPr lang="en-US" altLang="ko-KR" dirty="0" smtClean="0"/>
+          </a:p>
+          <a:p>
+            <a:pPr marL="342900" indent="-342900">
+              <a:buAutoNum type="arabicPeriod"/>
+            </a:pPr>
+            <a:r>
+              <a:rPr lang="ko-KR" altLang="en-US" dirty="0" err="1" smtClean="0"/>
+              <a:t>오버라이딩</a:t>
+            </a:r>
+            <a:endParaRPr lang="en-US" altLang="ko-KR" dirty="0" smtClean="0"/>
+          </a:p>
+          <a:p>
+            <a:pPr marL="342900" indent="-342900">
+              <a:buAutoNum type="arabicPeriod"/>
+            </a:pPr>
+            <a:endParaRPr lang="en-US" altLang="ko-KR" dirty="0"/>
+          </a:p>
+          <a:p>
+            <a:r>
+              <a:rPr lang="ko-KR" altLang="en-US" dirty="0" smtClean="0"/>
+              <a:t>오버로딩</a:t>
+            </a:r>
+            <a:endParaRPr lang="en-US" altLang="ko-KR" dirty="0" smtClean="0"/>
+          </a:p>
+          <a:p>
+            <a:r>
+              <a:rPr lang="en-US" altLang="ko-KR" dirty="0" smtClean="0"/>
+              <a:t>-&gt; </a:t>
+            </a:r>
+            <a:r>
+              <a:rPr lang="ko-KR" altLang="en-US" dirty="0" smtClean="0"/>
+              <a:t>같은 이름의 함수를 다른 형식으로 재정의</a:t>
+            </a:r>
+            <a:endParaRPr lang="en-US" altLang="ko-KR" dirty="0" smtClean="0"/>
+          </a:p>
+          <a:p>
+            <a:r>
+              <a:rPr lang="en-US" altLang="ko-KR" dirty="0" smtClean="0"/>
+              <a:t>-&gt; </a:t>
+            </a:r>
+            <a:r>
+              <a:rPr lang="ko-KR" altLang="en-US" dirty="0" smtClean="0"/>
+              <a:t>함수의 이름은 같으나 함수의 매개변수는 다르게</a:t>
+            </a:r>
+            <a:r>
+              <a:rPr lang="en-US" altLang="ko-KR" dirty="0" smtClean="0"/>
+              <a:t>.</a:t>
+            </a:r>
+          </a:p>
+          <a:p>
+            <a:endParaRPr lang="en-US" altLang="ko-KR" dirty="0"/>
+          </a:p>
+          <a:p>
+            <a:r>
+              <a:rPr lang="ko-KR" altLang="en-US" dirty="0" err="1" smtClean="0"/>
+              <a:t>오버라이딩</a:t>
+            </a:r>
+            <a:endParaRPr lang="en-US" altLang="ko-KR" dirty="0" smtClean="0"/>
+          </a:p>
+          <a:p>
+            <a:r>
+              <a:rPr lang="en-US" altLang="ko-KR" dirty="0" smtClean="0"/>
+              <a:t>-&gt; </a:t>
+            </a:r>
+            <a:r>
+              <a:rPr lang="ko-KR" altLang="en-US" dirty="0" smtClean="0"/>
+              <a:t>기반 클래스의 멤버 함수를 파생 클래스에서 다시 정의</a:t>
+            </a:r>
+            <a:endParaRPr lang="en-US" altLang="ko-KR" dirty="0" smtClean="0"/>
+          </a:p>
+          <a:p>
+            <a:r>
+              <a:rPr lang="en-US" altLang="ko-KR" dirty="0" smtClean="0"/>
+              <a:t>-&gt; </a:t>
+            </a:r>
+            <a:r>
+              <a:rPr lang="ko-KR" altLang="en-US" dirty="0" smtClean="0"/>
+              <a:t>파생 클래스에서 정의한 새로운 내용을 사용</a:t>
+            </a:r>
+            <a:r>
+              <a:rPr lang="en-US" altLang="ko-KR" dirty="0" smtClean="0"/>
+              <a:t>.</a:t>
+            </a:r>
+            <a:endParaRPr lang="ko-KR" altLang="en-US" dirty="0"/>
           </a:p>
         </p:txBody>
       </p:sp>
@@ -48547,7 +56688,7 @@
           <a:p>
             <a:r>
               <a:rPr lang="en-US" altLang="ko-KR" dirty="0" smtClean="0"/>
-              <a:t>11</a:t>
+              <a:t>12</a:t>
             </a:r>
             <a:r>
               <a:rPr lang="ko-KR" altLang="en-US" dirty="0" smtClean="0"/>
@@ -48572,14 +56713,404 @@
           <a:bodyPr/>
           <a:lstStyle/>
           <a:p>
+            <a:r>
+              <a:rPr lang="ko-KR" altLang="en-US" dirty="0" smtClean="0"/>
+              <a:t>오버로딩 예제</a:t>
+            </a:r>
+            <a:endParaRPr lang="ko-KR" altLang="en-US" dirty="0"/>
+          </a:p>
+        </p:txBody>
+      </p:sp>
+      <p:pic>
+        <p:nvPicPr>
+          <p:cNvPr id="26626" name="Picture 2"/>
+          <p:cNvPicPr>
+            <a:picLocks noChangeAspect="1" noChangeArrowheads="1"/>
+          </p:cNvPicPr>
+          <p:nvPr/>
+        </p:nvPicPr>
+        <p:blipFill>
+          <a:blip r:embed="rId2">
+            <a:extLst>
+              <a:ext uri="{28A0092B-C50C-407E-A947-70E740481C1C}">
+                <a14:useLocalDpi xmlns:a14="http://schemas.microsoft.com/office/drawing/2010/main" val="0"/>
+              </a:ext>
+            </a:extLst>
+          </a:blip>
+          <a:srcRect/>
+          <a:stretch>
+            <a:fillRect/>
+          </a:stretch>
+        </p:blipFill>
+        <p:spPr bwMode="auto">
+          <a:xfrm>
+            <a:off x="467544" y="1196752"/>
+            <a:ext cx="4829175" cy="4629150"/>
+          </a:xfrm>
+          <a:prstGeom prst="rect">
+            <a:avLst/>
+          </a:prstGeom>
+          <a:noFill/>
+          <a:ln>
+            <a:noFill/>
+          </a:ln>
+          <a:extLst>
+            <a:ext uri="{909E8E84-426E-40DD-AFC4-6F175D3DCCD1}">
+              <a14:hiddenFill xmlns:a14="http://schemas.microsoft.com/office/drawing/2010/main">
+                <a:solidFill>
+                  <a:schemeClr val="accent1"/>
+                </a:solidFill>
+              </a14:hiddenFill>
+            </a:ext>
+            <a:ext uri="{91240B29-F687-4F45-9708-019B960494DF}">
+              <a14:hiddenLine xmlns:a14="http://schemas.microsoft.com/office/drawing/2010/main" w="9525">
+                <a:solidFill>
+                  <a:schemeClr val="tx1"/>
+                </a:solidFill>
+                <a:miter lim="800000"/>
+                <a:headEnd/>
+                <a:tailEnd/>
+              </a14:hiddenLine>
+            </a:ext>
+          </a:extLst>
+        </p:spPr>
+      </p:pic>
+      <p:pic>
+        <p:nvPicPr>
+          <p:cNvPr id="26627" name="Picture 3"/>
+          <p:cNvPicPr>
+            <a:picLocks noChangeAspect="1" noChangeArrowheads="1"/>
+          </p:cNvPicPr>
+          <p:nvPr/>
+        </p:nvPicPr>
+        <p:blipFill>
+          <a:blip r:embed="rId3">
+            <a:extLst>
+              <a:ext uri="{28A0092B-C50C-407E-A947-70E740481C1C}">
+                <a14:useLocalDpi xmlns:a14="http://schemas.microsoft.com/office/drawing/2010/main" val="0"/>
+              </a:ext>
+            </a:extLst>
+          </a:blip>
+          <a:srcRect/>
+          <a:stretch>
+            <a:fillRect/>
+          </a:stretch>
+        </p:blipFill>
+        <p:spPr bwMode="auto">
+          <a:xfrm>
+            <a:off x="4145759" y="908720"/>
+            <a:ext cx="4210050" cy="1619250"/>
+          </a:xfrm>
+          <a:prstGeom prst="rect">
+            <a:avLst/>
+          </a:prstGeom>
+          <a:noFill/>
+          <a:ln>
+            <a:noFill/>
+          </a:ln>
+          <a:extLst>
+            <a:ext uri="{909E8E84-426E-40DD-AFC4-6F175D3DCCD1}">
+              <a14:hiddenFill xmlns:a14="http://schemas.microsoft.com/office/drawing/2010/main">
+                <a:solidFill>
+                  <a:schemeClr val="accent1"/>
+                </a:solidFill>
+              </a14:hiddenFill>
+            </a:ext>
+            <a:ext uri="{91240B29-F687-4F45-9708-019B960494DF}">
+              <a14:hiddenLine xmlns:a14="http://schemas.microsoft.com/office/drawing/2010/main" w="9525">
+                <a:solidFill>
+                  <a:schemeClr val="tx1"/>
+                </a:solidFill>
+                <a:miter lim="800000"/>
+                <a:headEnd/>
+                <a:tailEnd/>
+              </a14:hiddenLine>
+            </a:ext>
+          </a:extLst>
+        </p:spPr>
+      </p:pic>
+      <p:pic>
+        <p:nvPicPr>
+          <p:cNvPr id="26628" name="Picture 4"/>
+          <p:cNvPicPr>
+            <a:picLocks noChangeAspect="1" noChangeArrowheads="1"/>
+          </p:cNvPicPr>
+          <p:nvPr/>
+        </p:nvPicPr>
+        <p:blipFill>
+          <a:blip r:embed="rId4">
+            <a:extLst>
+              <a:ext uri="{28A0092B-C50C-407E-A947-70E740481C1C}">
+                <a14:useLocalDpi xmlns:a14="http://schemas.microsoft.com/office/drawing/2010/main" val="0"/>
+              </a:ext>
+            </a:extLst>
+          </a:blip>
+          <a:srcRect/>
+          <a:stretch>
+            <a:fillRect/>
+          </a:stretch>
+        </p:blipFill>
+        <p:spPr bwMode="auto">
+          <a:xfrm>
+            <a:off x="5263219" y="2670942"/>
+            <a:ext cx="2870786" cy="1173460"/>
+          </a:xfrm>
+          <a:prstGeom prst="rect">
+            <a:avLst/>
+          </a:prstGeom>
+          <a:noFill/>
+          <a:ln>
+            <a:noFill/>
+          </a:ln>
+          <a:extLst>
+            <a:ext uri="{909E8E84-426E-40DD-AFC4-6F175D3DCCD1}">
+              <a14:hiddenFill xmlns:a14="http://schemas.microsoft.com/office/drawing/2010/main">
+                <a:solidFill>
+                  <a:schemeClr val="accent1"/>
+                </a:solidFill>
+              </a14:hiddenFill>
+            </a:ext>
+            <a:ext uri="{91240B29-F687-4F45-9708-019B960494DF}">
+              <a14:hiddenLine xmlns:a14="http://schemas.microsoft.com/office/drawing/2010/main" w="9525">
+                <a:solidFill>
+                  <a:schemeClr val="tx1"/>
+                </a:solidFill>
+                <a:miter lim="800000"/>
+                <a:headEnd/>
+                <a:tailEnd/>
+              </a14:hiddenLine>
+            </a:ext>
+          </a:extLst>
+        </p:spPr>
+      </p:pic>
+      <p:sp>
+        <p:nvSpPr>
+          <p:cNvPr id="7" name="직사각형 6"/>
+          <p:cNvSpPr/>
+          <p:nvPr/>
+        </p:nvSpPr>
+        <p:spPr>
+          <a:xfrm>
+            <a:off x="492368" y="4149080"/>
+            <a:ext cx="3863607" cy="792088"/>
+          </a:xfrm>
+          <a:prstGeom prst="rect">
+            <a:avLst/>
+          </a:prstGeom>
+          <a:noFill/>
+          <a:ln>
+            <a:solidFill>
+              <a:srgbClr val="FFC000"/>
+            </a:solidFill>
+          </a:ln>
+        </p:spPr>
+        <p:style>
+          <a:lnRef idx="2">
+            <a:schemeClr val="accent1">
+              <a:shade val="50000"/>
+            </a:schemeClr>
+          </a:lnRef>
+          <a:fillRef idx="1">
+            <a:schemeClr val="accent1"/>
+          </a:fillRef>
+          <a:effectRef idx="0">
+            <a:schemeClr val="accent1"/>
+          </a:effectRef>
+          <a:fontRef idx="minor">
+            <a:schemeClr val="lt1"/>
+          </a:fontRef>
+        </p:style>
+        <p:txBody>
+          <a:bodyPr rtlCol="0" anchor="ctr"/>
+          <a:lstStyle/>
+          <a:p>
+            <a:pPr algn="ctr"/>
             <a:endParaRPr lang="ko-KR" altLang="en-US"/>
+          </a:p>
+        </p:txBody>
+      </p:sp>
+      <p:sp>
+        <p:nvSpPr>
+          <p:cNvPr id="8" name="직사각형 7"/>
+          <p:cNvSpPr/>
+          <p:nvPr/>
+        </p:nvSpPr>
+        <p:spPr>
+          <a:xfrm>
+            <a:off x="492367" y="5008825"/>
+            <a:ext cx="4804352" cy="813420"/>
+          </a:xfrm>
+          <a:prstGeom prst="rect">
+            <a:avLst/>
+          </a:prstGeom>
+          <a:noFill/>
+          <a:ln>
+            <a:solidFill>
+              <a:srgbClr val="FF0000"/>
+            </a:solidFill>
+          </a:ln>
+        </p:spPr>
+        <p:style>
+          <a:lnRef idx="2">
+            <a:schemeClr val="accent1">
+              <a:shade val="50000"/>
+            </a:schemeClr>
+          </a:lnRef>
+          <a:fillRef idx="1">
+            <a:schemeClr val="accent1"/>
+          </a:fillRef>
+          <a:effectRef idx="0">
+            <a:schemeClr val="accent1"/>
+          </a:effectRef>
+          <a:fontRef idx="minor">
+            <a:schemeClr val="lt1"/>
+          </a:fontRef>
+        </p:style>
+        <p:txBody>
+          <a:bodyPr rtlCol="0" anchor="ctr"/>
+          <a:lstStyle/>
+          <a:p>
+            <a:pPr algn="ctr"/>
+            <a:endParaRPr lang="ko-KR" altLang="en-US"/>
+          </a:p>
+        </p:txBody>
+      </p:sp>
+      <p:sp>
+        <p:nvSpPr>
+          <p:cNvPr id="9" name="직사각형 8"/>
+          <p:cNvSpPr/>
+          <p:nvPr/>
+        </p:nvSpPr>
+        <p:spPr>
+          <a:xfrm>
+            <a:off x="4301315" y="1484784"/>
+            <a:ext cx="3511045" cy="233561"/>
+          </a:xfrm>
+          <a:prstGeom prst="rect">
+            <a:avLst/>
+          </a:prstGeom>
+          <a:noFill/>
+          <a:ln>
+            <a:solidFill>
+              <a:srgbClr val="FFC000"/>
+            </a:solidFill>
+          </a:ln>
+        </p:spPr>
+        <p:style>
+          <a:lnRef idx="2">
+            <a:schemeClr val="accent1">
+              <a:shade val="50000"/>
+            </a:schemeClr>
+          </a:lnRef>
+          <a:fillRef idx="1">
+            <a:schemeClr val="accent1"/>
+          </a:fillRef>
+          <a:effectRef idx="0">
+            <a:schemeClr val="accent1"/>
+          </a:effectRef>
+          <a:fontRef idx="minor">
+            <a:schemeClr val="lt1"/>
+          </a:fontRef>
+        </p:style>
+        <p:txBody>
+          <a:bodyPr rtlCol="0" anchor="ctr"/>
+          <a:lstStyle/>
+          <a:p>
+            <a:pPr algn="ctr"/>
+            <a:endParaRPr lang="ko-KR" altLang="en-US"/>
+          </a:p>
+        </p:txBody>
+      </p:sp>
+      <p:sp>
+        <p:nvSpPr>
+          <p:cNvPr id="10" name="직사각형 9"/>
+          <p:cNvSpPr/>
+          <p:nvPr/>
+        </p:nvSpPr>
+        <p:spPr>
+          <a:xfrm>
+            <a:off x="4301315" y="1718345"/>
+            <a:ext cx="4054494" cy="198487"/>
+          </a:xfrm>
+          <a:prstGeom prst="rect">
+            <a:avLst/>
+          </a:prstGeom>
+          <a:noFill/>
+          <a:ln>
+            <a:solidFill>
+              <a:srgbClr val="FF0000"/>
+            </a:solidFill>
+          </a:ln>
+        </p:spPr>
+        <p:style>
+          <a:lnRef idx="2">
+            <a:schemeClr val="accent1">
+              <a:shade val="50000"/>
+            </a:schemeClr>
+          </a:lnRef>
+          <a:fillRef idx="1">
+            <a:schemeClr val="accent1"/>
+          </a:fillRef>
+          <a:effectRef idx="0">
+            <a:schemeClr val="accent1"/>
+          </a:effectRef>
+          <a:fontRef idx="minor">
+            <a:schemeClr val="lt1"/>
+          </a:fontRef>
+        </p:style>
+        <p:txBody>
+          <a:bodyPr rtlCol="0" anchor="ctr"/>
+          <a:lstStyle/>
+          <a:p>
+            <a:pPr algn="ctr"/>
+            <a:endParaRPr lang="ko-KR" altLang="en-US"/>
+          </a:p>
+        </p:txBody>
+      </p:sp>
+      <p:sp>
+        <p:nvSpPr>
+          <p:cNvPr id="5" name="TextBox 4"/>
+          <p:cNvSpPr txBox="1"/>
+          <p:nvPr/>
+        </p:nvSpPr>
+        <p:spPr>
+          <a:xfrm>
+            <a:off x="5237523" y="4001629"/>
+            <a:ext cx="3271512" cy="923330"/>
+          </a:xfrm>
+          <a:prstGeom prst="rect">
+            <a:avLst/>
+          </a:prstGeom>
+          <a:noFill/>
+        </p:spPr>
+        <p:txBody>
+          <a:bodyPr wrap="square" rtlCol="0">
+            <a:spAutoFit/>
+          </a:bodyPr>
+          <a:lstStyle/>
+          <a:p>
+            <a:r>
+              <a:rPr lang="ko-KR" altLang="en-US" dirty="0"/>
+              <a:t>함수의 이름은 같으나 함수의 </a:t>
+            </a:r>
+            <a:r>
+              <a:rPr lang="ko-KR" altLang="en-US" b="1" dirty="0"/>
+              <a:t>매개변수는 다르게</a:t>
+            </a:r>
+            <a:r>
+              <a:rPr lang="en-US" altLang="ko-KR" b="1" dirty="0"/>
+              <a:t>.</a:t>
+            </a:r>
+          </a:p>
+          <a:p>
+            <a:endParaRPr lang="ko-KR" altLang="en-US" dirty="0"/>
           </a:p>
         </p:txBody>
       </p:sp>
     </p:spTree>
     <p:extLst>
       <p:ext uri="{BB962C8B-B14F-4D97-AF65-F5344CB8AC3E}">
-        <p14:creationId xmlns:p14="http://schemas.microsoft.com/office/powerpoint/2010/main" val="1311453032"/>
+        <p14:creationId xmlns:p14="http://schemas.microsoft.com/office/powerpoint/2010/main" val="931431052"/>
       </p:ext>
     </p:extLst>
   </p:cSld>
@@ -48630,7 +57161,7 @@
           <a:p>
             <a:r>
               <a:rPr lang="en-US" altLang="ko-KR" dirty="0" smtClean="0"/>
-              <a:t>11</a:t>
+              <a:t>12</a:t>
             </a:r>
             <a:r>
               <a:rPr lang="ko-KR" altLang="en-US" dirty="0" smtClean="0"/>
@@ -48650,11 +57181,385 @@
             <p:ph idx="1"/>
           </p:nvPr>
         </p:nvSpPr>
-        <p:spPr/>
+        <p:spPr>
+          <a:xfrm>
+            <a:off x="3419872" y="764704"/>
+            <a:ext cx="5472608" cy="5757440"/>
+          </a:xfrm>
+        </p:spPr>
         <p:txBody>
           <a:bodyPr/>
           <a:lstStyle/>
           <a:p>
+            <a:r>
+              <a:rPr lang="ko-KR" altLang="en-US" dirty="0" err="1" smtClean="0"/>
+              <a:t>오버라이딩</a:t>
+            </a:r>
+            <a:r>
+              <a:rPr lang="ko-KR" altLang="en-US" dirty="0" smtClean="0"/>
+              <a:t> 예제</a:t>
+            </a:r>
+            <a:endParaRPr lang="en-US" altLang="ko-KR" dirty="0" smtClean="0"/>
+          </a:p>
+          <a:p>
+            <a:endParaRPr lang="en-US" altLang="ko-KR" dirty="0" smtClean="0"/>
+          </a:p>
+          <a:p>
+            <a:r>
+              <a:rPr lang="ko-KR" altLang="en-US" dirty="0" smtClean="0"/>
+              <a:t>프로그래머의 의도</a:t>
+            </a:r>
+            <a:endParaRPr lang="en-US" altLang="ko-KR" dirty="0" smtClean="0"/>
+          </a:p>
+          <a:p>
+            <a:r>
+              <a:rPr lang="en-US" altLang="ko-KR" dirty="0" smtClean="0"/>
+              <a:t>class A</a:t>
+            </a:r>
+          </a:p>
+          <a:p>
+            <a:r>
+              <a:rPr lang="en-US" altLang="ko-KR" dirty="0" smtClean="0"/>
+              <a:t>class B</a:t>
+            </a:r>
+          </a:p>
+          <a:p>
+            <a:endParaRPr lang="en-US" altLang="ko-KR" dirty="0"/>
+          </a:p>
+          <a:p>
+            <a:r>
+              <a:rPr lang="ko-KR" altLang="en-US" dirty="0" smtClean="0"/>
+              <a:t>프로그래머의 의도대로 하려면  </a:t>
+            </a:r>
+            <a:r>
+              <a:rPr lang="ko-KR" altLang="en-US" dirty="0" err="1" smtClean="0"/>
+              <a:t>동적결합을</a:t>
+            </a:r>
+            <a:r>
+              <a:rPr lang="ko-KR" altLang="en-US" dirty="0" smtClean="0"/>
+              <a:t> </a:t>
+            </a:r>
+            <a:r>
+              <a:rPr lang="ko-KR" altLang="en-US" dirty="0" err="1" smtClean="0"/>
+              <a:t>해야함</a:t>
+            </a:r>
+            <a:r>
+              <a:rPr lang="en-US" altLang="ko-KR" dirty="0" smtClean="0"/>
+              <a:t>.</a:t>
+            </a:r>
+          </a:p>
+          <a:p>
+            <a:endParaRPr lang="en-US" altLang="ko-KR" dirty="0" smtClean="0"/>
+          </a:p>
+          <a:p>
+            <a:r>
+              <a:rPr lang="ko-KR" altLang="en-US" dirty="0" err="1" smtClean="0"/>
+              <a:t>동적결합</a:t>
+            </a:r>
+            <a:r>
+              <a:rPr lang="en-US" altLang="ko-KR" dirty="0" smtClean="0"/>
+              <a:t>?</a:t>
+            </a:r>
+          </a:p>
+          <a:p>
+            <a:r>
+              <a:rPr lang="en-US" altLang="ko-KR" dirty="0" smtClean="0"/>
+              <a:t>-&gt; </a:t>
+            </a:r>
+            <a:r>
+              <a:rPr lang="ko-KR" altLang="en-US" dirty="0" smtClean="0"/>
+              <a:t>실행 시 어떤 함수가 호출될지를 정하는 것</a:t>
+            </a:r>
+            <a:endParaRPr lang="en-US" altLang="ko-KR" dirty="0" smtClean="0"/>
+          </a:p>
+          <a:p>
+            <a:r>
+              <a:rPr lang="en-US" altLang="ko-KR" dirty="0" smtClean="0"/>
+              <a:t>-&gt; </a:t>
+            </a:r>
+            <a:r>
+              <a:rPr lang="ko-KR" altLang="en-US" dirty="0" smtClean="0"/>
+              <a:t>하나의 함수가 여러 클래스에서 재정의된 형태 일 때</a:t>
+            </a:r>
+            <a:r>
+              <a:rPr lang="en-US" altLang="ko-KR" dirty="0"/>
+              <a:t> </a:t>
+            </a:r>
+            <a:r>
+              <a:rPr lang="ko-KR" altLang="en-US" dirty="0" smtClean="0"/>
+              <a:t>사용</a:t>
+            </a:r>
+            <a:endParaRPr lang="en-US" altLang="ko-KR" dirty="0" smtClean="0"/>
+          </a:p>
+          <a:p>
+            <a:endParaRPr lang="en-US" altLang="ko-KR" dirty="0" smtClean="0"/>
+          </a:p>
+          <a:p>
+            <a:r>
+              <a:rPr lang="ko-KR" altLang="en-US" dirty="0" smtClean="0"/>
+              <a:t>이러한 것을 </a:t>
+            </a:r>
+            <a:r>
+              <a:rPr lang="ko-KR" altLang="en-US" dirty="0" err="1" smtClean="0"/>
+              <a:t>다형성</a:t>
+            </a:r>
+            <a:r>
+              <a:rPr lang="en-US" altLang="ko-KR" dirty="0" smtClean="0"/>
+              <a:t>(Polymorphism)</a:t>
+            </a:r>
+            <a:r>
+              <a:rPr lang="ko-KR" altLang="en-US" dirty="0" smtClean="0"/>
+              <a:t>이라 함</a:t>
+            </a:r>
+            <a:r>
+              <a:rPr lang="en-US" altLang="ko-KR" dirty="0" smtClean="0"/>
+              <a:t>. </a:t>
+            </a:r>
+          </a:p>
+        </p:txBody>
+      </p:sp>
+      <p:pic>
+        <p:nvPicPr>
+          <p:cNvPr id="24578" name="Picture 2"/>
+          <p:cNvPicPr>
+            <a:picLocks noChangeAspect="1" noChangeArrowheads="1"/>
+          </p:cNvPicPr>
+          <p:nvPr/>
+        </p:nvPicPr>
+        <p:blipFill>
+          <a:blip r:embed="rId2">
+            <a:extLst>
+              <a:ext uri="{28A0092B-C50C-407E-A947-70E740481C1C}">
+                <a14:useLocalDpi xmlns:a14="http://schemas.microsoft.com/office/drawing/2010/main" val="0"/>
+              </a:ext>
+            </a:extLst>
+          </a:blip>
+          <a:srcRect/>
+          <a:stretch>
+            <a:fillRect/>
+          </a:stretch>
+        </p:blipFill>
+        <p:spPr bwMode="auto">
+          <a:xfrm>
+            <a:off x="251520" y="764704"/>
+            <a:ext cx="2981325" cy="5610225"/>
+          </a:xfrm>
+          <a:prstGeom prst="rect">
+            <a:avLst/>
+          </a:prstGeom>
+          <a:noFill/>
+          <a:ln>
+            <a:noFill/>
+          </a:ln>
+          <a:extLst>
+            <a:ext uri="{909E8E84-426E-40DD-AFC4-6F175D3DCCD1}">
+              <a14:hiddenFill xmlns:a14="http://schemas.microsoft.com/office/drawing/2010/main">
+                <a:solidFill>
+                  <a:schemeClr val="accent1"/>
+                </a:solidFill>
+              </a14:hiddenFill>
+            </a:ext>
+            <a:ext uri="{91240B29-F687-4F45-9708-019B960494DF}">
+              <a14:hiddenLine xmlns:a14="http://schemas.microsoft.com/office/drawing/2010/main" w="9525">
+                <a:solidFill>
+                  <a:schemeClr val="tx1"/>
+                </a:solidFill>
+                <a:miter lim="800000"/>
+                <a:headEnd/>
+                <a:tailEnd/>
+              </a14:hiddenLine>
+            </a:ext>
+          </a:extLst>
+        </p:spPr>
+      </p:pic>
+      <p:pic>
+        <p:nvPicPr>
+          <p:cNvPr id="24579" name="Picture 3"/>
+          <p:cNvPicPr>
+            <a:picLocks noChangeAspect="1" noChangeArrowheads="1"/>
+          </p:cNvPicPr>
+          <p:nvPr/>
+        </p:nvPicPr>
+        <p:blipFill>
+          <a:blip r:embed="rId3">
+            <a:extLst>
+              <a:ext uri="{28A0092B-C50C-407E-A947-70E740481C1C}">
+                <a14:useLocalDpi xmlns:a14="http://schemas.microsoft.com/office/drawing/2010/main" val="0"/>
+              </a:ext>
+            </a:extLst>
+          </a:blip>
+          <a:srcRect/>
+          <a:stretch>
+            <a:fillRect/>
+          </a:stretch>
+        </p:blipFill>
+        <p:spPr bwMode="auto">
+          <a:xfrm>
+            <a:off x="2123728" y="5389078"/>
+            <a:ext cx="1565393" cy="1143264"/>
+          </a:xfrm>
+          <a:prstGeom prst="rect">
+            <a:avLst/>
+          </a:prstGeom>
+          <a:noFill/>
+          <a:ln>
+            <a:noFill/>
+          </a:ln>
+          <a:extLst>
+            <a:ext uri="{909E8E84-426E-40DD-AFC4-6F175D3DCCD1}">
+              <a14:hiddenFill xmlns:a14="http://schemas.microsoft.com/office/drawing/2010/main">
+                <a:solidFill>
+                  <a:schemeClr val="accent1"/>
+                </a:solidFill>
+              </a14:hiddenFill>
+            </a:ext>
+            <a:ext uri="{91240B29-F687-4F45-9708-019B960494DF}">
+              <a14:hiddenLine xmlns:a14="http://schemas.microsoft.com/office/drawing/2010/main" w="9525">
+                <a:solidFill>
+                  <a:schemeClr val="tx1"/>
+                </a:solidFill>
+                <a:miter lim="800000"/>
+                <a:headEnd/>
+                <a:tailEnd/>
+              </a14:hiddenLine>
+            </a:ext>
+          </a:extLst>
+        </p:spPr>
+      </p:pic>
+      <p:sp>
+        <p:nvSpPr>
+          <p:cNvPr id="4" name="직사각형 3"/>
+          <p:cNvSpPr/>
+          <p:nvPr/>
+        </p:nvSpPr>
+        <p:spPr>
+          <a:xfrm>
+            <a:off x="395536" y="5252060"/>
+            <a:ext cx="1008112" cy="553204"/>
+          </a:xfrm>
+          <a:prstGeom prst="rect">
+            <a:avLst/>
+          </a:prstGeom>
+          <a:noFill/>
+          <a:ln>
+            <a:solidFill>
+              <a:srgbClr val="FFC000"/>
+            </a:solidFill>
+          </a:ln>
+        </p:spPr>
+        <p:style>
+          <a:lnRef idx="2">
+            <a:schemeClr val="accent1">
+              <a:shade val="50000"/>
+            </a:schemeClr>
+          </a:lnRef>
+          <a:fillRef idx="1">
+            <a:schemeClr val="accent1"/>
+          </a:fillRef>
+          <a:effectRef idx="0">
+            <a:schemeClr val="accent1"/>
+          </a:effectRef>
+          <a:fontRef idx="minor">
+            <a:schemeClr val="lt1"/>
+          </a:fontRef>
+        </p:style>
+        <p:txBody>
+          <a:bodyPr rtlCol="0" anchor="ctr"/>
+          <a:lstStyle/>
+          <a:p>
+            <a:pPr algn="ctr"/>
+            <a:endParaRPr lang="ko-KR" altLang="en-US"/>
+          </a:p>
+        </p:txBody>
+      </p:sp>
+      <p:sp>
+        <p:nvSpPr>
+          <p:cNvPr id="7" name="직사각형 6"/>
+          <p:cNvSpPr/>
+          <p:nvPr/>
+        </p:nvSpPr>
+        <p:spPr>
+          <a:xfrm>
+            <a:off x="229779" y="3717032"/>
+            <a:ext cx="3003065" cy="648072"/>
+          </a:xfrm>
+          <a:prstGeom prst="rect">
+            <a:avLst/>
+          </a:prstGeom>
+          <a:noFill/>
+          <a:ln>
+            <a:solidFill>
+              <a:srgbClr val="FFC000"/>
+            </a:solidFill>
+          </a:ln>
+        </p:spPr>
+        <p:style>
+          <a:lnRef idx="2">
+            <a:schemeClr val="accent1">
+              <a:shade val="50000"/>
+            </a:schemeClr>
+          </a:lnRef>
+          <a:fillRef idx="1">
+            <a:schemeClr val="accent1"/>
+          </a:fillRef>
+          <a:effectRef idx="0">
+            <a:schemeClr val="accent1"/>
+          </a:effectRef>
+          <a:fontRef idx="minor">
+            <a:schemeClr val="lt1"/>
+          </a:fontRef>
+        </p:style>
+        <p:txBody>
+          <a:bodyPr rtlCol="0" anchor="ctr"/>
+          <a:lstStyle/>
+          <a:p>
+            <a:pPr algn="ctr"/>
+            <a:endParaRPr lang="ko-KR" altLang="en-US"/>
+          </a:p>
+        </p:txBody>
+      </p:sp>
+      <p:sp>
+        <p:nvSpPr>
+          <p:cNvPr id="8" name="직사각형 7"/>
+          <p:cNvSpPr/>
+          <p:nvPr/>
+        </p:nvSpPr>
+        <p:spPr>
+          <a:xfrm>
+            <a:off x="274023" y="1700808"/>
+            <a:ext cx="1766120" cy="648072"/>
+          </a:xfrm>
+          <a:prstGeom prst="rect">
+            <a:avLst/>
+          </a:prstGeom>
+          <a:noFill/>
+          <a:ln>
+            <a:solidFill>
+              <a:srgbClr val="FFC000"/>
+            </a:solidFill>
+          </a:ln>
+        </p:spPr>
+        <p:style>
+          <a:lnRef idx="2">
+            <a:schemeClr val="accent1">
+              <a:shade val="50000"/>
+            </a:schemeClr>
+          </a:lnRef>
+          <a:fillRef idx="1">
+            <a:schemeClr val="accent1"/>
+          </a:fillRef>
+          <a:effectRef idx="0">
+            <a:schemeClr val="accent1"/>
+          </a:effectRef>
+          <a:fontRef idx="minor">
+            <a:schemeClr val="lt1"/>
+          </a:fontRef>
+        </p:style>
+        <p:txBody>
+          <a:bodyPr rtlCol="0" anchor="ctr"/>
+          <a:lstStyle/>
+          <a:p>
+            <a:pPr algn="ctr"/>
             <a:endParaRPr lang="ko-KR" altLang="en-US"/>
           </a:p>
         </p:txBody>
@@ -48662,7 +57567,7 @@
     </p:spTree>
     <p:extLst>
       <p:ext uri="{BB962C8B-B14F-4D97-AF65-F5344CB8AC3E}">
-        <p14:creationId xmlns:p14="http://schemas.microsoft.com/office/powerpoint/2010/main" val="1311453032"/>
+        <p14:creationId xmlns:p14="http://schemas.microsoft.com/office/powerpoint/2010/main" val="931431052"/>
       </p:ext>
     </p:extLst>
   </p:cSld>
@@ -48713,7 +57618,7 @@
           <a:p>
             <a:r>
               <a:rPr lang="en-US" altLang="ko-KR" dirty="0" smtClean="0"/>
-              <a:t>11</a:t>
+              <a:t>12</a:t>
             </a:r>
             <a:r>
               <a:rPr lang="ko-KR" altLang="en-US" dirty="0" smtClean="0"/>
@@ -48733,11 +57638,426 @@
             <p:ph idx="1"/>
           </p:nvPr>
         </p:nvSpPr>
-        <p:spPr/>
+        <p:spPr>
+          <a:xfrm>
+            <a:off x="5148064" y="764704"/>
+            <a:ext cx="3538736" cy="5361459"/>
+          </a:xfrm>
+        </p:spPr>
         <p:txBody>
           <a:bodyPr/>
           <a:lstStyle/>
           <a:p>
+            <a:r>
+              <a:rPr lang="ko-KR" altLang="en-US" dirty="0" smtClean="0"/>
+              <a:t>다형성에 의해 함수 재정의 하기 위한 조건</a:t>
+            </a:r>
+            <a:endParaRPr lang="en-US" altLang="ko-KR" dirty="0" smtClean="0"/>
+          </a:p>
+          <a:p>
+            <a:pPr marL="342900" indent="-342900">
+              <a:buAutoNum type="arabicPeriod"/>
+            </a:pPr>
+            <a:r>
+              <a:rPr lang="ko-KR" altLang="en-US" dirty="0" smtClean="0"/>
+              <a:t>기반 클래스의 멤버 함수가 </a:t>
+            </a:r>
+            <a:r>
+              <a:rPr lang="ko-KR" altLang="en-US" b="1" dirty="0" smtClean="0"/>
+              <a:t>가상 함수로 선언</a:t>
+            </a:r>
+            <a:r>
+              <a:rPr lang="en-US" altLang="ko-KR" dirty="0" smtClean="0"/>
+              <a:t>.</a:t>
+            </a:r>
+          </a:p>
+          <a:p>
+            <a:pPr marL="342900" indent="-342900">
+              <a:buAutoNum type="arabicPeriod"/>
+            </a:pPr>
+            <a:r>
+              <a:rPr lang="ko-KR" altLang="en-US" dirty="0" smtClean="0"/>
+              <a:t>함수에서 </a:t>
+            </a:r>
+            <a:r>
+              <a:rPr lang="ko-KR" altLang="en-US" b="1" dirty="0" smtClean="0"/>
+              <a:t>매개변수로 전달된 변수</a:t>
+            </a:r>
+            <a:r>
+              <a:rPr lang="ko-KR" altLang="en-US" dirty="0" smtClean="0"/>
+              <a:t>는 </a:t>
+            </a:r>
+            <a:r>
+              <a:rPr lang="ko-KR" altLang="en-US" b="1" dirty="0" smtClean="0"/>
+              <a:t>객체의 주소를 포함</a:t>
+            </a:r>
+            <a:r>
+              <a:rPr lang="en-US" altLang="ko-KR" dirty="0" smtClean="0"/>
+              <a:t>.</a:t>
+            </a:r>
+          </a:p>
+          <a:p>
+            <a:pPr marL="342900" indent="-342900">
+              <a:buAutoNum type="arabicPeriod"/>
+            </a:pPr>
+            <a:endParaRPr lang="en-US" altLang="ko-KR" dirty="0"/>
+          </a:p>
+          <a:p>
+            <a:pPr marL="342900" indent="-342900">
+              <a:buAutoNum type="arabicPeriod"/>
+            </a:pPr>
+            <a:endParaRPr lang="en-US" altLang="ko-KR" dirty="0" smtClean="0"/>
+          </a:p>
+          <a:p>
+            <a:r>
+              <a:rPr lang="ko-KR" altLang="en-US" dirty="0" smtClean="0"/>
+              <a:t>가상 함수의 호출은 </a:t>
+            </a:r>
+            <a:r>
+              <a:rPr lang="ko-KR" altLang="en-US" dirty="0" err="1" smtClean="0"/>
+              <a:t>컴퍼일러가</a:t>
+            </a:r>
+            <a:r>
+              <a:rPr lang="ko-KR" altLang="en-US" dirty="0" smtClean="0"/>
+              <a:t> 어떤 함수를 호출해야 하는지 미리 알 수 없음</a:t>
+            </a:r>
+            <a:r>
+              <a:rPr lang="en-US" altLang="ko-KR" dirty="0" smtClean="0"/>
+              <a:t>.</a:t>
+            </a:r>
+          </a:p>
+          <a:p>
+            <a:r>
+              <a:rPr lang="en-US" altLang="ko-KR" dirty="0" smtClean="0"/>
+              <a:t>WHY?</a:t>
+            </a:r>
+          </a:p>
+          <a:p>
+            <a:r>
+              <a:rPr lang="ko-KR" altLang="en-US" dirty="0" smtClean="0"/>
+              <a:t>가상함수는 프로그램이 실행될 때 객체를 결정</a:t>
+            </a:r>
+            <a:r>
+              <a:rPr lang="en-US" altLang="ko-KR" dirty="0" smtClean="0"/>
+              <a:t>.</a:t>
+            </a:r>
+          </a:p>
+          <a:p>
+            <a:pPr marL="285750" indent="-285750">
+              <a:buFont typeface="Symbol"/>
+              <a:buChar char="Þ"/>
+            </a:pPr>
+            <a:r>
+              <a:rPr lang="ko-KR" altLang="en-US" dirty="0" smtClean="0"/>
+              <a:t>이러한 것을 동작결합</a:t>
+            </a:r>
+            <a:endParaRPr lang="en-US" altLang="ko-KR" dirty="0"/>
+          </a:p>
+          <a:p>
+            <a:r>
+              <a:rPr lang="en-US" altLang="ko-KR" dirty="0" smtClean="0"/>
+              <a:t>(</a:t>
+            </a:r>
+            <a:r>
+              <a:rPr lang="en-US" altLang="ko-KR" dirty="0" err="1" smtClean="0"/>
+              <a:t>Dynaminc</a:t>
+            </a:r>
+            <a:r>
+              <a:rPr lang="en-US" altLang="ko-KR" dirty="0" smtClean="0"/>
+              <a:t> Binding)</a:t>
+            </a:r>
+            <a:endParaRPr lang="ko-KR" altLang="en-US" dirty="0"/>
+          </a:p>
+        </p:txBody>
+      </p:sp>
+      <p:pic>
+        <p:nvPicPr>
+          <p:cNvPr id="25602" name="Picture 2"/>
+          <p:cNvPicPr>
+            <a:picLocks noChangeAspect="1" noChangeArrowheads="1"/>
+          </p:cNvPicPr>
+          <p:nvPr/>
+        </p:nvPicPr>
+        <p:blipFill>
+          <a:blip r:embed="rId2">
+            <a:extLst>
+              <a:ext uri="{28A0092B-C50C-407E-A947-70E740481C1C}">
+                <a14:useLocalDpi xmlns:a14="http://schemas.microsoft.com/office/drawing/2010/main" val="0"/>
+              </a:ext>
+            </a:extLst>
+          </a:blip>
+          <a:srcRect/>
+          <a:stretch>
+            <a:fillRect/>
+          </a:stretch>
+        </p:blipFill>
+        <p:spPr bwMode="auto">
+          <a:xfrm>
+            <a:off x="179512" y="604807"/>
+            <a:ext cx="3076575" cy="5619750"/>
+          </a:xfrm>
+          <a:prstGeom prst="rect">
+            <a:avLst/>
+          </a:prstGeom>
+          <a:noFill/>
+          <a:ln>
+            <a:noFill/>
+          </a:ln>
+          <a:extLst>
+            <a:ext uri="{909E8E84-426E-40DD-AFC4-6F175D3DCCD1}">
+              <a14:hiddenFill xmlns:a14="http://schemas.microsoft.com/office/drawing/2010/main">
+                <a:solidFill>
+                  <a:schemeClr val="accent1"/>
+                </a:solidFill>
+              </a14:hiddenFill>
+            </a:ext>
+            <a:ext uri="{91240B29-F687-4F45-9708-019B960494DF}">
+              <a14:hiddenLine xmlns:a14="http://schemas.microsoft.com/office/drawing/2010/main" w="9525">
+                <a:solidFill>
+                  <a:schemeClr val="tx1"/>
+                </a:solidFill>
+                <a:miter lim="800000"/>
+                <a:headEnd/>
+                <a:tailEnd/>
+              </a14:hiddenLine>
+            </a:ext>
+          </a:extLst>
+        </p:spPr>
+      </p:pic>
+      <p:pic>
+        <p:nvPicPr>
+          <p:cNvPr id="25603" name="Picture 3"/>
+          <p:cNvPicPr>
+            <a:picLocks noChangeAspect="1" noChangeArrowheads="1"/>
+          </p:cNvPicPr>
+          <p:nvPr/>
+        </p:nvPicPr>
+        <p:blipFill>
+          <a:blip r:embed="rId3">
+            <a:extLst>
+              <a:ext uri="{28A0092B-C50C-407E-A947-70E740481C1C}">
+                <a14:useLocalDpi xmlns:a14="http://schemas.microsoft.com/office/drawing/2010/main" val="0"/>
+              </a:ext>
+            </a:extLst>
+          </a:blip>
+          <a:srcRect/>
+          <a:stretch>
+            <a:fillRect/>
+          </a:stretch>
+        </p:blipFill>
+        <p:spPr bwMode="auto">
+          <a:xfrm>
+            <a:off x="2195736" y="4869160"/>
+            <a:ext cx="2037224" cy="1284337"/>
+          </a:xfrm>
+          <a:prstGeom prst="rect">
+            <a:avLst/>
+          </a:prstGeom>
+          <a:noFill/>
+          <a:ln>
+            <a:noFill/>
+          </a:ln>
+          <a:extLst>
+            <a:ext uri="{909E8E84-426E-40DD-AFC4-6F175D3DCCD1}">
+              <a14:hiddenFill xmlns:a14="http://schemas.microsoft.com/office/drawing/2010/main">
+                <a:solidFill>
+                  <a:schemeClr val="accent1"/>
+                </a:solidFill>
+              </a14:hiddenFill>
+            </a:ext>
+            <a:ext uri="{91240B29-F687-4F45-9708-019B960494DF}">
+              <a14:hiddenLine xmlns:a14="http://schemas.microsoft.com/office/drawing/2010/main" w="9525">
+                <a:solidFill>
+                  <a:schemeClr val="tx1"/>
+                </a:solidFill>
+                <a:miter lim="800000"/>
+                <a:headEnd/>
+                <a:tailEnd/>
+              </a14:hiddenLine>
+            </a:ext>
+          </a:extLst>
+        </p:spPr>
+      </p:pic>
+      <p:sp>
+        <p:nvSpPr>
+          <p:cNvPr id="6" name="직사각형 5"/>
+          <p:cNvSpPr/>
+          <p:nvPr/>
+        </p:nvSpPr>
+        <p:spPr>
+          <a:xfrm>
+            <a:off x="323528" y="1556792"/>
+            <a:ext cx="2232248" cy="648072"/>
+          </a:xfrm>
+          <a:prstGeom prst="rect">
+            <a:avLst/>
+          </a:prstGeom>
+          <a:noFill/>
+          <a:ln>
+            <a:solidFill>
+              <a:srgbClr val="FF0000"/>
+            </a:solidFill>
+          </a:ln>
+        </p:spPr>
+        <p:style>
+          <a:lnRef idx="2">
+            <a:schemeClr val="accent1">
+              <a:shade val="50000"/>
+            </a:schemeClr>
+          </a:lnRef>
+          <a:fillRef idx="1">
+            <a:schemeClr val="accent1"/>
+          </a:fillRef>
+          <a:effectRef idx="0">
+            <a:schemeClr val="accent1"/>
+          </a:effectRef>
+          <a:fontRef idx="minor">
+            <a:schemeClr val="lt1"/>
+          </a:fontRef>
+        </p:style>
+        <p:txBody>
+          <a:bodyPr rtlCol="0" anchor="ctr"/>
+          <a:lstStyle/>
+          <a:p>
+            <a:pPr algn="ctr"/>
+            <a:endParaRPr lang="ko-KR" altLang="en-US"/>
+          </a:p>
+        </p:txBody>
+      </p:sp>
+      <p:sp>
+        <p:nvSpPr>
+          <p:cNvPr id="7" name="직사각형 6"/>
+          <p:cNvSpPr/>
+          <p:nvPr/>
+        </p:nvSpPr>
+        <p:spPr>
+          <a:xfrm>
+            <a:off x="5220072" y="1385156"/>
+            <a:ext cx="3384376" cy="603684"/>
+          </a:xfrm>
+          <a:prstGeom prst="rect">
+            <a:avLst/>
+          </a:prstGeom>
+          <a:noFill/>
+          <a:ln>
+            <a:solidFill>
+              <a:srgbClr val="FF0000"/>
+            </a:solidFill>
+          </a:ln>
+        </p:spPr>
+        <p:style>
+          <a:lnRef idx="2">
+            <a:schemeClr val="accent1">
+              <a:shade val="50000"/>
+            </a:schemeClr>
+          </a:lnRef>
+          <a:fillRef idx="1">
+            <a:schemeClr val="accent1"/>
+          </a:fillRef>
+          <a:effectRef idx="0">
+            <a:schemeClr val="accent1"/>
+          </a:effectRef>
+          <a:fontRef idx="minor">
+            <a:schemeClr val="lt1"/>
+          </a:fontRef>
+        </p:style>
+        <p:txBody>
+          <a:bodyPr rtlCol="0" anchor="ctr"/>
+          <a:lstStyle/>
+          <a:p>
+            <a:pPr algn="ctr"/>
+            <a:endParaRPr lang="ko-KR" altLang="en-US"/>
+          </a:p>
+        </p:txBody>
+      </p:sp>
+      <p:sp>
+        <p:nvSpPr>
+          <p:cNvPr id="8" name="직사각형 7"/>
+          <p:cNvSpPr/>
+          <p:nvPr/>
+        </p:nvSpPr>
+        <p:spPr>
+          <a:xfrm>
+            <a:off x="5220072" y="2060848"/>
+            <a:ext cx="3384376" cy="603684"/>
+          </a:xfrm>
+          <a:prstGeom prst="rect">
+            <a:avLst/>
+          </a:prstGeom>
+          <a:noFill/>
+          <a:ln>
+            <a:solidFill>
+              <a:srgbClr val="00B0F0"/>
+            </a:solidFill>
+          </a:ln>
+        </p:spPr>
+        <p:style>
+          <a:lnRef idx="2">
+            <a:schemeClr val="accent1">
+              <a:shade val="50000"/>
+            </a:schemeClr>
+          </a:lnRef>
+          <a:fillRef idx="1">
+            <a:schemeClr val="accent1"/>
+          </a:fillRef>
+          <a:effectRef idx="0">
+            <a:schemeClr val="accent1"/>
+          </a:effectRef>
+          <a:fontRef idx="minor">
+            <a:schemeClr val="lt1"/>
+          </a:fontRef>
+        </p:style>
+        <p:txBody>
+          <a:bodyPr rtlCol="0" anchor="ctr"/>
+          <a:lstStyle/>
+          <a:p>
+            <a:pPr algn="ctr"/>
+            <a:endParaRPr lang="ko-KR" altLang="en-US"/>
+          </a:p>
+        </p:txBody>
+      </p:sp>
+      <p:sp>
+        <p:nvSpPr>
+          <p:cNvPr id="9" name="직사각형 8"/>
+          <p:cNvSpPr/>
+          <p:nvPr/>
+        </p:nvSpPr>
+        <p:spPr>
+          <a:xfrm>
+            <a:off x="150041" y="3573016"/>
+            <a:ext cx="3106046" cy="603684"/>
+          </a:xfrm>
+          <a:prstGeom prst="rect">
+            <a:avLst/>
+          </a:prstGeom>
+          <a:noFill/>
+          <a:ln>
+            <a:solidFill>
+              <a:srgbClr val="00B0F0"/>
+            </a:solidFill>
+          </a:ln>
+        </p:spPr>
+        <p:style>
+          <a:lnRef idx="2">
+            <a:schemeClr val="accent1">
+              <a:shade val="50000"/>
+            </a:schemeClr>
+          </a:lnRef>
+          <a:fillRef idx="1">
+            <a:schemeClr val="accent1"/>
+          </a:fillRef>
+          <a:effectRef idx="0">
+            <a:schemeClr val="accent1"/>
+          </a:effectRef>
+          <a:fontRef idx="minor">
+            <a:schemeClr val="lt1"/>
+          </a:fontRef>
+        </p:style>
+        <p:txBody>
+          <a:bodyPr rtlCol="0" anchor="ctr"/>
+          <a:lstStyle/>
+          <a:p>
+            <a:pPr algn="ctr"/>
             <a:endParaRPr lang="ko-KR" altLang="en-US"/>
           </a:p>
         </p:txBody>
@@ -48745,7 +58065,7 @@
     </p:spTree>
     <p:extLst>
       <p:ext uri="{BB962C8B-B14F-4D97-AF65-F5344CB8AC3E}">
-        <p14:creationId xmlns:p14="http://schemas.microsoft.com/office/powerpoint/2010/main" val="1311453032"/>
+        <p14:creationId xmlns:p14="http://schemas.microsoft.com/office/powerpoint/2010/main" val="931431052"/>
       </p:ext>
     </p:extLst>
   </p:cSld>
